--- a/OLA_Project.pptx
+++ b/OLA_Project.pptx
@@ -5,10 +5,10 @@
     <p:sldMasterId id="2147483666" r:id="rId4"/>
   </p:sldMasterIdLst>
   <p:notesMasterIdLst>
-    <p:notesMasterId r:id="rId47"/>
+    <p:notesMasterId r:id="rId49"/>
   </p:notesMasterIdLst>
   <p:handoutMasterIdLst>
-    <p:handoutMasterId r:id="rId48"/>
+    <p:handoutMasterId r:id="rId50"/>
   </p:handoutMasterIdLst>
   <p:sldIdLst>
     <p:sldId id="256" r:id="rId5"/>
@@ -53,6 +53,8 @@
     <p:sldId id="339" r:id="rId44"/>
     <p:sldId id="342" r:id="rId45"/>
     <p:sldId id="343" r:id="rId46"/>
+    <p:sldId id="344" r:id="rId47"/>
+    <p:sldId id="345" r:id="rId48"/>
   </p:sldIdLst>
   <p:sldSz cx="12192000" cy="6858000"/>
   <p:notesSz cx="6858000" cy="9144000"/>
@@ -188,13 +190,10 @@
 <file path=ppt/revisionInfo.xml><?xml version="1.0" encoding="utf-8"?>
 <p1510:revInfo xmlns:a="http://schemas.openxmlformats.org/drawingml/2006/main" xmlns:r="http://schemas.openxmlformats.org/officeDocument/2006/relationships" xmlns:p1510="http://schemas.microsoft.com/office/powerpoint/2015/10/main">
   <p1510:revLst>
-    <p1510:client id="{2300B0E0-C592-CDE4-F0B1-D40B9F84B255}" v="67" dt="2025-09-02T10:59:12.567"/>
-    <p1510:client id="{2740455B-7E05-72BE-6FA3-C2E59C11DA07}" v="410" dt="2025-09-03T10:02:31.918"/>
-    <p1510:client id="{3F5C868E-DD1E-6F2E-1444-751DC84A2791}" v="27" dt="2025-09-03T10:04:27.750"/>
-    <p1510:client id="{45D920E4-A2E3-E2A8-4F69-F9EE5A5CBB60}" v="460" dt="2025-09-02T15:59:04.528"/>
-    <p1510:client id="{711D21C6-1228-ECE0-C0D5-6BEE64E28951}" v="166" dt="2025-09-03T10:10:04.473"/>
-    <p1510:client id="{D14AD57B-C8BC-8B05-B749-C2B8817D80A5}" v="956" dt="2025-09-02T15:27:29.050"/>
-    <p1510:client id="{F1FF9F70-2AD1-40A3-A380-12A4D4235414}" v="2171" dt="2025-09-03T10:06:41.329"/>
+    <p1510:client id="{5C65A5AA-4BC0-E493-C805-239506D2B51C}" v="121" vWet="123" dt="2025-09-04T17:49:10.867"/>
+    <p1510:client id="{6EC01C96-3287-7B8A-DE09-8549FEFB5489}" v="24" dt="2025-09-04T16:47:07.136"/>
+    <p1510:client id="{F1FF9F70-2AD1-40A3-A380-12A4D4235414}" v="3094" dt="2025-09-04T17:53:22.231"/>
+    <p1510:client id="{FCD33007-1F49-F418-7839-38426B593C34}" v="1102" dt="2025-09-04T17:23:06.976"/>
   </p1510:revLst>
 </p1510:revInfo>
 </file>
@@ -4724,6 +4723,224 @@
     <p:extLst>
       <p:ext uri="{BB962C8B-B14F-4D97-AF65-F5344CB8AC3E}">
         <p14:creationId xmlns:p14="http://schemas.microsoft.com/office/powerpoint/2010/main" val="3573115029"/>
+      </p:ext>
+    </p:extLst>
+  </p:cSld>
+  <p:clrMapOvr>
+    <a:masterClrMapping/>
+  </p:clrMapOvr>
+</p:notes>
+</file>
+
+<file path=ppt/notesSlides/notesSlide43.xml><?xml version="1.0" encoding="utf-8"?>
+<p:notes xmlns:a="http://schemas.openxmlformats.org/drawingml/2006/main" xmlns:r="http://schemas.openxmlformats.org/officeDocument/2006/relationships" xmlns:p="http://schemas.openxmlformats.org/presentationml/2006/main">
+  <p:cSld>
+    <p:spTree>
+      <p:nvGrpSpPr>
+        <p:cNvPr id="1" name="">
+          <a:extLst>
+            <a:ext uri="{FF2B5EF4-FFF2-40B4-BE49-F238E27FC236}">
+              <a16:creationId xmlns:a16="http://schemas.microsoft.com/office/drawing/2014/main" id="{B6D281E4-53D8-22DD-9427-91727E64AA24}"/>
+            </a:ext>
+          </a:extLst>
+        </p:cNvPr>
+        <p:cNvGrpSpPr/>
+        <p:nvPr/>
+      </p:nvGrpSpPr>
+      <p:grpSpPr>
+        <a:xfrm>
+          <a:off x="0" y="0"/>
+          <a:ext cx="0" cy="0"/>
+          <a:chOff x="0" y="0"/>
+          <a:chExt cx="0" cy="0"/>
+        </a:xfrm>
+      </p:grpSpPr>
+      <p:sp>
+        <p:nvSpPr>
+          <p:cNvPr id="2" name="Segnaposto immagine diapositiva 1">
+            <a:extLst>
+              <a:ext uri="{FF2B5EF4-FFF2-40B4-BE49-F238E27FC236}">
+                <a16:creationId xmlns:a16="http://schemas.microsoft.com/office/drawing/2014/main" id="{EE0A12B1-ACE3-6411-AF73-3AC57BEDF214}"/>
+              </a:ext>
+            </a:extLst>
+          </p:cNvPr>
+          <p:cNvSpPr>
+            <a:spLocks noGrp="1" noRot="1" noChangeAspect="1"/>
+          </p:cNvSpPr>
+          <p:nvPr>
+            <p:ph type="sldImg"/>
+          </p:nvPr>
+        </p:nvSpPr>
+        <p:spPr/>
+      </p:sp>
+      <p:sp>
+        <p:nvSpPr>
+          <p:cNvPr id="3" name="Segnaposto note 2">
+            <a:extLst>
+              <a:ext uri="{FF2B5EF4-FFF2-40B4-BE49-F238E27FC236}">
+                <a16:creationId xmlns:a16="http://schemas.microsoft.com/office/drawing/2014/main" id="{C885DB20-EA1E-E5E1-2707-535768EDEFBE}"/>
+              </a:ext>
+            </a:extLst>
+          </p:cNvPr>
+          <p:cNvSpPr>
+            <a:spLocks noGrp="1"/>
+          </p:cNvSpPr>
+          <p:nvPr>
+            <p:ph type="body" idx="1"/>
+          </p:nvPr>
+        </p:nvSpPr>
+        <p:spPr/>
+        <p:txBody>
+          <a:bodyPr/>
+          <a:lstStyle/>
+          <a:p>
+            <a:endParaRPr lang="it-IT"/>
+          </a:p>
+        </p:txBody>
+      </p:sp>
+      <p:sp>
+        <p:nvSpPr>
+          <p:cNvPr id="4" name="Segnaposto numero diapositiva 3">
+            <a:extLst>
+              <a:ext uri="{FF2B5EF4-FFF2-40B4-BE49-F238E27FC236}">
+                <a16:creationId xmlns:a16="http://schemas.microsoft.com/office/drawing/2014/main" id="{5BF23F9E-25ED-A691-0C94-239C7DC9F2C1}"/>
+              </a:ext>
+            </a:extLst>
+          </p:cNvPr>
+          <p:cNvSpPr>
+            <a:spLocks noGrp="1"/>
+          </p:cNvSpPr>
+          <p:nvPr>
+            <p:ph type="sldNum" sz="quarter" idx="5"/>
+          </p:nvPr>
+        </p:nvSpPr>
+        <p:spPr/>
+        <p:txBody>
+          <a:bodyPr/>
+          <a:lstStyle/>
+          <a:p>
+            <a:pPr rtl="0"/>
+            <a:fld id="{D4B9A9E5-4F7F-4A7D-9DE1-899232329269}" type="slidenum">
+              <a:rPr lang="it-IT" smtClean="0"/>
+              <a:t>43</a:t>
+            </a:fld>
+            <a:endParaRPr lang="it-IT"/>
+          </a:p>
+        </p:txBody>
+      </p:sp>
+    </p:spTree>
+    <p:extLst>
+      <p:ext uri="{BB962C8B-B14F-4D97-AF65-F5344CB8AC3E}">
+        <p14:creationId xmlns:p14="http://schemas.microsoft.com/office/powerpoint/2010/main" val="2887681242"/>
+      </p:ext>
+    </p:extLst>
+  </p:cSld>
+  <p:clrMapOvr>
+    <a:masterClrMapping/>
+  </p:clrMapOvr>
+</p:notes>
+</file>
+
+<file path=ppt/notesSlides/notesSlide44.xml><?xml version="1.0" encoding="utf-8"?>
+<p:notes xmlns:a="http://schemas.openxmlformats.org/drawingml/2006/main" xmlns:r="http://schemas.openxmlformats.org/officeDocument/2006/relationships" xmlns:p="http://schemas.openxmlformats.org/presentationml/2006/main">
+  <p:cSld>
+    <p:spTree>
+      <p:nvGrpSpPr>
+        <p:cNvPr id="1" name="">
+          <a:extLst>
+            <a:ext uri="{FF2B5EF4-FFF2-40B4-BE49-F238E27FC236}">
+              <a16:creationId xmlns:a16="http://schemas.microsoft.com/office/drawing/2014/main" id="{609B5A99-24A0-2048-ED07-22A07439244A}"/>
+            </a:ext>
+          </a:extLst>
+        </p:cNvPr>
+        <p:cNvGrpSpPr/>
+        <p:nvPr/>
+      </p:nvGrpSpPr>
+      <p:grpSpPr>
+        <a:xfrm>
+          <a:off x="0" y="0"/>
+          <a:ext cx="0" cy="0"/>
+          <a:chOff x="0" y="0"/>
+          <a:chExt cx="0" cy="0"/>
+        </a:xfrm>
+      </p:grpSpPr>
+      <p:sp>
+        <p:nvSpPr>
+          <p:cNvPr id="2" name="Segnaposto immagine diapositiva 1">
+            <a:extLst>
+              <a:ext uri="{FF2B5EF4-FFF2-40B4-BE49-F238E27FC236}">
+                <a16:creationId xmlns:a16="http://schemas.microsoft.com/office/drawing/2014/main" id="{82F70910-AADB-16D0-28A7-98D6C9ECED97}"/>
+              </a:ext>
+            </a:extLst>
+          </p:cNvPr>
+          <p:cNvSpPr>
+            <a:spLocks noGrp="1" noRot="1" noChangeAspect="1"/>
+          </p:cNvSpPr>
+          <p:nvPr>
+            <p:ph type="sldImg"/>
+          </p:nvPr>
+        </p:nvSpPr>
+        <p:spPr/>
+      </p:sp>
+      <p:sp>
+        <p:nvSpPr>
+          <p:cNvPr id="3" name="Segnaposto note 2">
+            <a:extLst>
+              <a:ext uri="{FF2B5EF4-FFF2-40B4-BE49-F238E27FC236}">
+                <a16:creationId xmlns:a16="http://schemas.microsoft.com/office/drawing/2014/main" id="{D97C0253-9BB9-6276-7CEC-15A84E9B2680}"/>
+              </a:ext>
+            </a:extLst>
+          </p:cNvPr>
+          <p:cNvSpPr>
+            <a:spLocks noGrp="1"/>
+          </p:cNvSpPr>
+          <p:nvPr>
+            <p:ph type="body" idx="1"/>
+          </p:nvPr>
+        </p:nvSpPr>
+        <p:spPr/>
+        <p:txBody>
+          <a:bodyPr/>
+          <a:lstStyle/>
+          <a:p>
+            <a:endParaRPr lang="it-IT"/>
+          </a:p>
+        </p:txBody>
+      </p:sp>
+      <p:sp>
+        <p:nvSpPr>
+          <p:cNvPr id="4" name="Segnaposto numero diapositiva 3">
+            <a:extLst>
+              <a:ext uri="{FF2B5EF4-FFF2-40B4-BE49-F238E27FC236}">
+                <a16:creationId xmlns:a16="http://schemas.microsoft.com/office/drawing/2014/main" id="{DA378877-6E5B-2FCC-66B5-448C1181CEAD}"/>
+              </a:ext>
+            </a:extLst>
+          </p:cNvPr>
+          <p:cNvSpPr>
+            <a:spLocks noGrp="1"/>
+          </p:cNvSpPr>
+          <p:nvPr>
+            <p:ph type="sldNum" sz="quarter" idx="5"/>
+          </p:nvPr>
+        </p:nvSpPr>
+        <p:spPr/>
+        <p:txBody>
+          <a:bodyPr/>
+          <a:lstStyle/>
+          <a:p>
+            <a:pPr rtl="0"/>
+            <a:fld id="{D4B9A9E5-4F7F-4A7D-9DE1-899232329269}" type="slidenum">
+              <a:rPr lang="it-IT" smtClean="0"/>
+              <a:t>44</a:t>
+            </a:fld>
+            <a:endParaRPr lang="it-IT"/>
+          </a:p>
+        </p:txBody>
+      </p:sp>
+    </p:spTree>
+    <p:extLst>
+      <p:ext uri="{BB962C8B-B14F-4D97-AF65-F5344CB8AC3E}">
+        <p14:creationId xmlns:p14="http://schemas.microsoft.com/office/powerpoint/2010/main" val="59761753"/>
       </p:ext>
     </p:extLst>
   </p:cSld>
@@ -22312,7 +22529,7 @@
         </p:nvSpPr>
         <p:spPr>
           <a:xfrm>
-            <a:off x="838200" y="6356350"/>
+            <a:off x="838200" y="6402070"/>
             <a:ext cx="2743200" cy="365125"/>
           </a:xfrm>
         </p:spPr>
@@ -22320,11 +22537,14 @@
           <a:bodyPr rtlCol="0"/>
           <a:lstStyle/>
           <a:p>
+            <a:r>
+              <a:rPr lang="it-IT"/>
+              <a:t>Online Learning Application Project 2025</a:t>
+            </a:r>
+          </a:p>
+          <a:p>
             <a:pPr rtl="0"/>
-            <a:r>
-              <a:rPr lang="it-IT"/>
-              <a:t>20XX</a:t>
-            </a:r>
+            <a:endParaRPr lang="it-IT"/>
           </a:p>
         </p:txBody>
       </p:sp>
@@ -22354,11 +22574,11 @@
           <a:bodyPr rtlCol="0"/>
           <a:lstStyle/>
           <a:p>
-            <a:pPr rtl="0"/>
             <a:r>
               <a:rPr lang="it-IT"/>
-              <a:t>Presentazione</a:t>
-            </a:r>
+              <a:t>Presentation</a:t>
+            </a:r>
+            <a:endParaRPr lang="en-US"/>
           </a:p>
         </p:txBody>
       </p:sp>
@@ -22633,7 +22853,7 @@
         </p:nvSpPr>
         <p:spPr>
           <a:xfrm>
-            <a:off x="838200" y="6356350"/>
+            <a:off x="838200" y="6429502"/>
             <a:ext cx="2743200" cy="365125"/>
           </a:xfrm>
         </p:spPr>
@@ -22641,11 +22861,14 @@
           <a:bodyPr rtlCol="0"/>
           <a:lstStyle/>
           <a:p>
+            <a:r>
+              <a:rPr lang="it-IT"/>
+              <a:t>Online Learning Application Project 2025</a:t>
+            </a:r>
+          </a:p>
+          <a:p>
             <a:pPr rtl="0"/>
-            <a:r>
-              <a:rPr lang="it-IT"/>
-              <a:t>20XX</a:t>
-            </a:r>
+            <a:endParaRPr lang="it-IT"/>
           </a:p>
         </p:txBody>
       </p:sp>
@@ -22675,11 +22898,11 @@
           <a:bodyPr rtlCol="0"/>
           <a:lstStyle/>
           <a:p>
-            <a:pPr rtl="0"/>
             <a:r>
               <a:rPr lang="it-IT"/>
-              <a:t>Presentazione</a:t>
-            </a:r>
+              <a:t>Presentation</a:t>
+            </a:r>
+            <a:endParaRPr lang="en-US"/>
           </a:p>
         </p:txBody>
       </p:sp>
@@ -22845,8 +23068,8 @@
         </p:nvSpPr>
         <p:spPr>
           <a:xfrm rot="5400000">
-            <a:off x="8610600" y="2636044"/>
-            <a:ext cx="762000" cy="371475"/>
+            <a:off x="8631755" y="2614889"/>
+            <a:ext cx="649776" cy="301561"/>
           </a:xfrm>
           <a:prstGeom prst="rightArrow">
             <a:avLst/>
@@ -22944,11 +23167,17 @@
           <a:bodyPr rtlCol="0"/>
           <a:lstStyle/>
           <a:p>
+            <a:endParaRPr lang="it-IT"/>
+          </a:p>
+          <a:p>
+            <a:r>
+              <a:rPr lang="it-IT"/>
+              <a:t>Online Learning Application Project 2025</a:t>
+            </a:r>
+          </a:p>
+          <a:p>
             <a:pPr rtl="0"/>
-            <a:r>
-              <a:rPr lang="it-IT"/>
-              <a:t>20XX</a:t>
-            </a:r>
+            <a:endParaRPr lang="it-IT"/>
           </a:p>
         </p:txBody>
       </p:sp>
@@ -22978,11 +23207,11 @@
           <a:bodyPr rtlCol="0"/>
           <a:lstStyle/>
           <a:p>
-            <a:pPr rtl="0"/>
             <a:r>
               <a:rPr lang="it-IT"/>
-              <a:t>Presentazione</a:t>
-            </a:r>
+              <a:t>Presentation</a:t>
+            </a:r>
+            <a:endParaRPr lang="en-US"/>
           </a:p>
         </p:txBody>
       </p:sp>
@@ -23109,8 +23338,8 @@
         </p:nvSpPr>
         <p:spPr>
           <a:xfrm>
-            <a:off x="2044574" y="2595717"/>
-            <a:ext cx="8643091" cy="2862322"/>
+            <a:off x="2002241" y="2595717"/>
+            <a:ext cx="7976341" cy="2862322"/>
           </a:xfrm>
           <a:prstGeom prst="rect">
             <a:avLst/>
@@ -23118,7 +23347,7 @@
           <a:noFill/>
         </p:spPr>
         <p:txBody>
-          <a:bodyPr wrap="square" rtlCol="0">
+          <a:bodyPr wrap="square" lIns="91440" tIns="45720" rIns="91440" bIns="45720" rtlCol="0" anchor="t">
             <a:spAutoFit/>
           </a:bodyPr>
           <a:lstStyle/>
@@ -23182,10 +23411,6 @@
               <a:t>horizon</a:t>
             </a:r>
             <a:r>
-              <a:rPr lang="it-IT" sz="2000" b="1"/>
-              <a:t>:</a:t>
-            </a:r>
-            <a:r>
               <a:rPr lang="it-IT" sz="2000"/>
               <a:t> T = 10000</a:t>
             </a:r>
@@ -23197,7 +23422,7 @@
             </a:pPr>
             <a:r>
               <a:rPr lang="it-IT" sz="2000" b="1"/>
-              <a:t>Budget:</a:t>
+              <a:t>Budget</a:t>
             </a:r>
             <a:r>
               <a:rPr lang="it-IT" sz="2000"/>
@@ -23245,7 +23470,15 @@
             </a:r>
             <a:r>
               <a:rPr lang="it-IT" sz="2000" b="1"/>
-              <a:t> [0.5, 1.0]</a:t>
+              <a:t> </a:t>
+            </a:r>
+            <a:r>
+              <a:rPr lang="it-IT" sz="2000" b="1" i="1"/>
+              <a:t>N</a:t>
+            </a:r>
+            <a:r>
+              <a:rPr lang="it-IT" sz="2000" b="1"/>
+              <a:t>(0.5, 1.0)</a:t>
             </a:r>
             <a:r>
               <a:rPr lang="it-IT" sz="2000"/>
@@ -23382,11 +23615,17 @@
           <a:bodyPr rtlCol="0"/>
           <a:lstStyle/>
           <a:p>
+            <a:endParaRPr lang="it-IT"/>
+          </a:p>
+          <a:p>
+            <a:r>
+              <a:rPr lang="it-IT"/>
+              <a:t>Online Learning Application Project 2025</a:t>
+            </a:r>
+          </a:p>
+          <a:p>
             <a:pPr rtl="0"/>
-            <a:r>
-              <a:rPr lang="it-IT"/>
-              <a:t>20XX</a:t>
-            </a:r>
+            <a:endParaRPr lang="it-IT"/>
           </a:p>
         </p:txBody>
       </p:sp>
@@ -23416,11 +23655,11 @@
           <a:bodyPr rtlCol="0"/>
           <a:lstStyle/>
           <a:p>
-            <a:pPr rtl="0"/>
             <a:r>
               <a:rPr lang="it-IT"/>
-              <a:t>Presentazione</a:t>
-            </a:r>
+              <a:t>Presentation</a:t>
+            </a:r>
+            <a:endParaRPr lang="en-US"/>
           </a:p>
         </p:txBody>
       </p:sp>
@@ -23778,7 +24017,7 @@
         </p:nvSpPr>
         <p:spPr>
           <a:xfrm>
-            <a:off x="2209800" y="1945019"/>
+            <a:off x="2209800" y="1588403"/>
             <a:ext cx="2882475" cy="823912"/>
           </a:xfrm>
         </p:spPr>
@@ -23812,7 +24051,7 @@
         </p:nvSpPr>
         <p:spPr>
           <a:xfrm>
-            <a:off x="2209800" y="2865476"/>
+            <a:off x="2209800" y="2508860"/>
             <a:ext cx="3771929" cy="2447187"/>
           </a:xfrm>
         </p:spPr>
@@ -23861,7 +24100,7 @@
         </p:nvSpPr>
         <p:spPr>
           <a:xfrm>
-            <a:off x="6587032" y="1945019"/>
+            <a:off x="6587032" y="1588403"/>
             <a:ext cx="2896671" cy="823912"/>
           </a:xfrm>
         </p:spPr>
@@ -23895,12 +24134,12 @@
         </p:nvSpPr>
         <p:spPr>
           <a:xfrm>
-            <a:off x="6587032" y="2865475"/>
+            <a:off x="6587032" y="2508859"/>
             <a:ext cx="4012142" cy="2447187"/>
           </a:xfrm>
         </p:spPr>
         <p:txBody>
-          <a:bodyPr rtlCol="0">
+          <a:bodyPr vert="horz" lIns="91440" tIns="45720" rIns="91440" bIns="45720" rtlCol="0" anchor="t">
             <a:normAutofit/>
           </a:bodyPr>
           <a:lstStyle/>
@@ -23910,23 +24149,51 @@
               <a:buChar char="§"/>
             </a:pPr>
             <a:r>
-              <a:rPr lang="it-IT" sz="2000"/>
-              <a:t>Has a joint </a:t>
-            </a:r>
-            <a:r>
-              <a:rPr lang="it-IT" sz="2000" err="1"/>
+              <a:rPr lang="it-IT" sz="2000">
+                <a:solidFill>
+                  <a:srgbClr val="404040"/>
+                </a:solidFill>
+              </a:rPr>
+              <a:t>Has a </a:t>
+            </a:r>
+            <a:r>
+              <a:rPr lang="it-IT" sz="2000">
+                <a:solidFill>
+                  <a:srgbClr val="FF0000"/>
+                </a:solidFill>
+              </a:rPr>
+              <a:t>joint </a:t>
+            </a:r>
+            <a:r>
+              <a:rPr lang="it-IT" sz="2000" err="1">
+                <a:solidFill>
+                  <a:srgbClr val="FF0000"/>
+                </a:solidFill>
+              </a:rPr>
               <a:t>distribution</a:t>
             </a:r>
             <a:r>
-              <a:rPr lang="it-IT" sz="2000"/>
+              <a:rPr lang="it-IT" sz="2000">
+                <a:solidFill>
+                  <a:srgbClr val="404040"/>
+                </a:solidFill>
+              </a:rPr>
               <a:t> over the </a:t>
             </a:r>
             <a:r>
-              <a:rPr lang="it-IT" sz="2000" err="1"/>
+              <a:rPr lang="it-IT" sz="2000" err="1">
+                <a:solidFill>
+                  <a:srgbClr val="404040"/>
+                </a:solidFill>
+              </a:rPr>
               <a:t>valuation</a:t>
             </a:r>
             <a:r>
-              <a:rPr lang="it-IT" sz="2000"/>
+              <a:rPr lang="it-IT" sz="2000">
+                <a:solidFill>
+                  <a:srgbClr val="404040"/>
+                </a:solidFill>
+              </a:rPr>
               <a:t> of the products</a:t>
             </a:r>
           </a:p>
@@ -23949,10 +24216,22 @@
             </a:r>
             <a:r>
               <a:rPr lang="it-IT" sz="2000"/>
-              <a:t> a Multivariate </a:t>
-            </a:r>
-            <a:r>
-              <a:rPr lang="it-IT" sz="2000" err="1"/>
+              <a:t> a </a:t>
+            </a:r>
+            <a:r>
+              <a:rPr lang="it-IT" sz="2000">
+                <a:solidFill>
+                  <a:srgbClr val="FF0000"/>
+                </a:solidFill>
+              </a:rPr>
+              <a:t>Multivariate </a:t>
+            </a:r>
+            <a:r>
+              <a:rPr lang="it-IT" sz="2000" err="1">
+                <a:solidFill>
+                  <a:srgbClr val="FF0000"/>
+                </a:solidFill>
+              </a:rPr>
               <a:t>Gaussian</a:t>
             </a:r>
             <a:r>
@@ -23993,11 +24272,17 @@
           <a:bodyPr rtlCol="0"/>
           <a:lstStyle/>
           <a:p>
+            <a:endParaRPr lang="it-IT"/>
+          </a:p>
+          <a:p>
+            <a:r>
+              <a:rPr lang="it-IT"/>
+              <a:t>Online Learning Application Project 2025</a:t>
+            </a:r>
+          </a:p>
+          <a:p>
             <a:pPr rtl="0"/>
-            <a:r>
-              <a:rPr lang="it-IT"/>
-              <a:t>20XX</a:t>
-            </a:r>
+            <a:endParaRPr lang="it-IT"/>
           </a:p>
         </p:txBody>
       </p:sp>
@@ -24027,11 +24312,11 @@
           <a:bodyPr rtlCol="0"/>
           <a:lstStyle/>
           <a:p>
-            <a:pPr rtl="0"/>
             <a:r>
               <a:rPr lang="it-IT"/>
-              <a:t>Presentazione</a:t>
-            </a:r>
+              <a:t>Presentation</a:t>
+            </a:r>
+            <a:endParaRPr lang="en-US"/>
           </a:p>
         </p:txBody>
       </p:sp>
@@ -24110,6 +24395,36 @@
           </a:p>
         </p:txBody>
       </p:sp>
+      <p:pic>
+        <p:nvPicPr>
+          <p:cNvPr id="5" name="Picture 4" descr="A graph of a function&#10;&#10;AI-generated content may be incorrect.">
+            <a:extLst>
+              <a:ext uri="{FF2B5EF4-FFF2-40B4-BE49-F238E27FC236}">
+                <a16:creationId xmlns:a16="http://schemas.microsoft.com/office/drawing/2014/main" id="{233CB9D1-46F5-A602-942B-F33364295985}"/>
+              </a:ext>
+            </a:extLst>
+          </p:cNvPr>
+          <p:cNvPicPr>
+            <a:picLocks noChangeAspect="1"/>
+          </p:cNvPicPr>
+          <p:nvPr/>
+        </p:nvPicPr>
+        <p:blipFill>
+          <a:blip r:embed="rId3"/>
+          <a:stretch>
+            <a:fillRect/>
+          </a:stretch>
+        </p:blipFill>
+        <p:spPr>
+          <a:xfrm>
+            <a:off x="4197515" y="4111383"/>
+            <a:ext cx="3569235" cy="1873899"/>
+          </a:xfrm>
+          <a:prstGeom prst="rect">
+            <a:avLst/>
+          </a:prstGeom>
+        </p:spPr>
+      </p:pic>
     </p:spTree>
     <p:extLst>
       <p:ext uri="{BB962C8B-B14F-4D97-AF65-F5344CB8AC3E}">
@@ -24212,11 +24527,17 @@
           <a:bodyPr rtlCol="0"/>
           <a:lstStyle/>
           <a:p>
+            <a:endParaRPr lang="it-IT"/>
+          </a:p>
+          <a:p>
+            <a:r>
+              <a:rPr lang="it-IT"/>
+              <a:t>Online Learning Application Project 2025</a:t>
+            </a:r>
+          </a:p>
+          <a:p>
             <a:pPr rtl="0"/>
-            <a:r>
-              <a:rPr lang="it-IT"/>
-              <a:t>20XX</a:t>
-            </a:r>
+            <a:endParaRPr lang="it-IT"/>
           </a:p>
         </p:txBody>
       </p:sp>
@@ -24246,11 +24567,11 @@
           <a:bodyPr rtlCol="0"/>
           <a:lstStyle/>
           <a:p>
-            <a:pPr rtl="0"/>
             <a:r>
               <a:rPr lang="it-IT"/>
-              <a:t>Presentazione</a:t>
-            </a:r>
+              <a:t>Presentation</a:t>
+            </a:r>
+            <a:endParaRPr lang="en-US"/>
           </a:p>
         </p:txBody>
       </p:sp>
@@ -24358,7 +24679,7 @@
           <a:lstStyle/>
           <a:p>
             <a:r>
-              <a:rPr lang="it-IT"/>
+              <a:rPr lang="it-IT" b="1"/>
               <a:t>APPROACH 3</a:t>
             </a:r>
           </a:p>
@@ -24393,7 +24714,7 @@
           <a:lstStyle/>
           <a:p>
             <a:r>
-              <a:rPr lang="it-IT"/>
+              <a:rPr lang="it-IT" b="1"/>
               <a:t>APPROACH 2</a:t>
             </a:r>
           </a:p>
@@ -24428,7 +24749,7 @@
           <a:lstStyle/>
           <a:p>
             <a:r>
-              <a:rPr lang="it-IT"/>
+              <a:rPr lang="it-IT" b="1"/>
               <a:t>APPROACH 1</a:t>
             </a:r>
           </a:p>
@@ -24464,7 +24785,15 @@
           <a:p>
             <a:r>
               <a:rPr lang="en-US"/>
-              <a:t>Product-wise decomposition with independent UCB for each product.</a:t>
+              <a:t>Product-wise decomposition with</a:t>
+            </a:r>
+            <a:r>
+              <a:rPr lang="en-US" b="1"/>
+              <a:t> independent UCB for each product</a:t>
+            </a:r>
+            <a:r>
+              <a:rPr lang="en-US"/>
+              <a:t>.</a:t>
             </a:r>
           </a:p>
           <a:p>
@@ -24546,12 +24875,16 @@
               <a:t>A priori calculation of all </a:t>
             </a:r>
             <a:r>
-              <a:rPr lang="en-US" err="1"/>
+              <a:rPr lang="en-US" b="1" err="1"/>
               <a:t>superarms</a:t>
             </a:r>
             <a:r>
+              <a:rPr lang="en-US" b="1"/>
+              <a:t> with cartesian product</a:t>
+            </a:r>
+            <a:r>
               <a:rPr lang="en-US"/>
-              <a:t> with cartesian product.</a:t>
+              <a:t>.</a:t>
             </a:r>
           </a:p>
           <a:p>
@@ -24609,7 +24942,19 @@
               <a:rPr lang="en-US">
                 <a:latin typeface="Tenorite"/>
               </a:rPr>
-              <a:t>Same approach as approach 2 but greedy: we don't optimize solving the linear program</a:t>
+              <a:t>Same approach as approach 2 but </a:t>
+            </a:r>
+            <a:r>
+              <a:rPr lang="en-US" b="1">
+                <a:latin typeface="Tenorite"/>
+              </a:rPr>
+              <a:t>greedy</a:t>
+            </a:r>
+            <a:r>
+              <a:rPr lang="en-US">
+                <a:latin typeface="Tenorite"/>
+              </a:rPr>
+              <a:t>: we don't optimize solving the linear program</a:t>
             </a:r>
           </a:p>
         </p:txBody>
@@ -24635,6 +24980,13 @@
             <a:avLst/>
           </a:prstGeom>
           <a:noFill/>
+          <a:ln>
+            <a:solidFill>
+              <a:schemeClr val="accent1">
+                <a:lumMod val="75000"/>
+              </a:schemeClr>
+            </a:solidFill>
+          </a:ln>
         </p:spPr>
         <p:style>
           <a:lnRef idx="2">
@@ -24682,6 +25034,13 @@
             <a:avLst/>
           </a:prstGeom>
           <a:noFill/>
+          <a:ln>
+            <a:solidFill>
+              <a:schemeClr val="accent1">
+                <a:lumMod val="75000"/>
+              </a:schemeClr>
+            </a:solidFill>
+          </a:ln>
         </p:spPr>
         <p:style>
           <a:lnRef idx="2">
@@ -24729,6 +25088,13 @@
             <a:avLst/>
           </a:prstGeom>
           <a:noFill/>
+          <a:ln>
+            <a:solidFill>
+              <a:schemeClr val="accent1">
+                <a:lumMod val="75000"/>
+              </a:schemeClr>
+            </a:solidFill>
+          </a:ln>
         </p:spPr>
         <p:style>
           <a:lnRef idx="2">
@@ -24950,11 +25316,17 @@
           <a:bodyPr rtlCol="0"/>
           <a:lstStyle/>
           <a:p>
+            <a:endParaRPr lang="it-IT"/>
+          </a:p>
+          <a:p>
+            <a:r>
+              <a:rPr lang="it-IT"/>
+              <a:t>Online Learning Application Project 2025</a:t>
+            </a:r>
+          </a:p>
+          <a:p>
             <a:pPr rtl="0"/>
-            <a:r>
-              <a:rPr lang="it-IT"/>
-              <a:t>20XX</a:t>
-            </a:r>
+            <a:endParaRPr lang="it-IT"/>
           </a:p>
         </p:txBody>
       </p:sp>
@@ -24984,11 +25356,11 @@
           <a:bodyPr rtlCol="0"/>
           <a:lstStyle/>
           <a:p>
-            <a:pPr rtl="0"/>
             <a:r>
               <a:rPr lang="it-IT"/>
-              <a:t>Presentazione</a:t>
-            </a:r>
+              <a:t>Presentation</a:t>
+            </a:r>
+            <a:endParaRPr lang="en-US"/>
           </a:p>
         </p:txBody>
       </p:sp>
@@ -25189,11 +25561,11 @@
             </a:r>
             <a:r>
               <a:rPr lang="it-IT" sz="2000" b="1"/>
-              <a:t>:</a:t>
+              <a:t> </a:t>
             </a:r>
             <a:r>
               <a:rPr lang="it-IT" sz="2000"/>
-              <a:t> T = 10000</a:t>
+              <a:t>T = 10000</a:t>
             </a:r>
           </a:p>
           <a:p>
@@ -25203,11 +25575,11 @@
             </a:pPr>
             <a:r>
               <a:rPr lang="it-IT" sz="2000" b="1"/>
-              <a:t>Budget:</a:t>
+              <a:t>Budget </a:t>
             </a:r>
             <a:r>
               <a:rPr lang="it-IT" sz="2000"/>
-              <a:t> B = 16000</a:t>
+              <a:t>B = 16000</a:t>
             </a:r>
           </a:p>
           <a:p>
@@ -25217,7 +25589,15 @@
             </a:pPr>
             <a:r>
               <a:rPr lang="it-IT" sz="2000" b="1"/>
-              <a:t>Price set P</a:t>
+              <a:t>Price </a:t>
+            </a:r>
+            <a:r>
+              <a:rPr lang="it-IT" sz="2000" b="1" u="sng"/>
+              <a:t>set</a:t>
+            </a:r>
+            <a:r>
+              <a:rPr lang="it-IT" sz="2000" b="1"/>
+              <a:t> P</a:t>
             </a:r>
             <a:r>
               <a:rPr lang="it-IT" sz="2000"/>
@@ -25243,7 +25623,7 @@
             </a:r>
             <a:r>
               <a:rPr lang="it-IT" sz="2000" b="1"/>
-              <a:t> of Products: </a:t>
+              <a:t> of Products </a:t>
             </a:r>
             <a:r>
               <a:rPr lang="it-IT" sz="2000"/>
@@ -25532,13 +25912,35 @@
             </a:r>
           </a:p>
           <a:p>
+            <a:pPr marL="342900" indent="-342900">
+              <a:buFont typeface="+mj-lt"/>
+              <a:buAutoNum type="arabicPeriod"/>
+            </a:pPr>
+            <a:r>
+              <a:rPr lang="it-IT" sz="1800" noProof="1"/>
+              <a:t>Compute the optimal strategy </a:t>
+            </a:r>
+            <a:r>
+              <a:rPr lang="it-IT" sz="1800" b="1" noProof="1"/>
+              <a:t>gamma </a:t>
+            </a:r>
+            <a:r>
+              <a:rPr lang="it-IT" sz="1800" noProof="1"/>
+              <a:t>for each product using the </a:t>
+            </a:r>
+            <a:r>
+              <a:rPr lang="it-IT" sz="1800" b="1" noProof="1"/>
+              <a:t>linear program</a:t>
+            </a:r>
+          </a:p>
+          <a:p>
             <a:pPr marL="342900" indent="-342900" rtl="0">
               <a:buFont typeface="+mj-lt"/>
               <a:buAutoNum type="arabicPeriod"/>
             </a:pPr>
             <a:r>
               <a:rPr lang="it-IT" sz="1800" noProof="1"/>
-              <a:t>Compute the optimal strategy gamma for each product</a:t>
+              <a:t>Generate and pull the superarm using the gamma matrix</a:t>
             </a:r>
           </a:p>
           <a:p>
@@ -25548,7 +25950,7 @@
             </a:pPr>
             <a:r>
               <a:rPr lang="it-IT" sz="1800" noProof="1"/>
-              <a:t>Generate and pull the superarm using the gamma matrix</a:t>
+              <a:t>Get prices and check for units sold</a:t>
             </a:r>
           </a:p>
           <a:p>
@@ -25558,16 +25960,6 @@
             </a:pPr>
             <a:r>
               <a:rPr lang="it-IT" sz="1800" noProof="1"/>
-              <a:t>Get prices and check for units sold</a:t>
-            </a:r>
-          </a:p>
-          <a:p>
-            <a:pPr marL="342900" indent="-342900" rtl="0">
-              <a:buFont typeface="+mj-lt"/>
-              <a:buAutoNum type="arabicPeriod"/>
-            </a:pPr>
-            <a:r>
-              <a:rPr lang="it-IT" sz="1800" noProof="1"/>
               <a:t>Update the agent</a:t>
             </a:r>
           </a:p>
@@ -25599,11 +25991,17 @@
           <a:bodyPr rtlCol="0"/>
           <a:lstStyle/>
           <a:p>
+            <a:endParaRPr lang="it-IT"/>
+          </a:p>
+          <a:p>
+            <a:r>
+              <a:rPr lang="it-IT"/>
+              <a:t>Online Learning Application Project 2025</a:t>
+            </a:r>
+          </a:p>
+          <a:p>
             <a:pPr rtl="0"/>
-            <a:r>
-              <a:rPr lang="it-IT"/>
-              <a:t>20XX</a:t>
-            </a:r>
+            <a:endParaRPr lang="it-IT"/>
           </a:p>
         </p:txBody>
       </p:sp>
@@ -25633,11 +26031,11 @@
           <a:bodyPr rtlCol="0"/>
           <a:lstStyle/>
           <a:p>
-            <a:pPr rtl="0"/>
             <a:r>
               <a:rPr lang="it-IT"/>
-              <a:t>Presentazione</a:t>
-            </a:r>
+              <a:t>Presentation</a:t>
+            </a:r>
+            <a:endParaRPr lang="en-US"/>
           </a:p>
         </p:txBody>
       </p:sp>
@@ -25716,286 +26114,198 @@
           </a:p>
         </p:txBody>
       </p:sp>
-      <p:graphicFrame>
-        <p:nvGraphicFramePr>
-          <p:cNvPr id="3" name="Tabella 2">
-            <a:extLst>
-              <a:ext uri="{FF2B5EF4-FFF2-40B4-BE49-F238E27FC236}">
-                <a16:creationId xmlns:a16="http://schemas.microsoft.com/office/drawing/2014/main" id="{0F26F442-BF81-BAB3-99A4-DA9B31AE6B8C}"/>
-              </a:ext>
-            </a:extLst>
-          </p:cNvPr>
-          <p:cNvGraphicFramePr>
-            <a:graphicFrameLocks noGrp="1"/>
-          </p:cNvGraphicFramePr>
-          <p:nvPr>
-            <p:extLst>
-              <p:ext uri="{D42A27DB-BD31-4B8C-83A1-F6EECF244321}">
-                <p14:modId xmlns:p14="http://schemas.microsoft.com/office/powerpoint/2010/main" val="3087739880"/>
-              </p:ext>
-            </p:extLst>
-          </p:nvPr>
-        </p:nvGraphicFramePr>
-        <p:xfrm>
-          <a:off x="8113059" y="2353235"/>
-          <a:ext cx="2949258" cy="1846604"/>
-        </p:xfrm>
-        <a:graphic>
-          <a:graphicData uri="http://schemas.openxmlformats.org/drawingml/2006/table">
-            <a:tbl>
-              <a:tblPr firstRow="1" bandRow="1">
-                <a:tableStyleId>{5C22544A-7EE6-4342-B048-85BDC9FD1C3A}</a:tableStyleId>
-              </a:tblPr>
-              <a:tblGrid>
-                <a:gridCol w="1474629">
-                  <a:extLst>
-                    <a:ext uri="{9D8B030D-6E8A-4147-A177-3AD203B41FA5}">
-                      <a16:colId xmlns:a16="http://schemas.microsoft.com/office/drawing/2014/main" val="3209989968"/>
-                    </a:ext>
-                  </a:extLst>
-                </a:gridCol>
-                <a:gridCol w="1474629">
-                  <a:extLst>
-                    <a:ext uri="{9D8B030D-6E8A-4147-A177-3AD203B41FA5}">
-                      <a16:colId xmlns:a16="http://schemas.microsoft.com/office/drawing/2014/main" val="2345444191"/>
-                    </a:ext>
-                  </a:extLst>
-                </a:gridCol>
-              </a:tblGrid>
-              <a:tr h="603262">
-                <a:tc>
-                  <a:txBody>
-                    <a:bodyPr/>
-                    <a:lstStyle/>
-                    <a:p>
-                      <a:pPr algn="ctr"/>
-                      <a:r>
-                        <a:rPr lang="it-IT" b="0">
-                          <a:solidFill>
-                            <a:schemeClr val="bg1"/>
-                          </a:solidFill>
-                        </a:rPr>
-                        <a:t>PRODUCT 1</a:t>
-                      </a:r>
-                    </a:p>
-                  </a:txBody>
-                  <a:tcPr>
-                    <a:solidFill>
-                      <a:schemeClr val="accent1">
-                        <a:lumMod val="75000"/>
-                      </a:schemeClr>
-                    </a:solidFill>
-                  </a:tcPr>
-                </a:tc>
-                <a:tc>
-                  <a:txBody>
-                    <a:bodyPr/>
-                    <a:lstStyle/>
-                    <a:p>
-                      <a:pPr algn="ctr"/>
-                      <a:r>
-                        <a:rPr lang="it-IT" b="0" i="1">
-                          <a:solidFill>
-                            <a:schemeClr val="bg1"/>
-                          </a:solidFill>
-                        </a:rPr>
-                        <a:t>p1</a:t>
-                      </a:r>
-                    </a:p>
-                  </a:txBody>
-                  <a:tcPr>
-                    <a:solidFill>
-                      <a:schemeClr val="accent1">
-                        <a:lumMod val="75000"/>
-                      </a:schemeClr>
-                    </a:solidFill>
-                  </a:tcPr>
-                </a:tc>
-                <a:extLst>
-                  <a:ext uri="{0D108BD9-81ED-4DB2-BD59-A6C34878D82A}">
-                    <a16:rowId xmlns:a16="http://schemas.microsoft.com/office/drawing/2014/main" val="2951086082"/>
-                  </a:ext>
-                </a:extLst>
-              </a:tr>
-              <a:tr h="603262">
-                <a:tc>
-                  <a:txBody>
-                    <a:bodyPr/>
-                    <a:lstStyle/>
-                    <a:p>
-                      <a:pPr algn="ctr"/>
-                      <a:r>
-                        <a:rPr lang="it-IT" b="0">
-                          <a:solidFill>
-                            <a:schemeClr val="bg1"/>
-                          </a:solidFill>
-                        </a:rPr>
-                        <a:t>PRODUCT 2</a:t>
-                      </a:r>
-                      <a:endParaRPr lang="it-IT"/>
-                    </a:p>
-                    <a:p>
-                      <a:pPr lvl="0" algn="ctr">
-                        <a:buNone/>
-                      </a:pPr>
-                      <a:endParaRPr lang="it-IT" b="0">
-                        <a:solidFill>
-                          <a:schemeClr val="bg1"/>
-                        </a:solidFill>
-                      </a:endParaRPr>
-                    </a:p>
-                  </a:txBody>
-                  <a:tcPr>
-                    <a:solidFill>
-                      <a:schemeClr val="accent1">
-                        <a:lumMod val="75000"/>
-                      </a:schemeClr>
-                    </a:solidFill>
-                  </a:tcPr>
-                </a:tc>
-                <a:tc>
-                  <a:txBody>
-                    <a:bodyPr/>
-                    <a:lstStyle/>
-                    <a:p>
-                      <a:pPr algn="ctr"/>
-                      <a:r>
-                        <a:rPr lang="it-IT" b="0" i="1">
-                          <a:solidFill>
-                            <a:schemeClr val="bg1"/>
-                          </a:solidFill>
-                        </a:rPr>
-                        <a:t>p2</a:t>
-                      </a:r>
-                      <a:endParaRPr lang="it-IT"/>
-                    </a:p>
-                    <a:p>
-                      <a:pPr lvl="0" algn="ctr">
-                        <a:buNone/>
-                      </a:pPr>
-                      <a:endParaRPr lang="it-IT" b="0" i="1">
-                        <a:solidFill>
-                          <a:schemeClr val="bg1"/>
-                        </a:solidFill>
-                      </a:endParaRPr>
-                    </a:p>
-                  </a:txBody>
-                  <a:tcPr>
-                    <a:solidFill>
-                      <a:schemeClr val="accent1">
-                        <a:lumMod val="75000"/>
-                      </a:schemeClr>
-                    </a:solidFill>
-                  </a:tcPr>
-                </a:tc>
-                <a:extLst>
-                  <a:ext uri="{0D108BD9-81ED-4DB2-BD59-A6C34878D82A}">
-                    <a16:rowId xmlns:a16="http://schemas.microsoft.com/office/drawing/2014/main" val="1912319280"/>
-                  </a:ext>
-                </a:extLst>
-              </a:tr>
-              <a:tr h="603262">
-                <a:tc>
-                  <a:txBody>
-                    <a:bodyPr/>
-                    <a:lstStyle/>
-                    <a:p>
-                      <a:pPr algn="ctr"/>
-                      <a:r>
-                        <a:rPr lang="it-IT" b="0">
-                          <a:solidFill>
-                            <a:schemeClr val="bg1"/>
-                          </a:solidFill>
-                        </a:rPr>
-                        <a:t>PRODUCT 3</a:t>
-                      </a:r>
-                      <a:endParaRPr lang="it-IT"/>
-                    </a:p>
-                  </a:txBody>
-                  <a:tcPr>
-                    <a:solidFill>
-                      <a:schemeClr val="accent1">
-                        <a:lumMod val="75000"/>
-                      </a:schemeClr>
-                    </a:solidFill>
-                  </a:tcPr>
-                </a:tc>
-                <a:tc>
-                  <a:txBody>
-                    <a:bodyPr/>
-                    <a:lstStyle/>
-                    <a:p>
-                      <a:pPr algn="ctr"/>
-                      <a:r>
-                        <a:rPr lang="it-IT" b="0" i="1">
-                          <a:solidFill>
-                            <a:schemeClr val="bg1"/>
-                          </a:solidFill>
-                        </a:rPr>
-                        <a:t>p3</a:t>
-                      </a:r>
-                    </a:p>
-                  </a:txBody>
-                  <a:tcPr>
-                    <a:solidFill>
-                      <a:schemeClr val="accent1">
-                        <a:lumMod val="75000"/>
-                      </a:schemeClr>
-                    </a:solidFill>
-                  </a:tcPr>
-                </a:tc>
-                <a:extLst>
-                  <a:ext uri="{0D108BD9-81ED-4DB2-BD59-A6C34878D82A}">
-                    <a16:rowId xmlns:a16="http://schemas.microsoft.com/office/drawing/2014/main" val="2168592765"/>
-                  </a:ext>
-                </a:extLst>
-              </a:tr>
-            </a:tbl>
-          </a:graphicData>
-        </a:graphic>
-      </p:graphicFrame>
-      <p:sp>
-        <p:nvSpPr>
-          <p:cNvPr id="4" name="CasellaDiTesto 3">
-            <a:extLst>
-              <a:ext uri="{FF2B5EF4-FFF2-40B4-BE49-F238E27FC236}">
-                <a16:creationId xmlns:a16="http://schemas.microsoft.com/office/drawing/2014/main" id="{F989448D-F821-2D6A-8ABD-B7356174457C}"/>
-              </a:ext>
-            </a:extLst>
-          </p:cNvPr>
-          <p:cNvSpPr txBox="1"/>
+      <p:pic>
+        <p:nvPicPr>
+          <p:cNvPr id="8" name="Immagine 7">
+            <a:extLst>
+              <a:ext uri="{FF2B5EF4-FFF2-40B4-BE49-F238E27FC236}">
+                <a16:creationId xmlns:a16="http://schemas.microsoft.com/office/drawing/2014/main" id="{FC29E93F-2D8E-8918-9E15-BFE87808C4AC}"/>
+              </a:ext>
+            </a:extLst>
+          </p:cNvPr>
+          <p:cNvPicPr>
+            <a:picLocks noChangeAspect="1"/>
+          </p:cNvPicPr>
           <p:nvPr/>
-        </p:nvSpPr>
-        <p:spPr>
-          <a:xfrm>
-            <a:off x="8904195" y="2023783"/>
-            <a:ext cx="2743200" cy="369332"/>
+        </p:nvPicPr>
+        <p:blipFill>
+          <a:blip r:embed="rId3"/>
+          <a:stretch>
+            <a:fillRect/>
+          </a:stretch>
+        </p:blipFill>
+        <p:spPr>
+          <a:xfrm>
+            <a:off x="7897668" y="2392324"/>
+            <a:ext cx="3378631" cy="2617250"/>
           </a:xfrm>
           <a:prstGeom prst="rect">
             <a:avLst/>
           </a:prstGeom>
-          <a:noFill/>
-        </p:spPr>
-        <p:txBody>
-          <a:bodyPr rot="0" spcFirstLastPara="0" vertOverflow="overflow" horzOverflow="overflow" vert="horz" wrap="square" lIns="91440" tIns="45720" rIns="91440" bIns="45720" numCol="1" spcCol="0" rtlCol="0" fromWordArt="0" anchor="t" anchorCtr="0" forceAA="0" compatLnSpc="1">
-            <a:prstTxWarp prst="textNoShape">
-              <a:avLst/>
-            </a:prstTxWarp>
-            <a:spAutoFit/>
-          </a:bodyPr>
-          <a:lstStyle/>
-          <a:p>
-            <a:r>
-              <a:rPr lang="it-IT" b="1">
-                <a:solidFill>
-                  <a:srgbClr val="404040"/>
-                </a:solidFill>
-              </a:rPr>
-              <a:t>SUPERARM</a:t>
-            </a:r>
-          </a:p>
-        </p:txBody>
-      </p:sp>
+        </p:spPr>
+      </p:pic>
+      <mc:AlternateContent xmlns:mc="http://schemas.openxmlformats.org/markup-compatibility/2006">
+        <mc:Choice xmlns:a14="http://schemas.microsoft.com/office/drawing/2010/main" Requires="a14">
+          <p:sp>
+            <p:nvSpPr>
+              <p:cNvPr id="6" name="TextBox 5">
+                <a:extLst>
+                  <a:ext uri="{FF2B5EF4-FFF2-40B4-BE49-F238E27FC236}">
+                    <a16:creationId xmlns:a16="http://schemas.microsoft.com/office/drawing/2014/main" id="{8DD5F968-CF3F-D762-E0B1-8DED3909FBC5}"/>
+                  </a:ext>
+                </a:extLst>
+              </p:cNvPr>
+              <p:cNvSpPr txBox="1"/>
+              <p:nvPr/>
+            </p:nvSpPr>
+            <p:spPr>
+              <a:xfrm>
+                <a:off x="7748906" y="5293577"/>
+                <a:ext cx="3301999" cy="646331"/>
+              </a:xfrm>
+              <a:prstGeom prst="rect">
+                <a:avLst/>
+              </a:prstGeom>
+              <a:noFill/>
+            </p:spPr>
+            <p:txBody>
+              <a:bodyPr rot="0" spcFirstLastPara="0" vertOverflow="overflow" horzOverflow="overflow" vert="horz" wrap="square" lIns="91440" tIns="45720" rIns="91440" bIns="45720" numCol="1" spcCol="0" rtlCol="0" fromWordArt="0" anchor="t" anchorCtr="0" forceAA="0" compatLnSpc="1">
+                <a:prstTxWarp prst="textNoShape">
+                  <a:avLst/>
+                </a:prstTxWarp>
+                <a:spAutoFit/>
+              </a:bodyPr>
+              <a:lstStyle/>
+              <a:p>
+                <a:pPr/>
+                <a14:m>
+                  <m:oMathPara xmlns:m="http://schemas.openxmlformats.org/officeDocument/2006/math">
+                    <m:oMathParaPr>
+                      <m:jc m:val="centerGroup"/>
+                    </m:oMathParaPr>
+                    <m:oMath xmlns:m="http://schemas.openxmlformats.org/officeDocument/2006/math">
+                      <m:r>
+                        <a:rPr lang="en-US" i="1" dirty="0" smtClean="0">
+                          <a:latin typeface="Cambria Math" panose="02040503050406030204" pitchFamily="18" charset="0"/>
+                        </a:rPr>
+                        <m:t>|</m:t>
+                      </m:r>
+                      <m:r>
+                        <a:rPr lang="en-US" i="1" dirty="0">
+                          <a:latin typeface="Cambria Math" panose="02040503050406030204" pitchFamily="18" charset="0"/>
+                        </a:rPr>
+                        <m:t>𝑌</m:t>
+                      </m:r>
+                      <m:r>
+                        <a:rPr lang="en-US" i="1" dirty="0">
+                          <a:latin typeface="Cambria Math" panose="02040503050406030204" pitchFamily="18" charset="0"/>
+                        </a:rPr>
+                        <m:t>| = #</m:t>
+                      </m:r>
+                      <m:r>
+                        <a:rPr lang="en-US" i="1" dirty="0">
+                          <a:latin typeface="Cambria Math" panose="02040503050406030204" pitchFamily="18" charset="0"/>
+                        </a:rPr>
+                        <m:t>𝑝𝑟𝑜𝑑𝑢𝑐𝑡𝑠𝐾</m:t>
+                      </m:r>
+                      <m:r>
+                        <a:rPr lang="en-US" i="1" dirty="0" smtClean="0">
+                          <a:latin typeface="Cambria Math" panose="02040503050406030204" pitchFamily="18" charset="0"/>
+                        </a:rPr>
+                        <m:t> = #</m:t>
+                      </m:r>
+                      <m:r>
+                        <a:rPr lang="en-US" i="1" dirty="0" smtClean="0">
+                          <a:latin typeface="Cambria Math" panose="02040503050406030204" pitchFamily="18" charset="0"/>
+                        </a:rPr>
+                        <m:t>𝑝𝑟𝑖𝑐𝑒𝑠</m:t>
+                      </m:r>
+                    </m:oMath>
+                  </m:oMathPara>
+                </a14:m>
+                <a:endParaRPr/>
+              </a:p>
+              <a:p>
+                <a:endParaRPr/>
+              </a:p>
+            </p:txBody>
+          </p:sp>
+        </mc:Choice>
+        <mc:Fallback>
+          <p:sp>
+            <p:nvSpPr>
+              <p:cNvPr id="6" name="TextBox 5">
+                <a:extLst>
+                  <a:ext uri="{FF2B5EF4-FFF2-40B4-BE49-F238E27FC236}">
+                    <a16:creationId xmlns:a16="http://schemas.microsoft.com/office/drawing/2014/main" id="{8DD5F968-CF3F-D762-E0B1-8DED3909FBC5}"/>
+                  </a:ext>
+                </a:extLst>
+              </p:cNvPr>
+              <p:cNvSpPr txBox="1">
+                <a:spLocks noRot="1" noChangeAspect="1" noMove="1" noResize="1" noEditPoints="1" noAdjustHandles="1" noChangeArrowheads="1" noChangeShapeType="1" noTextEdit="1"/>
+              </p:cNvSpPr>
+              <p:nvPr/>
+            </p:nvSpPr>
+            <p:spPr>
+              <a:xfrm>
+                <a:off x="7748906" y="5293577"/>
+                <a:ext cx="3301999" cy="646331"/>
+              </a:xfrm>
+              <a:prstGeom prst="rect">
+                <a:avLst/>
+              </a:prstGeom>
+              <a:blipFill>
+                <a:blip r:embed="rId4"/>
+                <a:stretch>
+                  <a:fillRect l="-185" r="-185"/>
+                </a:stretch>
+              </a:blipFill>
+            </p:spPr>
+            <p:txBody>
+              <a:bodyPr/>
+              <a:lstStyle/>
+              <a:p>
+                <a:r>
+                  <a:rPr lang="it-IT">
+                    <a:noFill/>
+                  </a:rPr>
+                  <a:t> </a:t>
+                </a:r>
+              </a:p>
+            </p:txBody>
+          </p:sp>
+        </mc:Fallback>
+      </mc:AlternateContent>
+      <p:pic>
+        <p:nvPicPr>
+          <p:cNvPr id="13" name="Immagine 12">
+            <a:extLst>
+              <a:ext uri="{FF2B5EF4-FFF2-40B4-BE49-F238E27FC236}">
+                <a16:creationId xmlns:a16="http://schemas.microsoft.com/office/drawing/2014/main" id="{080F46EA-9C50-BDBB-61AF-F2B2AAC4DAA0}"/>
+              </a:ext>
+            </a:extLst>
+          </p:cNvPr>
+          <p:cNvPicPr>
+            <a:picLocks noChangeAspect="1"/>
+          </p:cNvPicPr>
+          <p:nvPr/>
+        </p:nvPicPr>
+        <p:blipFill>
+          <a:blip r:embed="rId5"/>
+          <a:stretch>
+            <a:fillRect/>
+          </a:stretch>
+        </p:blipFill>
+        <p:spPr>
+          <a:xfrm>
+            <a:off x="7930736" y="329163"/>
+            <a:ext cx="2598592" cy="1901727"/>
+          </a:xfrm>
+          <a:prstGeom prst="rect">
+            <a:avLst/>
+          </a:prstGeom>
+        </p:spPr>
+      </p:pic>
     </p:spTree>
     <p:extLst>
       <p:ext uri="{BB962C8B-B14F-4D97-AF65-F5344CB8AC3E}">
@@ -26058,11 +26368,17 @@
           <a:bodyPr rtlCol="0"/>
           <a:lstStyle/>
           <a:p>
+            <a:endParaRPr lang="it-IT"/>
+          </a:p>
+          <a:p>
+            <a:r>
+              <a:rPr lang="it-IT"/>
+              <a:t>Online Learning Application Project 2025</a:t>
+            </a:r>
+          </a:p>
+          <a:p>
             <a:pPr rtl="0"/>
-            <a:r>
-              <a:rPr lang="it-IT"/>
-              <a:t>20XX</a:t>
-            </a:r>
+            <a:endParaRPr lang="it-IT"/>
           </a:p>
         </p:txBody>
       </p:sp>
@@ -26092,11 +26408,11 @@
           <a:bodyPr rtlCol="0"/>
           <a:lstStyle/>
           <a:p>
-            <a:pPr rtl="0"/>
             <a:r>
               <a:rPr lang="it-IT"/>
-              <a:t>Presentazione</a:t>
-            </a:r>
+              <a:t>Presentation</a:t>
+            </a:r>
+            <a:endParaRPr lang="en-US"/>
           </a:p>
         </p:txBody>
       </p:sp>
@@ -26419,8 +26735,8 @@
         </p:nvSpPr>
         <p:spPr>
           <a:xfrm>
-            <a:off x="5919680" y="6356350"/>
-            <a:ext cx="947516" cy="365125"/>
+            <a:off x="5248656" y="6356350"/>
+            <a:ext cx="2267712" cy="365125"/>
           </a:xfrm>
         </p:spPr>
         <p:txBody>
@@ -26430,7 +26746,7 @@
             <a:pPr rtl="0"/>
             <a:r>
               <a:rPr lang="it-IT"/>
-              <a:t>20XX</a:t>
+              <a:t>Online Learning Application Project 2025</a:t>
             </a:r>
           </a:p>
         </p:txBody>
@@ -26453,8 +26769,8 @@
         </p:nvSpPr>
         <p:spPr>
           <a:xfrm>
-            <a:off x="7161955" y="6356350"/>
-            <a:ext cx="3243942" cy="365125"/>
+            <a:off x="7976871" y="6356350"/>
+            <a:ext cx="2429026" cy="365125"/>
           </a:xfrm>
         </p:spPr>
         <p:txBody>
@@ -26464,7 +26780,7 @@
             <a:pPr rtl="0"/>
             <a:r>
               <a:rPr lang="it-IT"/>
-              <a:t>Presentazione</a:t>
+              <a:t>Presentation</a:t>
             </a:r>
           </a:p>
         </p:txBody>
@@ -28357,8 +28673,8 @@
         </p:nvSpPr>
         <p:spPr>
           <a:xfrm>
-            <a:off x="1718188" y="1896358"/>
-            <a:ext cx="4114800" cy="4605329"/>
+            <a:off x="1718187" y="1896359"/>
+            <a:ext cx="5075901" cy="4175258"/>
           </a:xfrm>
         </p:spPr>
         <p:txBody>
@@ -28380,7 +28696,15 @@
             </a:pPr>
             <a:r>
               <a:rPr lang="it-IT" sz="1800" noProof="1"/>
-              <a:t>Generate all the combination of prices (superarms) with cartesian product</a:t>
+              <a:t>Generate all the combination of prices (</a:t>
+            </a:r>
+            <a:r>
+              <a:rPr lang="it-IT" sz="1800" b="1" noProof="1"/>
+              <a:t>superarms</a:t>
+            </a:r>
+            <a:r>
+              <a:rPr lang="it-IT" sz="1800" noProof="1"/>
+              <a:t>) with cartesian product</a:t>
             </a:r>
           </a:p>
           <a:p>
@@ -28451,11 +28775,17 @@
           <a:bodyPr rtlCol="0"/>
           <a:lstStyle/>
           <a:p>
+            <a:endParaRPr lang="it-IT"/>
+          </a:p>
+          <a:p>
+            <a:r>
+              <a:rPr lang="it-IT"/>
+              <a:t>Online Learning Application Project 2025</a:t>
+            </a:r>
+          </a:p>
+          <a:p>
             <a:pPr rtl="0"/>
-            <a:r>
-              <a:rPr lang="it-IT"/>
-              <a:t>20XX</a:t>
-            </a:r>
+            <a:endParaRPr lang="it-IT"/>
           </a:p>
         </p:txBody>
       </p:sp>
@@ -28485,11 +28815,11 @@
           <a:bodyPr rtlCol="0"/>
           <a:lstStyle/>
           <a:p>
-            <a:pPr rtl="0"/>
             <a:r>
               <a:rPr lang="it-IT"/>
-              <a:t>Presentazione</a:t>
-            </a:r>
+              <a:t>Presentation</a:t>
+            </a:r>
+            <a:endParaRPr lang="en-US"/>
           </a:p>
         </p:txBody>
       </p:sp>
@@ -28568,6 +28898,142 @@
           </a:p>
         </p:txBody>
       </p:sp>
+      <p:pic>
+        <p:nvPicPr>
+          <p:cNvPr id="5" name="Immagine 4">
+            <a:extLst>
+              <a:ext uri="{FF2B5EF4-FFF2-40B4-BE49-F238E27FC236}">
+                <a16:creationId xmlns:a16="http://schemas.microsoft.com/office/drawing/2014/main" id="{9D2736C4-4EBD-597C-E9D9-D144E46E8DA7}"/>
+              </a:ext>
+            </a:extLst>
+          </p:cNvPr>
+          <p:cNvPicPr>
+            <a:picLocks noChangeAspect="1"/>
+          </p:cNvPicPr>
+          <p:nvPr/>
+        </p:nvPicPr>
+        <p:blipFill>
+          <a:blip r:embed="rId3"/>
+          <a:stretch>
+            <a:fillRect/>
+          </a:stretch>
+        </p:blipFill>
+        <p:spPr>
+          <a:xfrm>
+            <a:off x="7742172" y="2889299"/>
+            <a:ext cx="3415923" cy="2356112"/>
+          </a:xfrm>
+          <a:prstGeom prst="rect">
+            <a:avLst/>
+          </a:prstGeom>
+        </p:spPr>
+      </p:pic>
+      <mc:AlternateContent xmlns:mc="http://schemas.openxmlformats.org/markup-compatibility/2006">
+        <mc:Choice xmlns:a14="http://schemas.microsoft.com/office/drawing/2010/main" Requires="a14">
+          <p:sp>
+            <p:nvSpPr>
+              <p:cNvPr id="6" name="CasellaDiTesto 5">
+                <a:extLst>
+                  <a:ext uri="{FF2B5EF4-FFF2-40B4-BE49-F238E27FC236}">
+                    <a16:creationId xmlns:a16="http://schemas.microsoft.com/office/drawing/2014/main" id="{49B6E741-BDEB-357B-A2FA-FECDBD7CF877}"/>
+                  </a:ext>
+                </a:extLst>
+              </p:cNvPr>
+              <p:cNvSpPr txBox="1"/>
+              <p:nvPr/>
+            </p:nvSpPr>
+            <p:spPr>
+              <a:xfrm>
+                <a:off x="7815533" y="2519967"/>
+                <a:ext cx="3415923" cy="369332"/>
+              </a:xfrm>
+              <a:prstGeom prst="rect">
+                <a:avLst/>
+              </a:prstGeom>
+              <a:noFill/>
+            </p:spPr>
+            <p:txBody>
+              <a:bodyPr wrap="square" rtlCol="0">
+                <a:spAutoFit/>
+              </a:bodyPr>
+              <a:lstStyle/>
+              <a:p>
+                <a:pPr algn="ctr"/>
+                <a:r>
+                  <a:rPr lang="it-IT" b="0"/>
+                  <a:t>Given </a:t>
+                </a:r>
+                <a14:m>
+                  <m:oMath xmlns:m="http://schemas.openxmlformats.org/officeDocument/2006/math">
+                    <m:r>
+                      <a:rPr lang="it-IT" b="0" i="1" smtClean="0">
+                        <a:latin typeface="Cambria Math" panose="02040503050406030204" pitchFamily="18" charset="0"/>
+                      </a:rPr>
+                      <m:t>𝑆</m:t>
+                    </m:r>
+                  </m:oMath>
+                </a14:m>
+                <a:r>
+                  <a:rPr lang="it-IT"/>
+                  <a:t> the set of </a:t>
+                </a:r>
+                <a:r>
+                  <a:rPr lang="it-IT" err="1"/>
+                  <a:t>superarms</a:t>
+                </a:r>
+                <a:r>
+                  <a:rPr lang="it-IT"/>
+                  <a:t>:</a:t>
+                </a:r>
+              </a:p>
+            </p:txBody>
+          </p:sp>
+        </mc:Choice>
+        <mc:Fallback>
+          <p:sp>
+            <p:nvSpPr>
+              <p:cNvPr id="6" name="CasellaDiTesto 5">
+                <a:extLst>
+                  <a:ext uri="{FF2B5EF4-FFF2-40B4-BE49-F238E27FC236}">
+                    <a16:creationId xmlns:a16="http://schemas.microsoft.com/office/drawing/2014/main" id="{49B6E741-BDEB-357B-A2FA-FECDBD7CF877}"/>
+                  </a:ext>
+                </a:extLst>
+              </p:cNvPr>
+              <p:cNvSpPr txBox="1">
+                <a:spLocks noRot="1" noChangeAspect="1" noMove="1" noResize="1" noEditPoints="1" noAdjustHandles="1" noChangeArrowheads="1" noChangeShapeType="1" noTextEdit="1"/>
+              </p:cNvSpPr>
+              <p:nvPr/>
+            </p:nvSpPr>
+            <p:spPr>
+              <a:xfrm>
+                <a:off x="7815533" y="2519967"/>
+                <a:ext cx="3415923" cy="369332"/>
+              </a:xfrm>
+              <a:prstGeom prst="rect">
+                <a:avLst/>
+              </a:prstGeom>
+              <a:blipFill>
+                <a:blip r:embed="rId4"/>
+                <a:stretch>
+                  <a:fillRect t="-8197" b="-24590"/>
+                </a:stretch>
+              </a:blipFill>
+            </p:spPr>
+            <p:txBody>
+              <a:bodyPr/>
+              <a:lstStyle/>
+              <a:p>
+                <a:r>
+                  <a:rPr lang="it-IT">
+                    <a:noFill/>
+                  </a:rPr>
+                  <a:t> </a:t>
+                </a:r>
+              </a:p>
+            </p:txBody>
+          </p:sp>
+        </mc:Fallback>
+      </mc:AlternateContent>
     </p:spTree>
     <p:extLst>
       <p:ext uri="{BB962C8B-B14F-4D97-AF65-F5344CB8AC3E}">
@@ -28630,11 +29096,17 @@
           <a:bodyPr rtlCol="0"/>
           <a:lstStyle/>
           <a:p>
+            <a:endParaRPr lang="it-IT"/>
+          </a:p>
+          <a:p>
+            <a:r>
+              <a:rPr lang="it-IT"/>
+              <a:t>Online Learning Application Project 2025</a:t>
+            </a:r>
+          </a:p>
+          <a:p>
             <a:pPr rtl="0"/>
-            <a:r>
-              <a:rPr lang="it-IT"/>
-              <a:t>20XX</a:t>
-            </a:r>
+            <a:endParaRPr lang="it-IT"/>
           </a:p>
         </p:txBody>
       </p:sp>
@@ -28664,11 +29136,11 @@
           <a:bodyPr rtlCol="0"/>
           <a:lstStyle/>
           <a:p>
-            <a:pPr rtl="0"/>
             <a:r>
               <a:rPr lang="it-IT"/>
-              <a:t>Presentazione</a:t>
-            </a:r>
+              <a:t>Presentation</a:t>
+            </a:r>
+            <a:endParaRPr lang="en-US"/>
           </a:p>
         </p:txBody>
       </p:sp>
@@ -28914,8 +29386,8 @@
         </p:nvSpPr>
         <p:spPr>
           <a:xfrm>
-            <a:off x="1718188" y="1896358"/>
-            <a:ext cx="4114800" cy="4605329"/>
+            <a:off x="1718187" y="1896358"/>
+            <a:ext cx="9626734" cy="4043661"/>
           </a:xfrm>
         </p:spPr>
         <p:txBody>
@@ -28957,7 +29429,15 @@
             </a:pPr>
             <a:r>
               <a:rPr lang="it-IT" sz="1800" noProof="1"/>
-              <a:t>Choose feasible superarm which maximize utility, without linear program optimization</a:t>
+              <a:t>Choose </a:t>
+            </a:r>
+            <a:r>
+              <a:rPr lang="it-IT" sz="1800" b="1" noProof="1"/>
+              <a:t>feasible </a:t>
+            </a:r>
+            <a:r>
+              <a:rPr lang="it-IT" sz="1800" noProof="1"/>
+              <a:t>superarm which maximize utility, without linear program optimization</a:t>
             </a:r>
           </a:p>
           <a:p>
@@ -29008,11 +29488,17 @@
           <a:bodyPr rtlCol="0"/>
           <a:lstStyle/>
           <a:p>
+            <a:endParaRPr lang="it-IT"/>
+          </a:p>
+          <a:p>
+            <a:r>
+              <a:rPr lang="it-IT"/>
+              <a:t>Online Learning Application Project 2025</a:t>
+            </a:r>
+          </a:p>
+          <a:p>
             <a:pPr rtl="0"/>
-            <a:r>
-              <a:rPr lang="it-IT"/>
-              <a:t>20XX</a:t>
-            </a:r>
+            <a:endParaRPr lang="it-IT"/>
           </a:p>
         </p:txBody>
       </p:sp>
@@ -29042,11 +29528,11 @@
           <a:bodyPr rtlCol="0"/>
           <a:lstStyle/>
           <a:p>
-            <a:pPr rtl="0"/>
             <a:r>
               <a:rPr lang="it-IT"/>
-              <a:t>Presentazione</a:t>
-            </a:r>
+              <a:t>Presentation</a:t>
+            </a:r>
+            <a:endParaRPr lang="en-US"/>
           </a:p>
         </p:txBody>
       </p:sp>
@@ -29125,6 +29611,36 @@
           </a:p>
         </p:txBody>
       </p:sp>
+      <p:pic>
+        <p:nvPicPr>
+          <p:cNvPr id="4" name="Picture 3" descr="A screen shot of a computer code&#10;&#10;AI-generated content may be incorrect.">
+            <a:extLst>
+              <a:ext uri="{FF2B5EF4-FFF2-40B4-BE49-F238E27FC236}">
+                <a16:creationId xmlns:a16="http://schemas.microsoft.com/office/drawing/2014/main" id="{2E44A54F-C98F-CEB7-5116-151A55ED1FE9}"/>
+              </a:ext>
+            </a:extLst>
+          </p:cNvPr>
+          <p:cNvPicPr>
+            <a:picLocks noChangeAspect="1"/>
+          </p:cNvPicPr>
+          <p:nvPr/>
+        </p:nvPicPr>
+        <p:blipFill>
+          <a:blip r:embed="rId3"/>
+          <a:stretch>
+            <a:fillRect/>
+          </a:stretch>
+        </p:blipFill>
+        <p:spPr>
+          <a:xfrm>
+            <a:off x="3447135" y="4577292"/>
+            <a:ext cx="6177491" cy="1367366"/>
+          </a:xfrm>
+          <a:prstGeom prst="rect">
+            <a:avLst/>
+          </a:prstGeom>
+        </p:spPr>
+      </p:pic>
     </p:spTree>
     <p:extLst>
       <p:ext uri="{BB962C8B-B14F-4D97-AF65-F5344CB8AC3E}">
@@ -29187,11 +29703,17 @@
           <a:bodyPr rtlCol="0"/>
           <a:lstStyle/>
           <a:p>
+            <a:endParaRPr lang="it-IT"/>
+          </a:p>
+          <a:p>
+            <a:r>
+              <a:rPr lang="it-IT"/>
+              <a:t>Online Learning Application Project 2025</a:t>
+            </a:r>
+          </a:p>
+          <a:p>
             <a:pPr rtl="0"/>
-            <a:r>
-              <a:rPr lang="it-IT"/>
-              <a:t>20XX</a:t>
-            </a:r>
+            <a:endParaRPr lang="it-IT"/>
           </a:p>
         </p:txBody>
       </p:sp>
@@ -29221,11 +29743,11 @@
           <a:bodyPr rtlCol="0"/>
           <a:lstStyle/>
           <a:p>
-            <a:pPr rtl="0"/>
             <a:r>
               <a:rPr lang="it-IT"/>
-              <a:t>Presentazione</a:t>
-            </a:r>
+              <a:t>Presentation</a:t>
+            </a:r>
+            <a:endParaRPr lang="en-US"/>
           </a:p>
         </p:txBody>
       </p:sp>
@@ -29439,11 +29961,17 @@
           <a:bodyPr rtlCol="0"/>
           <a:lstStyle/>
           <a:p>
+            <a:endParaRPr lang="it-IT"/>
+          </a:p>
+          <a:p>
+            <a:r>
+              <a:rPr lang="it-IT"/>
+              <a:t>Online Learning Application Project 2025</a:t>
+            </a:r>
+          </a:p>
+          <a:p>
             <a:pPr rtl="0"/>
-            <a:r>
-              <a:rPr lang="it-IT"/>
-              <a:t>20XX</a:t>
-            </a:r>
+            <a:endParaRPr lang="it-IT"/>
           </a:p>
         </p:txBody>
       </p:sp>
@@ -29473,11 +30001,11 @@
           <a:bodyPr rtlCol="0"/>
           <a:lstStyle/>
           <a:p>
-            <a:pPr rtl="0"/>
             <a:r>
               <a:rPr lang="it-IT"/>
-              <a:t>Presentazione</a:t>
-            </a:r>
+              <a:t>Presentation</a:t>
+            </a:r>
+            <a:endParaRPr lang="en-US"/>
           </a:p>
         </p:txBody>
       </p:sp>
@@ -29645,8 +30173,8 @@
         </p:nvSpPr>
         <p:spPr>
           <a:xfrm>
-            <a:off x="1435510" y="1927123"/>
-            <a:ext cx="3333135" cy="4247317"/>
+            <a:off x="755298" y="2181631"/>
+            <a:ext cx="4243301" cy="3416320"/>
           </a:xfrm>
           <a:prstGeom prst="rect">
             <a:avLst/>
@@ -29654,21 +30182,32 @@
           <a:noFill/>
         </p:spPr>
         <p:txBody>
-          <a:bodyPr wrap="square" rtlCol="0">
+          <a:bodyPr wrap="square" lIns="91440" tIns="45720" rIns="91440" bIns="45720" rtlCol="0" anchor="t">
             <a:spAutoFit/>
           </a:bodyPr>
           <a:lstStyle/>
           <a:p>
             <a:pPr marL="285750" indent="-285750">
+              <a:buClr>
+                <a:schemeClr val="tx1"/>
+              </a:buClr>
               <a:buFont typeface="Wingdings" panose="05000000000000000000" pitchFamily="2" charset="2"/>
               <a:buChar char="§"/>
             </a:pPr>
             <a:r>
-              <a:rPr lang="it-IT" err="1"/>
+              <a:rPr lang="it-IT" b="1" err="1">
+                <a:solidFill>
+                  <a:schemeClr val="accent5"/>
+                </a:solidFill>
+              </a:rPr>
               <a:t>Approach</a:t>
             </a:r>
             <a:r>
-              <a:rPr lang="it-IT"/>
+              <a:rPr lang="it-IT" b="1">
+                <a:solidFill>
+                  <a:schemeClr val="accent5"/>
+                </a:solidFill>
+              </a:rPr>
               <a:t> 1:</a:t>
             </a:r>
           </a:p>
@@ -29678,50 +30217,50 @@
               <a:buChar char="§"/>
             </a:pPr>
             <a:r>
+              <a:rPr lang="it-IT" b="1" err="1"/>
+              <a:t>Less</a:t>
+            </a:r>
+            <a:r>
+              <a:rPr lang="it-IT" b="1"/>
+              <a:t> </a:t>
+            </a:r>
+            <a:r>
+              <a:rPr lang="it-IT" b="1" err="1"/>
+              <a:t>arms</a:t>
+            </a:r>
+            <a:r>
+              <a:rPr lang="it-IT"/>
+              <a:t> and good learning </a:t>
+            </a:r>
+            <a:r>
               <a:rPr lang="it-IT" err="1"/>
-              <a:t>Less</a:t>
+              <a:t>process</a:t>
+            </a:r>
+            <a:r>
+              <a:rPr lang="it-IT"/>
+              <a:t>, </a:t>
+            </a:r>
+            <a:r>
+              <a:rPr lang="it-IT" err="1"/>
+              <a:t>but</a:t>
             </a:r>
             <a:r>
               <a:rPr lang="it-IT"/>
               <a:t> </a:t>
             </a:r>
             <a:r>
-              <a:rPr lang="it-IT" err="1"/>
-              <a:t>arms</a:t>
-            </a:r>
-            <a:r>
-              <a:rPr lang="it-IT"/>
-              <a:t> and good learning </a:t>
-            </a:r>
-            <a:r>
-              <a:rPr lang="it-IT" err="1"/>
-              <a:t>process</a:t>
-            </a:r>
-            <a:r>
-              <a:rPr lang="it-IT"/>
-              <a:t>, </a:t>
-            </a:r>
-            <a:r>
-              <a:rPr lang="it-IT" err="1"/>
-              <a:t>but</a:t>
-            </a:r>
-            <a:r>
-              <a:rPr lang="it-IT"/>
+              <a:rPr lang="it-IT" b="1" err="1"/>
+              <a:t>worse</a:t>
+            </a:r>
+            <a:r>
+              <a:rPr lang="it-IT" b="1"/>
               <a:t> </a:t>
             </a:r>
             <a:r>
-              <a:rPr lang="it-IT" err="1"/>
-              <a:t>worse</a:t>
-            </a:r>
-            <a:r>
-              <a:rPr lang="it-IT"/>
-              <a:t> </a:t>
-            </a:r>
-            <a:r>
-              <a:rPr lang="it-IT" err="1"/>
+              <a:rPr lang="it-IT" b="1" err="1"/>
               <a:t>regret</a:t>
             </a:r>
-            <a:endParaRPr lang="it-IT"/>
+            <a:endParaRPr lang="it-IT" b="1"/>
           </a:p>
           <a:p>
             <a:pPr lvl="1"/>
@@ -29729,15 +30268,26 @@
           </a:p>
           <a:p>
             <a:pPr marL="285750" indent="-285750">
+              <a:buClr>
+                <a:schemeClr val="tx1"/>
+              </a:buClr>
               <a:buFont typeface="Wingdings" panose="05000000000000000000" pitchFamily="2" charset="2"/>
               <a:buChar char="§"/>
             </a:pPr>
             <a:r>
-              <a:rPr lang="it-IT" err="1"/>
+              <a:rPr lang="it-IT" b="1" err="1">
+                <a:solidFill>
+                  <a:schemeClr val="accent4"/>
+                </a:solidFill>
+              </a:rPr>
               <a:t>Approach</a:t>
             </a:r>
             <a:r>
-              <a:rPr lang="it-IT"/>
+              <a:rPr lang="it-IT" b="1">
+                <a:solidFill>
+                  <a:schemeClr val="accent4"/>
+                </a:solidFill>
+              </a:rPr>
               <a:t> 2:</a:t>
             </a:r>
           </a:p>
@@ -29747,66 +30297,74 @@
               <a:buChar char="§"/>
             </a:pPr>
             <a:r>
+              <a:rPr lang="it-IT" b="1" err="1"/>
+              <a:t>Many</a:t>
+            </a:r>
+            <a:r>
+              <a:rPr lang="it-IT" b="1"/>
+              <a:t> </a:t>
+            </a:r>
+            <a:r>
+              <a:rPr lang="it-IT" b="1" err="1"/>
+              <a:t>arms</a:t>
+            </a:r>
+            <a:r>
+              <a:rPr lang="it-IT"/>
+              <a:t> (full </a:t>
+            </a:r>
+            <a:r>
               <a:rPr lang="it-IT" err="1"/>
-              <a:t>Many</a:t>
+              <a:t>combinatorial</a:t>
+            </a:r>
+            <a:r>
+              <a:rPr lang="it-IT"/>
+              <a:t>) </a:t>
+            </a:r>
+            <a:r>
+              <a:rPr lang="it-IT" err="1"/>
+              <a:t>but</a:t>
             </a:r>
             <a:r>
               <a:rPr lang="it-IT"/>
               <a:t> </a:t>
             </a:r>
             <a:r>
+              <a:rPr lang="it-IT" b="1" err="1"/>
+              <a:t>learns</a:t>
+            </a:r>
+            <a:r>
+              <a:rPr lang="it-IT" b="1"/>
+              <a:t> </a:t>
+            </a:r>
+            <a:r>
+              <a:rPr lang="it-IT" b="1" err="1"/>
+              <a:t>well</a:t>
+            </a:r>
+            <a:r>
+              <a:rPr lang="it-IT"/>
+              <a:t> and </a:t>
+            </a:r>
+            <a:r>
               <a:rPr lang="it-IT" err="1"/>
-              <a:t>arms</a:t>
-            </a:r>
-            <a:r>
-              <a:rPr lang="it-IT"/>
-              <a:t> (full </a:t>
-            </a:r>
-            <a:r>
-              <a:rPr lang="it-IT" err="1"/>
-              <a:t>combinatorial</a:t>
-            </a:r>
-            <a:r>
-              <a:rPr lang="it-IT"/>
-              <a:t>) </a:t>
-            </a:r>
-            <a:r>
-              <a:rPr lang="it-IT" err="1"/>
-              <a:t>but</a:t>
+              <a:t>achieves</a:t>
             </a:r>
             <a:r>
               <a:rPr lang="it-IT"/>
               <a:t> </a:t>
             </a:r>
             <a:r>
-              <a:rPr lang="it-IT" err="1"/>
-              <a:t>learns</a:t>
-            </a:r>
-            <a:r>
-              <a:rPr lang="it-IT"/>
+              <a:rPr lang="it-IT" b="1" err="1"/>
+              <a:t>better</a:t>
+            </a:r>
+            <a:r>
+              <a:rPr lang="it-IT" b="1"/>
               <a:t> </a:t>
             </a:r>
             <a:r>
-              <a:rPr lang="it-IT" err="1"/>
-              <a:t>well</a:t>
-            </a:r>
-            <a:r>
-              <a:rPr lang="it-IT"/>
-              <a:t> and achieves </a:t>
-            </a:r>
-            <a:r>
-              <a:rPr lang="it-IT" err="1"/>
-              <a:t>better</a:t>
-            </a:r>
-            <a:r>
-              <a:rPr lang="it-IT"/>
-              <a:t> </a:t>
-            </a:r>
-            <a:r>
-              <a:rPr lang="it-IT" err="1"/>
+              <a:rPr lang="it-IT" b="1" err="1"/>
               <a:t>regret</a:t>
             </a:r>
-            <a:endParaRPr lang="it-IT"/>
+            <a:endParaRPr lang="it-IT" b="1"/>
           </a:p>
           <a:p>
             <a:pPr lvl="1"/>
@@ -29814,15 +30372,26 @@
           </a:p>
           <a:p>
             <a:pPr marL="285750" indent="-285750">
+              <a:buClr>
+                <a:schemeClr val="tx1"/>
+              </a:buClr>
               <a:buFont typeface="Wingdings" panose="05000000000000000000" pitchFamily="2" charset="2"/>
               <a:buChar char="§"/>
             </a:pPr>
             <a:r>
-              <a:rPr lang="it-IT" err="1"/>
+              <a:rPr lang="it-IT" b="1" err="1">
+                <a:solidFill>
+                  <a:schemeClr val="accent6"/>
+                </a:solidFill>
+              </a:rPr>
               <a:t>Approach</a:t>
             </a:r>
             <a:r>
-              <a:rPr lang="it-IT"/>
+              <a:rPr lang="it-IT" b="1">
+                <a:solidFill>
+                  <a:schemeClr val="accent6"/>
+                </a:solidFill>
+              </a:rPr>
               <a:t> 3:</a:t>
             </a:r>
           </a:p>
@@ -29856,18 +30425,30 @@
               <a:t> </a:t>
             </a:r>
             <a:r>
-              <a:rPr lang="it-IT" err="1"/>
+              <a:rPr lang="it-IT" b="1" err="1"/>
+              <a:t>faster</a:t>
+            </a:r>
+            <a:r>
+              <a:rPr lang="it-IT" b="1"/>
+              <a:t> </a:t>
+            </a:r>
+            <a:r>
+              <a:rPr lang="it-IT"/>
+              <a:t>and  </a:t>
+            </a:r>
+            <a:r>
+              <a:rPr lang="it-IT" b="1" err="1"/>
               <a:t>depletes</a:t>
             </a:r>
             <a:r>
-              <a:rPr lang="it-IT"/>
+              <a:rPr lang="it-IT" b="1"/>
               <a:t> the budget </a:t>
             </a:r>
             <a:r>
-              <a:rPr lang="it-IT" err="1"/>
+              <a:rPr lang="it-IT" b="1" err="1"/>
               <a:t>later</a:t>
             </a:r>
-            <a:endParaRPr lang="it-IT"/>
+            <a:endParaRPr lang="it-IT" b="1"/>
           </a:p>
         </p:txBody>
       </p:sp>
@@ -30085,8 +30666,8 @@
         </p:nvSpPr>
         <p:spPr>
           <a:xfrm>
-            <a:off x="2209800" y="1945019"/>
-            <a:ext cx="2882475" cy="823912"/>
+            <a:off x="2000044" y="1175000"/>
+            <a:ext cx="2499680" cy="726802"/>
           </a:xfrm>
         </p:spPr>
         <p:txBody>
@@ -30119,8 +30700,8 @@
         </p:nvSpPr>
         <p:spPr>
           <a:xfrm>
-            <a:off x="2209800" y="2865476"/>
-            <a:ext cx="3771929" cy="2447187"/>
+            <a:off x="2011069" y="1946698"/>
+            <a:ext cx="3271014" cy="2158751"/>
           </a:xfrm>
         </p:spPr>
         <p:txBody>
@@ -30175,8 +30756,8 @@
         </p:nvSpPr>
         <p:spPr>
           <a:xfrm>
-            <a:off x="6587032" y="1945019"/>
-            <a:ext cx="2896671" cy="823912"/>
+            <a:off x="6403152" y="1163407"/>
+            <a:ext cx="2670741" cy="726802"/>
           </a:xfrm>
         </p:spPr>
         <p:txBody>
@@ -30209,8 +30790,8 @@
         </p:nvSpPr>
         <p:spPr>
           <a:xfrm>
-            <a:off x="6587032" y="2865475"/>
-            <a:ext cx="4012142" cy="3108333"/>
+            <a:off x="6402710" y="1983679"/>
+            <a:ext cx="5257327" cy="2720806"/>
           </a:xfrm>
         </p:spPr>
         <p:txBody>
@@ -30219,16 +30800,42 @@
           </a:bodyPr>
           <a:lstStyle/>
           <a:p>
-            <a:pPr marL="285750" indent="-285750" rtl="0">
+            <a:pPr marL="285750" indent="-285750">
+              <a:buClr>
+                <a:schemeClr val="tx1"/>
+              </a:buClr>
               <a:buFont typeface="Wingdings,Sans-Serif" panose="05000000000000000000" pitchFamily="2" charset="2"/>
               <a:buChar char="§"/>
             </a:pPr>
             <a:r>
-              <a:rPr lang="it-IT" sz="2000" err="1">
+              <a:rPr lang="it-IT" sz="2000" b="1" err="1">
+                <a:solidFill>
+                  <a:srgbClr val="FF0000"/>
+                </a:solidFill>
                 <a:ea typeface="+mn-lt"/>
                 <a:cs typeface="+mn-lt"/>
               </a:rPr>
               <a:t>Adversarial</a:t>
+            </a:r>
+            <a:r>
+              <a:rPr lang="it-IT" sz="2000" b="1">
+                <a:solidFill>
+                  <a:srgbClr val="FF0000"/>
+                </a:solidFill>
+                <a:ea typeface="+mn-lt"/>
+                <a:cs typeface="+mn-lt"/>
+              </a:rPr>
+              <a:t> </a:t>
+            </a:r>
+            <a:r>
+              <a:rPr lang="it-IT" sz="2000" b="1" err="1">
+                <a:solidFill>
+                  <a:srgbClr val="FF0000"/>
+                </a:solidFill>
+                <a:ea typeface="+mn-lt"/>
+                <a:cs typeface="+mn-lt"/>
+              </a:rPr>
+              <a:t>valuations</a:t>
             </a:r>
             <a:r>
               <a:rPr lang="it-IT" sz="2000">
@@ -30242,7 +30849,21 @@
                 <a:ea typeface="+mn-lt"/>
                 <a:cs typeface="+mn-lt"/>
               </a:rPr>
-              <a:t>valuations</a:t>
+              <a:t>changing</a:t>
+            </a:r>
+            <a:r>
+              <a:rPr lang="it-IT" sz="2000">
+                <a:ea typeface="+mn-lt"/>
+                <a:cs typeface="+mn-lt"/>
+              </a:rPr>
+              <a:t> the </a:t>
+            </a:r>
+            <a:r>
+              <a:rPr lang="it-IT" sz="2000" err="1">
+                <a:ea typeface="+mn-lt"/>
+                <a:cs typeface="+mn-lt"/>
+              </a:rPr>
+              <a:t>expected</a:t>
             </a:r>
             <a:r>
               <a:rPr lang="it-IT" sz="2000">
@@ -30256,14 +30877,28 @@
                 <a:ea typeface="+mn-lt"/>
                 <a:cs typeface="+mn-lt"/>
               </a:rPr>
-              <a:t>changing</a:t>
+              <a:t>value</a:t>
             </a:r>
             <a:r>
               <a:rPr lang="it-IT" sz="2000">
                 <a:ea typeface="+mn-lt"/>
                 <a:cs typeface="+mn-lt"/>
               </a:rPr>
-              <a:t> over time:</a:t>
+              <a:t> of the </a:t>
+            </a:r>
+            <a:r>
+              <a:rPr lang="it-IT" sz="2000" err="1">
+                <a:ea typeface="+mn-lt"/>
+                <a:cs typeface="+mn-lt"/>
+              </a:rPr>
+              <a:t>gaussian</a:t>
+            </a:r>
+            <a:r>
+              <a:rPr lang="it-IT" sz="2000">
+                <a:ea typeface="+mn-lt"/>
+                <a:cs typeface="+mn-lt"/>
+              </a:rPr>
+              <a:t> over time</a:t>
             </a:r>
             <a:endParaRPr lang="it-IT" sz="2000">
               <a:solidFill>
@@ -30273,108 +30908,6 @@
               <a:cs typeface="+mn-lt"/>
             </a:endParaRPr>
           </a:p>
-          <a:p>
-            <a:pPr marL="742950" lvl="1" indent="-285750">
-              <a:buFont typeface="Courier New,monospace" panose="05000000000000000000" pitchFamily="2" charset="2"/>
-              <a:buChar char="o"/>
-            </a:pPr>
-            <a:r>
-              <a:rPr lang="it-IT" sz="2000" err="1">
-                <a:ea typeface="+mn-lt"/>
-                <a:cs typeface="+mn-lt"/>
-              </a:rPr>
-              <a:t>oscillating</a:t>
-            </a:r>
-            <a:r>
-              <a:rPr lang="it-IT" sz="2000">
-                <a:ea typeface="+mn-lt"/>
-                <a:cs typeface="+mn-lt"/>
-              </a:rPr>
-              <a:t>, </a:t>
-            </a:r>
-            <a:endParaRPr lang="en-US" sz="2000">
-              <a:solidFill>
-                <a:srgbClr val="000000"/>
-              </a:solidFill>
-              <a:ea typeface="+mn-lt"/>
-              <a:cs typeface="+mn-lt"/>
-            </a:endParaRPr>
-          </a:p>
-          <a:p>
-            <a:pPr marL="742950" lvl="1" indent="-285750">
-              <a:buFont typeface="Courier New,monospace" panose="05000000000000000000" pitchFamily="2" charset="2"/>
-              <a:buChar char="o"/>
-            </a:pPr>
-            <a:r>
-              <a:rPr lang="it-IT" sz="2000" err="1">
-                <a:ea typeface="+mn-lt"/>
-                <a:cs typeface="+mn-lt"/>
-              </a:rPr>
-              <a:t>delayed</a:t>
-            </a:r>
-            <a:r>
-              <a:rPr lang="it-IT" sz="2000">
-                <a:ea typeface="+mn-lt"/>
-                <a:cs typeface="+mn-lt"/>
-              </a:rPr>
-              <a:t> </a:t>
-            </a:r>
-            <a:r>
-              <a:rPr lang="it-IT" sz="2000" err="1">
-                <a:ea typeface="+mn-lt"/>
-                <a:cs typeface="+mn-lt"/>
-              </a:rPr>
-              <a:t>reward</a:t>
-            </a:r>
-            <a:r>
-              <a:rPr lang="it-IT" sz="2000">
-                <a:ea typeface="+mn-lt"/>
-                <a:cs typeface="+mn-lt"/>
-              </a:rPr>
-              <a:t>, </a:t>
-            </a:r>
-            <a:endParaRPr lang="en-US" sz="2000">
-              <a:solidFill>
-                <a:srgbClr val="000000"/>
-              </a:solidFill>
-              <a:ea typeface="+mn-lt"/>
-              <a:cs typeface="+mn-lt"/>
-            </a:endParaRPr>
-          </a:p>
-          <a:p>
-            <a:pPr marL="742950" lvl="1" indent="-285750">
-              <a:buFont typeface="Courier New,monospace" panose="05000000000000000000" pitchFamily="2" charset="2"/>
-              <a:buChar char="o"/>
-            </a:pPr>
-            <a:r>
-              <a:rPr lang="it-IT" sz="2000">
-                <a:ea typeface="+mn-lt"/>
-                <a:cs typeface="+mn-lt"/>
-              </a:rPr>
-              <a:t>random, </a:t>
-            </a:r>
-            <a:endParaRPr lang="en-US" sz="2000">
-              <a:solidFill>
-                <a:srgbClr val="000000"/>
-              </a:solidFill>
-              <a:ea typeface="+mn-lt"/>
-              <a:cs typeface="+mn-lt"/>
-            </a:endParaRPr>
-          </a:p>
-          <a:p>
-            <a:pPr marL="742950" lvl="1" indent="-285750">
-              <a:buFont typeface="Courier New,monospace" panose="05000000000000000000" pitchFamily="2" charset="2"/>
-              <a:buChar char="o"/>
-            </a:pPr>
-            <a:r>
-              <a:rPr lang="it-IT" sz="2000">
-                <a:ea typeface="+mn-lt"/>
-                <a:cs typeface="+mn-lt"/>
-              </a:rPr>
-              <a:t>custom pattern</a:t>
-            </a:r>
-            <a:endParaRPr lang="it-IT"/>
-          </a:p>
         </p:txBody>
       </p:sp>
       <p:sp>
@@ -30403,11 +30936,17 @@
           <a:bodyPr rtlCol="0"/>
           <a:lstStyle/>
           <a:p>
+            <a:endParaRPr lang="it-IT"/>
+          </a:p>
+          <a:p>
+            <a:r>
+              <a:rPr lang="it-IT"/>
+              <a:t>Online Learning Application Project 2025</a:t>
+            </a:r>
+          </a:p>
+          <a:p>
             <a:pPr rtl="0"/>
-            <a:r>
-              <a:rPr lang="it-IT"/>
-              <a:t>20XX</a:t>
-            </a:r>
+            <a:endParaRPr lang="it-IT"/>
           </a:p>
         </p:txBody>
       </p:sp>
@@ -30437,11 +30976,11 @@
           <a:bodyPr rtlCol="0"/>
           <a:lstStyle/>
           <a:p>
-            <a:pPr rtl="0"/>
             <a:r>
               <a:rPr lang="it-IT"/>
-              <a:t>Presentazione</a:t>
-            </a:r>
+              <a:t>Presentation</a:t>
+            </a:r>
+            <a:endParaRPr lang="en-US"/>
           </a:p>
         </p:txBody>
       </p:sp>
@@ -30520,6 +31059,36 @@
           </a:p>
         </p:txBody>
       </p:sp>
+      <p:pic>
+        <p:nvPicPr>
+          <p:cNvPr id="8" name="Immagine 7">
+            <a:extLst>
+              <a:ext uri="{FF2B5EF4-FFF2-40B4-BE49-F238E27FC236}">
+                <a16:creationId xmlns:a16="http://schemas.microsoft.com/office/drawing/2014/main" id="{639D955F-0662-C818-81D1-01D5B3B3641F}"/>
+              </a:ext>
+            </a:extLst>
+          </p:cNvPr>
+          <p:cNvPicPr>
+            <a:picLocks noChangeAspect="1"/>
+          </p:cNvPicPr>
+          <p:nvPr/>
+        </p:nvPicPr>
+        <p:blipFill>
+          <a:blip r:embed="rId3"/>
+          <a:stretch>
+            <a:fillRect/>
+          </a:stretch>
+        </p:blipFill>
+        <p:spPr>
+          <a:xfrm>
+            <a:off x="3253956" y="2889496"/>
+            <a:ext cx="6081870" cy="3378593"/>
+          </a:xfrm>
+          <a:prstGeom prst="rect">
+            <a:avLst/>
+          </a:prstGeom>
+        </p:spPr>
+      </p:pic>
     </p:spTree>
     <p:extLst>
       <p:ext uri="{BB962C8B-B14F-4D97-AF65-F5344CB8AC3E}">
@@ -30622,11 +31191,17 @@
           <a:bodyPr rtlCol="0"/>
           <a:lstStyle/>
           <a:p>
+            <a:endParaRPr lang="it-IT"/>
+          </a:p>
+          <a:p>
+            <a:r>
+              <a:rPr lang="it-IT"/>
+              <a:t>Online Learning Application Project 2025</a:t>
+            </a:r>
+          </a:p>
+          <a:p>
             <a:pPr rtl="0"/>
-            <a:r>
-              <a:rPr lang="it-IT"/>
-              <a:t>20XX</a:t>
-            </a:r>
+            <a:endParaRPr lang="it-IT"/>
           </a:p>
         </p:txBody>
       </p:sp>
@@ -30656,11 +31231,11 @@
           <a:bodyPr rtlCol="0"/>
           <a:lstStyle/>
           <a:p>
-            <a:pPr rtl="0"/>
             <a:r>
               <a:rPr lang="it-IT"/>
-              <a:t>Presentazione</a:t>
-            </a:r>
+              <a:t>Presentation</a:t>
+            </a:r>
+            <a:endParaRPr lang="en-US"/>
           </a:p>
         </p:txBody>
       </p:sp>
@@ -30753,7 +31328,7 @@
         </p:nvSpPr>
         <p:spPr>
           <a:xfrm>
-            <a:off x="7330470" y="3029921"/>
+            <a:off x="6906927" y="3127248"/>
             <a:ext cx="2341404" cy="369332"/>
           </a:xfrm>
           <a:prstGeom prst="rect">
@@ -30768,7 +31343,7 @@
           <a:lstStyle/>
           <a:p>
             <a:r>
-              <a:rPr lang="it-IT"/>
+              <a:rPr lang="it-IT" b="1"/>
               <a:t>APPROACH 2</a:t>
             </a:r>
           </a:p>
@@ -30788,7 +31363,7 @@
         </p:nvSpPr>
         <p:spPr>
           <a:xfrm>
-            <a:off x="3982373" y="3041561"/>
+            <a:off x="3558830" y="3138888"/>
             <a:ext cx="2341404" cy="369332"/>
           </a:xfrm>
           <a:prstGeom prst="rect">
@@ -30803,7 +31378,7 @@
           <a:lstStyle/>
           <a:p>
             <a:r>
-              <a:rPr lang="it-IT"/>
+              <a:rPr lang="it-IT" b="1"/>
               <a:t>APPROACH 1</a:t>
             </a:r>
           </a:p>
@@ -30823,13 +31398,20 @@
         </p:nvSpPr>
         <p:spPr>
           <a:xfrm>
-            <a:off x="3205181" y="3410920"/>
+            <a:off x="2781638" y="3508247"/>
             <a:ext cx="3115832" cy="1360097"/>
           </a:xfrm>
           <a:prstGeom prst="rect">
             <a:avLst/>
           </a:prstGeom>
           <a:noFill/>
+          <a:ln>
+            <a:solidFill>
+              <a:schemeClr val="accent1">
+                <a:lumMod val="75000"/>
+              </a:schemeClr>
+            </a:solidFill>
+          </a:ln>
         </p:spPr>
         <p:style>
           <a:lnRef idx="2">
@@ -30870,13 +31452,20 @@
         </p:nvSpPr>
         <p:spPr>
           <a:xfrm>
-            <a:off x="6547822" y="3404163"/>
+            <a:off x="6124279" y="3501490"/>
             <a:ext cx="3127038" cy="1371302"/>
           </a:xfrm>
           <a:prstGeom prst="rect">
             <a:avLst/>
           </a:prstGeom>
           <a:noFill/>
+          <a:ln>
+            <a:solidFill>
+              <a:schemeClr val="accent1">
+                <a:lumMod val="75000"/>
+              </a:schemeClr>
+            </a:solidFill>
+          </a:ln>
         </p:spPr>
         <p:style>
           <a:lnRef idx="2">
@@ -30917,8 +31506,8 @@
         </p:nvSpPr>
         <p:spPr>
           <a:xfrm>
-            <a:off x="3200568" y="1525654"/>
-            <a:ext cx="6576622" cy="1508105"/>
+            <a:off x="2781638" y="1568267"/>
+            <a:ext cx="7232788" cy="1508105"/>
           </a:xfrm>
           <a:prstGeom prst="rect">
             <a:avLst/>
@@ -30936,22 +31525,32 @@
               <a:t>Using the pacing strategy with a </a:t>
             </a:r>
             <a:r>
-              <a:rPr lang="en-US" err="1"/>
+              <a:rPr lang="en-US" b="1" err="1"/>
               <a:t>Lagrangian</a:t>
             </a:r>
             <a:r>
-              <a:rPr lang="en-US"/>
+              <a:rPr lang="en-US" b="1"/>
               <a:t> multiplier</a:t>
             </a:r>
             <a:r>
-              <a:rPr lang="en-US">
+              <a:rPr lang="en-US" b="1">
                 <a:solidFill>
                   <a:srgbClr val="000000"/>
                 </a:solidFill>
                 <a:ea typeface="+mn-lt"/>
                 <a:cs typeface="+mn-lt"/>
               </a:rPr>
-              <a:t> λ.</a:t>
+              <a:t> λ</a:t>
+            </a:r>
+            <a:r>
+              <a:rPr lang="en-US">
+                <a:solidFill>
+                  <a:srgbClr val="000000"/>
+                </a:solidFill>
+                <a:ea typeface="+mn-lt"/>
+                <a:cs typeface="+mn-lt"/>
+              </a:rPr>
+              <a:t>.</a:t>
             </a:r>
             <a:endParaRPr lang="it-IT"/>
           </a:p>
@@ -30963,8 +31562,8 @@
           </a:p>
           <a:p>
             <a:pPr marL="742950" lvl="1" indent="-285750">
-              <a:buFont typeface="Courier New,monospace"/>
-              <a:buChar char="o"/>
+              <a:buFont typeface="Wingdings" panose="05000000000000000000" pitchFamily="2" charset="2"/>
+              <a:buChar char="§"/>
             </a:pPr>
             <a:r>
               <a:rPr lang="en-US">
@@ -30984,7 +31583,7 @@
                 <a:ea typeface="+mn-lt"/>
                 <a:cs typeface="+mn-lt"/>
               </a:rPr>
-              <a:t>discouraging </a:t>
+              <a:t>lowering</a:t>
             </a:r>
             <a:r>
               <a:rPr lang="en-US">
@@ -30994,13 +31593,13 @@
                 <a:ea typeface="+mn-lt"/>
                 <a:cs typeface="+mn-lt"/>
               </a:rPr>
-              <a:t>low prices; </a:t>
+              <a:t> the next price; </a:t>
             </a:r>
           </a:p>
           <a:p>
             <a:pPr marL="742950" lvl="1" indent="-285750">
-              <a:buFont typeface="Courier New,monospace"/>
-              <a:buChar char="o"/>
+              <a:buFont typeface="Wingdings" panose="05000000000000000000" pitchFamily="2" charset="2"/>
+              <a:buChar char="§"/>
             </a:pPr>
             <a:r>
               <a:rPr lang="en-US">
@@ -31020,7 +31619,7 @@
                 <a:ea typeface="+mn-lt"/>
                 <a:cs typeface="+mn-lt"/>
               </a:rPr>
-              <a:t>encouraging </a:t>
+              <a:t>increasing </a:t>
             </a:r>
             <a:r>
               <a:rPr lang="en-US">
@@ -31030,7 +31629,7 @@
                 <a:ea typeface="+mn-lt"/>
                 <a:cs typeface="+mn-lt"/>
               </a:rPr>
-              <a:t>lower prices.</a:t>
+              <a:t>the next price.</a:t>
             </a:r>
             <a:r>
               <a:rPr lang="it-IT" sz="2000">
@@ -31067,7 +31666,7 @@
         </p:nvSpPr>
         <p:spPr>
           <a:xfrm>
-            <a:off x="3294085" y="3899263"/>
+            <a:off x="2870542" y="3996590"/>
             <a:ext cx="3517417" cy="923330"/>
           </a:xfrm>
           <a:prstGeom prst="rect">
@@ -31120,7 +31719,7 @@
         </p:nvSpPr>
         <p:spPr>
           <a:xfrm>
-            <a:off x="3294085" y="3574293"/>
+            <a:off x="2870542" y="3671620"/>
             <a:ext cx="3517417" cy="646331"/>
           </a:xfrm>
           <a:prstGeom prst="rect">
@@ -31166,7 +31765,7 @@
         </p:nvSpPr>
         <p:spPr>
           <a:xfrm>
-            <a:off x="6611026" y="3910469"/>
+            <a:off x="6187483" y="4007796"/>
             <a:ext cx="3517417" cy="923330"/>
           </a:xfrm>
           <a:prstGeom prst="rect">
@@ -31219,7 +31818,7 @@
         </p:nvSpPr>
         <p:spPr>
           <a:xfrm>
-            <a:off x="6611026" y="3585499"/>
+            <a:off x="6187483" y="3682826"/>
             <a:ext cx="3517417" cy="646331"/>
           </a:xfrm>
           <a:prstGeom prst="rect">
@@ -31300,7 +31899,7 @@
               </a:rPr>
               <a:t>Computation</a:t>
             </a:r>
-            <a:endParaRPr lang="en-US" sz="1700" err="1"/>
+            <a:endParaRPr lang="en-US" sz="1700"/>
           </a:p>
           <a:p>
             <a:pPr>
@@ -31501,7 +32100,27 @@
                 <a:ea typeface="+mn-lt"/>
                 <a:cs typeface="+mn-lt"/>
               </a:rPr>
-              <a:t> c ≤ ρ, </a:t>
+              <a:t> </a:t>
+            </a:r>
+            <a:r>
+              <a:rPr lang="it-IT" sz="1700" b="1">
+                <a:solidFill>
+                  <a:srgbClr val="404040"/>
+                </a:solidFill>
+                <a:ea typeface="+mn-lt"/>
+                <a:cs typeface="+mn-lt"/>
+              </a:rPr>
+              <a:t>c ≤ ρ</a:t>
+            </a:r>
+            <a:r>
+              <a:rPr lang="it-IT" sz="1700">
+                <a:solidFill>
+                  <a:srgbClr val="404040"/>
+                </a:solidFill>
+                <a:ea typeface="+mn-lt"/>
+                <a:cs typeface="+mn-lt"/>
+              </a:rPr>
+              <a:t>, </a:t>
             </a:r>
             <a:r>
               <a:rPr lang="it-IT" sz="1700" err="1">
@@ -31561,7 +32180,47 @@
                 <a:ea typeface="+mn-lt"/>
                 <a:cs typeface="+mn-lt"/>
               </a:rPr>
-              <a:t> utility.</a:t>
+              <a:t> utility (</a:t>
+            </a:r>
+            <a:r>
+              <a:rPr lang="it-IT" sz="1700" b="1">
+                <a:solidFill>
+                  <a:srgbClr val="404040"/>
+                </a:solidFill>
+                <a:ea typeface="+mn-lt"/>
+                <a:cs typeface="+mn-lt"/>
+              </a:rPr>
+              <a:t>best </a:t>
+            </a:r>
+            <a:r>
+              <a:rPr lang="it-IT" sz="1700" b="1" err="1">
+                <a:solidFill>
+                  <a:srgbClr val="404040"/>
+                </a:solidFill>
+                <a:ea typeface="+mn-lt"/>
+                <a:cs typeface="+mn-lt"/>
+              </a:rPr>
+              <a:t>fixed</a:t>
+            </a:r>
+            <a:r>
+              <a:rPr lang="it-IT" sz="1700" b="1">
+                <a:solidFill>
+                  <a:srgbClr val="404040"/>
+                </a:solidFill>
+                <a:ea typeface="+mn-lt"/>
+                <a:cs typeface="+mn-lt"/>
+              </a:rPr>
+              <a:t> arm a priori</a:t>
+            </a:r>
+            <a:r>
+              <a:rPr lang="it-IT" sz="1700">
+                <a:solidFill>
+                  <a:srgbClr val="404040"/>
+                </a:solidFill>
+                <a:ea typeface="+mn-lt"/>
+                <a:cs typeface="+mn-lt"/>
+              </a:rPr>
+              <a:t>).</a:t>
             </a:r>
             <a:endParaRPr lang="it-IT" sz="1700">
               <a:solidFill>
@@ -31633,11 +32292,17 @@
           <a:bodyPr rtlCol="0"/>
           <a:lstStyle/>
           <a:p>
+            <a:endParaRPr lang="it-IT"/>
+          </a:p>
+          <a:p>
+            <a:r>
+              <a:rPr lang="it-IT"/>
+              <a:t>Online Learning Application Project 2025</a:t>
+            </a:r>
+          </a:p>
+          <a:p>
             <a:pPr rtl="0"/>
-            <a:r>
-              <a:rPr lang="it-IT"/>
-              <a:t>20XX</a:t>
-            </a:r>
+            <a:endParaRPr lang="it-IT"/>
           </a:p>
         </p:txBody>
       </p:sp>
@@ -31667,11 +32332,11 @@
           <a:bodyPr rtlCol="0"/>
           <a:lstStyle/>
           <a:p>
-            <a:pPr rtl="0"/>
             <a:r>
               <a:rPr lang="it-IT"/>
-              <a:t>Presentazione</a:t>
-            </a:r>
+              <a:t>Presentation</a:t>
+            </a:r>
+            <a:endParaRPr lang="en-US"/>
           </a:p>
         </p:txBody>
       </p:sp>
@@ -31798,8 +32463,8 @@
         </p:nvSpPr>
         <p:spPr>
           <a:xfrm>
-            <a:off x="1999750" y="2539688"/>
-            <a:ext cx="8643091" cy="2554545"/>
+            <a:off x="2010333" y="2539688"/>
+            <a:ext cx="8209175" cy="2554545"/>
           </a:xfrm>
           <a:prstGeom prst="rect">
             <a:avLst/>
@@ -31871,10 +32536,6 @@
               <a:t>horizon</a:t>
             </a:r>
             <a:r>
-              <a:rPr lang="it-IT" sz="2000" b="1"/>
-              <a:t>:</a:t>
-            </a:r>
-            <a:r>
               <a:rPr lang="it-IT" sz="2000"/>
               <a:t> T = 10000</a:t>
             </a:r>
@@ -31886,7 +32547,7 @@
             </a:pPr>
             <a:r>
               <a:rPr lang="it-IT" sz="2000" b="1"/>
-              <a:t>Budget:</a:t>
+              <a:t>Budget</a:t>
             </a:r>
             <a:r>
               <a:rPr lang="it-IT" sz="2000"/>
@@ -32040,11 +32701,17 @@
           <a:bodyPr rtlCol="0"/>
           <a:lstStyle/>
           <a:p>
+            <a:endParaRPr lang="it-IT"/>
+          </a:p>
+          <a:p>
+            <a:r>
+              <a:rPr lang="it-IT"/>
+              <a:t>Online Learning Application Project 2025</a:t>
+            </a:r>
+          </a:p>
+          <a:p>
             <a:pPr rtl="0"/>
-            <a:r>
-              <a:rPr lang="it-IT"/>
-              <a:t>20XX</a:t>
-            </a:r>
+            <a:endParaRPr lang="it-IT"/>
           </a:p>
         </p:txBody>
       </p:sp>
@@ -32074,11 +32741,11 @@
           <a:bodyPr rtlCol="0"/>
           <a:lstStyle/>
           <a:p>
-            <a:pPr rtl="0"/>
             <a:r>
               <a:rPr lang="it-IT"/>
-              <a:t>Presentazione</a:t>
-            </a:r>
+              <a:t>Presentation</a:t>
+            </a:r>
+            <a:endParaRPr lang="en-US"/>
           </a:p>
         </p:txBody>
       </p:sp>
@@ -32167,7 +32834,7 @@
         </p:nvSpPr>
         <p:spPr>
           <a:xfrm>
-            <a:off x="1995414" y="933218"/>
+            <a:off x="1953081" y="1028468"/>
             <a:ext cx="4759349" cy="369332"/>
           </a:xfrm>
           <a:prstGeom prst="rect">
@@ -32187,7 +32854,7 @@
             </a:r>
             <a:r>
               <a:rPr lang="it-IT"/>
-              <a:t> 3</a:t>
+              <a:t> 3 </a:t>
             </a:r>
           </a:p>
         </p:txBody>
@@ -32236,8 +32903,8 @@
         </p:nvSpPr>
         <p:spPr>
           <a:xfrm>
-            <a:off x="5560838" y="1535324"/>
-            <a:ext cx="1557318" cy="369332"/>
+            <a:off x="4703588" y="1535324"/>
+            <a:ext cx="3991484" cy="369332"/>
           </a:xfrm>
           <a:prstGeom prst="rect">
             <a:avLst/>
@@ -32245,14 +32912,14 @@
           <a:noFill/>
         </p:spPr>
         <p:txBody>
-          <a:bodyPr wrap="square" rtlCol="0">
+          <a:bodyPr wrap="square" lIns="91440" tIns="45720" rIns="91440" bIns="45720" rtlCol="0" anchor="t">
             <a:spAutoFit/>
           </a:bodyPr>
           <a:lstStyle/>
           <a:p>
             <a:r>
-              <a:rPr lang="it-IT"/>
-              <a:t>APPROACH 1</a:t>
+              <a:rPr lang="it-IT" b="1" u="sng"/>
+              <a:t>APPROACH 1 – BANDIT FEEDBACK</a:t>
             </a:r>
           </a:p>
         </p:txBody>
@@ -32348,7 +33015,7 @@
         <p:spPr>
           <a:xfrm>
             <a:off x="1417757" y="2580044"/>
-            <a:ext cx="3926759" cy="4548341"/>
+            <a:ext cx="3926759" cy="2823258"/>
           </a:xfrm>
         </p:spPr>
         <p:txBody>
@@ -32510,19 +33177,22 @@
         </p:nvSpPr>
         <p:spPr>
           <a:xfrm>
-            <a:off x="1333500" y="6356350"/>
-            <a:ext cx="985157" cy="365125"/>
+            <a:off x="649224" y="6429501"/>
+            <a:ext cx="2236361" cy="365125"/>
           </a:xfrm>
         </p:spPr>
         <p:txBody>
           <a:bodyPr rtlCol="0"/>
           <a:lstStyle/>
           <a:p>
+            <a:r>
+              <a:rPr lang="it-IT"/>
+              <a:t>Online Learning Application Project 2025</a:t>
+            </a:r>
+          </a:p>
+          <a:p>
             <a:pPr rtl="0"/>
-            <a:r>
-              <a:rPr lang="it-IT"/>
-              <a:t>20XX</a:t>
-            </a:r>
+            <a:endParaRPr lang="it-IT"/>
           </a:p>
         </p:txBody>
       </p:sp>
@@ -32552,11 +33222,11 @@
           <a:bodyPr rtlCol="0"/>
           <a:lstStyle/>
           <a:p>
-            <a:pPr rtl="0"/>
             <a:r>
               <a:rPr lang="it-IT"/>
-              <a:t>Presentazione</a:t>
-            </a:r>
+              <a:t>Presentation</a:t>
+            </a:r>
+            <a:endParaRPr lang="en-US"/>
           </a:p>
         </p:txBody>
       </p:sp>
@@ -32658,11 +33328,17 @@
           <a:bodyPr rtlCol="0"/>
           <a:lstStyle/>
           <a:p>
+            <a:endParaRPr lang="it-IT"/>
+          </a:p>
+          <a:p>
+            <a:r>
+              <a:rPr lang="it-IT"/>
+              <a:t>Online Learning Application Project 2025</a:t>
+            </a:r>
+          </a:p>
+          <a:p>
             <a:pPr rtl="0"/>
-            <a:r>
-              <a:rPr lang="it-IT"/>
-              <a:t>20XX</a:t>
-            </a:r>
+            <a:endParaRPr lang="it-IT"/>
           </a:p>
         </p:txBody>
       </p:sp>
@@ -32692,11 +33368,11 @@
           <a:bodyPr rtlCol="0"/>
           <a:lstStyle/>
           <a:p>
-            <a:pPr rtl="0"/>
             <a:r>
               <a:rPr lang="it-IT"/>
-              <a:t>Presentazione</a:t>
-            </a:r>
+              <a:t>Presentation</a:t>
+            </a:r>
+            <a:endParaRPr lang="en-US"/>
           </a:p>
         </p:txBody>
       </p:sp>
@@ -32824,8 +33500,8 @@
         </p:nvSpPr>
         <p:spPr>
           <a:xfrm>
-            <a:off x="5560838" y="1535324"/>
-            <a:ext cx="1557318" cy="369332"/>
+            <a:off x="4893326" y="1496700"/>
+            <a:ext cx="3436858" cy="369332"/>
           </a:xfrm>
           <a:prstGeom prst="rect">
             <a:avLst/>
@@ -32839,8 +33515,8 @@
           <a:lstStyle/>
           <a:p>
             <a:r>
-              <a:rPr lang="it-IT"/>
-              <a:t>APPROACH 2</a:t>
+              <a:rPr lang="it-IT" b="1" u="sng"/>
+              <a:t>APPROACH 2 - FULL FEEDBACK </a:t>
             </a:r>
           </a:p>
         </p:txBody>
@@ -33133,13 +33809,24 @@
           </a:bodyPr>
           <a:lstStyle/>
           <a:p>
-            <a:pPr marL="285750" indent="-285750" rtl="0">
+            <a:pPr marL="342900" indent="-342900" rtl="0">
+              <a:buClr>
+                <a:schemeClr val="tx1"/>
+              </a:buClr>
               <a:buFont typeface="Wingdings" panose="05000000000000000000" pitchFamily="2" charset="2"/>
               <a:buChar char="§"/>
             </a:pPr>
             <a:r>
+              <a:rPr lang="it-IT" sz="2000" noProof="1">
+                <a:solidFill>
+                  <a:srgbClr val="FF0000"/>
+                </a:solidFill>
+              </a:rPr>
+              <a:t>Multiple product</a:t>
+            </a:r>
+            <a:r>
               <a:rPr lang="it-IT" sz="2000" noProof="1"/>
-              <a:t>Multiple product selling</a:t>
+              <a:t> selling</a:t>
             </a:r>
           </a:p>
           <a:p>
@@ -33278,9 +33965,9 @@
             </a:endParaRPr>
           </a:p>
           <a:p>
-            <a:pPr marL="742950" lvl="1" indent="-285750">
-              <a:buFont typeface="Courier New,monospace" panose="020B0604020202020204" pitchFamily="34" charset="0"/>
-              <a:buChar char="o"/>
+            <a:pPr marL="800100" lvl="1" indent="-342900">
+              <a:buFont typeface="Wingdings" panose="05000000000000000000" pitchFamily="2" charset="2"/>
+              <a:buChar char="§"/>
             </a:pPr>
             <a:r>
               <a:rPr lang="it-IT" sz="2000" err="1">
@@ -33305,9 +33992,9 @@
             </a:endParaRPr>
           </a:p>
           <a:p>
-            <a:pPr marL="742950" lvl="1" indent="-285750">
-              <a:buFont typeface="Courier New,monospace" panose="020B0604020202020204" pitchFamily="34" charset="0"/>
-              <a:buChar char="o"/>
+            <a:pPr marL="800100" lvl="1" indent="-342900">
+              <a:buFont typeface="Wingdings" panose="05000000000000000000" pitchFamily="2" charset="2"/>
+              <a:buChar char="§"/>
             </a:pPr>
             <a:r>
               <a:rPr lang="it-IT" sz="2000" err="1">
@@ -33346,9 +34033,9 @@
             </a:endParaRPr>
           </a:p>
           <a:p>
-            <a:pPr marL="742950" lvl="1" indent="-285750">
-              <a:buFont typeface="Courier New,monospace" panose="020B0604020202020204" pitchFamily="34" charset="0"/>
-              <a:buChar char="o"/>
+            <a:pPr marL="800100" lvl="1" indent="-342900">
+              <a:buFont typeface="Wingdings" panose="05000000000000000000" pitchFamily="2" charset="2"/>
+              <a:buChar char="§"/>
             </a:pPr>
             <a:r>
               <a:rPr lang="it-IT" sz="2000">
@@ -33366,9 +34053,9 @@
             </a:endParaRPr>
           </a:p>
           <a:p>
-            <a:pPr marL="742950" lvl="1" indent="-285750">
-              <a:buFont typeface="Courier New,monospace" panose="020B0604020202020204" pitchFamily="34" charset="0"/>
-              <a:buChar char="o"/>
+            <a:pPr marL="800100" lvl="1" indent="-342900">
+              <a:buFont typeface="Wingdings" panose="05000000000000000000" pitchFamily="2" charset="2"/>
+              <a:buChar char="§"/>
             </a:pPr>
             <a:r>
               <a:rPr lang="it-IT" sz="2000">
@@ -33414,11 +34101,17 @@
           <a:bodyPr rtlCol="0"/>
           <a:lstStyle/>
           <a:p>
+            <a:endParaRPr lang="it-IT"/>
+          </a:p>
+          <a:p>
+            <a:r>
+              <a:rPr lang="it-IT"/>
+              <a:t>Online Learning Application Project 2025</a:t>
+            </a:r>
+          </a:p>
+          <a:p>
             <a:pPr rtl="0"/>
-            <a:r>
-              <a:rPr lang="it-IT"/>
-              <a:t>20XX</a:t>
-            </a:r>
+            <a:endParaRPr lang="it-IT"/>
           </a:p>
         </p:txBody>
       </p:sp>
@@ -33448,11 +34141,11 @@
           <a:bodyPr rtlCol="0"/>
           <a:lstStyle/>
           <a:p>
-            <a:pPr rtl="0"/>
             <a:r>
               <a:rPr lang="it-IT"/>
-              <a:t>Presentazione</a:t>
-            </a:r>
+              <a:t>Presentation</a:t>
+            </a:r>
+            <a:endParaRPr lang="en-US"/>
           </a:p>
         </p:txBody>
       </p:sp>
@@ -33633,11 +34326,17 @@
           <a:bodyPr rtlCol="0"/>
           <a:lstStyle/>
           <a:p>
+            <a:endParaRPr lang="it-IT"/>
+          </a:p>
+          <a:p>
+            <a:r>
+              <a:rPr lang="it-IT"/>
+              <a:t>Online Learning Application Project 2025</a:t>
+            </a:r>
+          </a:p>
+          <a:p>
             <a:pPr rtl="0"/>
-            <a:r>
-              <a:rPr lang="it-IT"/>
-              <a:t>20XX</a:t>
-            </a:r>
+            <a:endParaRPr lang="it-IT"/>
           </a:p>
         </p:txBody>
       </p:sp>
@@ -33667,10 +34366,9 @@
           <a:bodyPr rtlCol="0"/>
           <a:lstStyle/>
           <a:p>
-            <a:pPr rtl="0"/>
             <a:r>
               <a:rPr lang="it-IT"/>
-              <a:t>Presentazione</a:t>
+              <a:t>Presentation</a:t>
             </a:r>
           </a:p>
         </p:txBody>
@@ -33752,10 +34450,10 @@
       </p:sp>
       <p:sp>
         <p:nvSpPr>
-          <p:cNvPr id="7" name="CasellaDiTesto 6">
-            <a:extLst>
-              <a:ext uri="{FF2B5EF4-FFF2-40B4-BE49-F238E27FC236}">
-                <a16:creationId xmlns:a16="http://schemas.microsoft.com/office/drawing/2014/main" id="{DA47AA5C-C5C1-B7EF-F30B-C2B5B81E76A8}"/>
+          <p:cNvPr id="19" name="CasellaDiTesto 18">
+            <a:extLst>
+              <a:ext uri="{FF2B5EF4-FFF2-40B4-BE49-F238E27FC236}">
+                <a16:creationId xmlns:a16="http://schemas.microsoft.com/office/drawing/2014/main" id="{D1686EF9-1406-D301-F3D9-BDF9C605848C}"/>
               </a:ext>
             </a:extLst>
           </p:cNvPr>
@@ -33764,8 +34462,8 @@
         </p:nvSpPr>
         <p:spPr>
           <a:xfrm>
-            <a:off x="1889480" y="1917860"/>
-            <a:ext cx="3539828" cy="3170099"/>
+            <a:off x="7017550" y="2510357"/>
+            <a:ext cx="2967084" cy="1200329"/>
           </a:xfrm>
           <a:prstGeom prst="rect">
             <a:avLst/>
@@ -33779,205 +34477,32 @@
           <a:lstStyle/>
           <a:p>
             <a:r>
-              <a:rPr lang="en-US"/>
-              <a:t>Using the pacing strategy with a </a:t>
-            </a:r>
-            <a:r>
-              <a:rPr lang="en-US" err="1"/>
-              <a:t>Lagrangian</a:t>
-            </a:r>
-            <a:r>
-              <a:rPr lang="en-US"/>
-              <a:t> multiplier</a:t>
-            </a:r>
-            <a:r>
-              <a:rPr lang="en-US">
-                <a:solidFill>
-                  <a:srgbClr val="000000"/>
-                </a:solidFill>
+              <a:rPr lang="en-US" b="1">
                 <a:ea typeface="+mn-lt"/>
                 <a:cs typeface="+mn-lt"/>
               </a:rPr>
-              <a:t> </a:t>
-            </a:r>
-            <a:r>
-              <a:rPr lang="en-US" err="1">
-                <a:solidFill>
-                  <a:srgbClr val="000000"/>
-                </a:solidFill>
+              <a:t>EXP3 agent</a:t>
+            </a:r>
+            <a:r>
+              <a:rPr lang="en-US">
                 <a:ea typeface="+mn-lt"/>
                 <a:cs typeface="+mn-lt"/>
               </a:rPr>
-              <a:t>λ</a:t>
-            </a:r>
-            <a:r>
-              <a:rPr lang="en-US" baseline="-25000" err="1">
-                <a:solidFill>
-                  <a:srgbClr val="000000"/>
-                </a:solidFill>
+              <a:t> used as regret minimizer for price selection, </a:t>
+            </a:r>
+            <a:r>
+              <a:rPr lang="en-US" b="1">
                 <a:ea typeface="+mn-lt"/>
                 <a:cs typeface="+mn-lt"/>
               </a:rPr>
-              <a:t>i</a:t>
+              <a:t>for each product</a:t>
             </a:r>
             <a:r>
               <a:rPr lang="en-US">
-                <a:solidFill>
-                  <a:srgbClr val="000000"/>
-                </a:solidFill>
                 <a:ea typeface="+mn-lt"/>
                 <a:cs typeface="+mn-lt"/>
               </a:rPr>
-              <a:t> for each product.</a:t>
-            </a:r>
-            <a:endParaRPr lang="it-IT"/>
-          </a:p>
-          <a:p>
-            <a:endParaRPr lang="en-US">
-              <a:ea typeface="+mn-lt"/>
-              <a:cs typeface="+mn-lt"/>
-            </a:endParaRPr>
-          </a:p>
-          <a:p>
-            <a:pPr marL="742950" lvl="1" indent="-285750">
-              <a:buFont typeface="Courier New,monospace"/>
-              <a:buChar char="o"/>
-            </a:pPr>
-            <a:r>
-              <a:rPr lang="en-US">
-                <a:solidFill>
-                  <a:srgbClr val="000000"/>
-                </a:solidFill>
-                <a:ea typeface="+mn-lt"/>
-                <a:cs typeface="+mn-lt"/>
-              </a:rPr>
-              <a:t>If sales exceed ρ, </a:t>
-            </a:r>
-            <a:r>
-              <a:rPr lang="en-US" err="1">
-                <a:solidFill>
-                  <a:srgbClr val="000000"/>
-                </a:solidFill>
-                <a:ea typeface="+mn-lt"/>
-                <a:cs typeface="+mn-lt"/>
-              </a:rPr>
-              <a:t>λ</a:t>
-            </a:r>
-            <a:r>
-              <a:rPr lang="en-US" baseline="-25000" err="1">
-                <a:solidFill>
-                  <a:srgbClr val="000000"/>
-                </a:solidFill>
-                <a:ea typeface="+mn-lt"/>
-                <a:cs typeface="+mn-lt"/>
-              </a:rPr>
-              <a:t>i</a:t>
-            </a:r>
-            <a:r>
-              <a:rPr lang="en-US">
-                <a:solidFill>
-                  <a:srgbClr val="000000"/>
-                </a:solidFill>
-                <a:ea typeface="+mn-lt"/>
-                <a:cs typeface="+mn-lt"/>
-              </a:rPr>
-              <a:t> increases, </a:t>
-            </a:r>
-            <a:r>
-              <a:rPr lang="en-US" b="1">
-                <a:solidFill>
-                  <a:srgbClr val="000000"/>
-                </a:solidFill>
-                <a:ea typeface="+mn-lt"/>
-                <a:cs typeface="+mn-lt"/>
-              </a:rPr>
-              <a:t>discouraging </a:t>
-            </a:r>
-            <a:r>
-              <a:rPr lang="en-US">
-                <a:solidFill>
-                  <a:srgbClr val="000000"/>
-                </a:solidFill>
-                <a:ea typeface="+mn-lt"/>
-                <a:cs typeface="+mn-lt"/>
-              </a:rPr>
-              <a:t>low prices; </a:t>
-            </a:r>
-          </a:p>
-          <a:p>
-            <a:pPr marL="742950" lvl="1" indent="-285750">
-              <a:buFont typeface="Courier New,monospace"/>
-              <a:buChar char="o"/>
-            </a:pPr>
-            <a:r>
-              <a:rPr lang="en-US">
-                <a:solidFill>
-                  <a:srgbClr val="000000"/>
-                </a:solidFill>
-                <a:ea typeface="+mn-lt"/>
-                <a:cs typeface="+mn-lt"/>
-              </a:rPr>
-              <a:t>If sales fall short, </a:t>
-            </a:r>
-            <a:r>
-              <a:rPr lang="en-US" err="1">
-                <a:solidFill>
-                  <a:srgbClr val="000000"/>
-                </a:solidFill>
-                <a:ea typeface="+mn-lt"/>
-                <a:cs typeface="+mn-lt"/>
-              </a:rPr>
-              <a:t>λ</a:t>
-            </a:r>
-            <a:r>
-              <a:rPr lang="en-US" baseline="-25000" err="1">
-                <a:solidFill>
-                  <a:srgbClr val="000000"/>
-                </a:solidFill>
-                <a:ea typeface="+mn-lt"/>
-                <a:cs typeface="+mn-lt"/>
-              </a:rPr>
-              <a:t>i</a:t>
-            </a:r>
-            <a:r>
-              <a:rPr lang="en-US">
-                <a:solidFill>
-                  <a:srgbClr val="000000"/>
-                </a:solidFill>
-                <a:ea typeface="+mn-lt"/>
-                <a:cs typeface="+mn-lt"/>
-              </a:rPr>
-              <a:t> decreases, </a:t>
-            </a:r>
-            <a:r>
-              <a:rPr lang="en-US" b="1">
-                <a:solidFill>
-                  <a:srgbClr val="000000"/>
-                </a:solidFill>
-                <a:ea typeface="+mn-lt"/>
-                <a:cs typeface="+mn-lt"/>
-              </a:rPr>
-              <a:t>encouraging </a:t>
-            </a:r>
-            <a:r>
-              <a:rPr lang="en-US">
-                <a:solidFill>
-                  <a:srgbClr val="000000"/>
-                </a:solidFill>
-                <a:ea typeface="+mn-lt"/>
-                <a:cs typeface="+mn-lt"/>
-              </a:rPr>
-              <a:t>lower prices.</a:t>
-            </a:r>
-            <a:r>
-              <a:rPr lang="it-IT" sz="2000">
-                <a:solidFill>
-                  <a:srgbClr val="404040"/>
-                </a:solidFill>
-                <a:ea typeface="+mn-lt"/>
-                <a:cs typeface="+mn-lt"/>
-              </a:rPr>
-              <a:t> </a:t>
+              <a:t>.</a:t>
             </a:r>
             <a:endParaRPr lang="en-US"/>
           </a:p>
@@ -33992,10 +34517,10 @@
       </p:sp>
       <p:sp>
         <p:nvSpPr>
-          <p:cNvPr id="19" name="CasellaDiTesto 18">
-            <a:extLst>
-              <a:ext uri="{FF2B5EF4-FFF2-40B4-BE49-F238E27FC236}">
-                <a16:creationId xmlns:a16="http://schemas.microsoft.com/office/drawing/2014/main" id="{D1686EF9-1406-D301-F3D9-BDF9C605848C}"/>
+          <p:cNvPr id="21" name="CasellaDiTesto 20">
+            <a:extLst>
+              <a:ext uri="{FF2B5EF4-FFF2-40B4-BE49-F238E27FC236}">
+                <a16:creationId xmlns:a16="http://schemas.microsoft.com/office/drawing/2014/main" id="{CBECF16C-4342-00E0-A070-1DE6B38F8D0C}"/>
               </a:ext>
             </a:extLst>
           </p:cNvPr>
@@ -34004,8 +34529,8 @@
         </p:nvSpPr>
         <p:spPr>
           <a:xfrm>
-            <a:off x="7641967" y="2520940"/>
-            <a:ext cx="3517417" cy="1200329"/>
+            <a:off x="7017550" y="2185387"/>
+            <a:ext cx="3517417" cy="646331"/>
           </a:xfrm>
           <a:prstGeom prst="rect">
             <a:avLst/>
@@ -34023,14 +34548,7 @@
                 <a:ea typeface="+mn-lt"/>
                 <a:cs typeface="+mn-lt"/>
               </a:rPr>
-              <a:t>EXP3 agent</a:t>
-            </a:r>
-            <a:r>
-              <a:rPr lang="en-US">
-                <a:ea typeface="+mn-lt"/>
-                <a:cs typeface="+mn-lt"/>
-              </a:rPr>
-              <a:t> used as regret minimizer for price selection, for each product.</a:t>
+              <a:t>Bandit Feedback:</a:t>
             </a:r>
             <a:endParaRPr lang="en-US"/>
           </a:p>
@@ -34045,10 +34563,10 @@
       </p:sp>
       <p:sp>
         <p:nvSpPr>
-          <p:cNvPr id="21" name="CasellaDiTesto 20">
-            <a:extLst>
-              <a:ext uri="{FF2B5EF4-FFF2-40B4-BE49-F238E27FC236}">
-                <a16:creationId xmlns:a16="http://schemas.microsoft.com/office/drawing/2014/main" id="{CBECF16C-4342-00E0-A070-1DE6B38F8D0C}"/>
+          <p:cNvPr id="33" name="CasellaDiTesto 32">
+            <a:extLst>
+              <a:ext uri="{FF2B5EF4-FFF2-40B4-BE49-F238E27FC236}">
+                <a16:creationId xmlns:a16="http://schemas.microsoft.com/office/drawing/2014/main" id="{E77B1DC1-78FD-CDBA-472B-3B5361D79B14}"/>
               </a:ext>
             </a:extLst>
           </p:cNvPr>
@@ -34057,8 +34575,8 @@
         </p:nvSpPr>
         <p:spPr>
           <a:xfrm>
-            <a:off x="7641967" y="2195970"/>
-            <a:ext cx="3517417" cy="646331"/>
+            <a:off x="1486323" y="4905163"/>
+            <a:ext cx="9854379" cy="1005403"/>
           </a:xfrm>
           <a:prstGeom prst="rect">
             <a:avLst/>
@@ -34071,12 +34589,400 @@
           </a:bodyPr>
           <a:lstStyle/>
           <a:p>
-            <a:r>
-              <a:rPr lang="en-US" b="1">
+            <a:pPr>
+              <a:spcBef>
+                <a:spcPts val="1000"/>
+              </a:spcBef>
+            </a:pPr>
+            <a:r>
+              <a:rPr lang="it-IT" sz="1700" b="1">
+                <a:solidFill>
+                  <a:srgbClr val="404040"/>
+                </a:solidFill>
+              </a:rPr>
+              <a:t>Baseline </a:t>
+            </a:r>
+            <a:r>
+              <a:rPr lang="it-IT" sz="1700" b="1" err="1">
+                <a:solidFill>
+                  <a:srgbClr val="404040"/>
+                </a:solidFill>
+              </a:rPr>
+              <a:t>Computation</a:t>
+            </a:r>
+            <a:endParaRPr lang="en-US" sz="1700" err="1"/>
+          </a:p>
+          <a:p>
+            <a:pPr>
+              <a:spcBef>
+                <a:spcPts val="1000"/>
+              </a:spcBef>
+            </a:pPr>
+            <a:r>
+              <a:rPr lang="it-IT" sz="1700">
+                <a:solidFill>
+                  <a:srgbClr val="404040"/>
+                </a:solidFill>
+                <a:latin typeface="Tenorite"/>
                 <a:ea typeface="+mn-lt"/>
                 <a:cs typeface="+mn-lt"/>
               </a:rPr>
-              <a:t>Bandit Feedback:</a:t>
+              <a:t>For </a:t>
+            </a:r>
+            <a:r>
+              <a:rPr lang="it-IT" sz="1700" err="1">
+                <a:solidFill>
+                  <a:srgbClr val="404040"/>
+                </a:solidFill>
+                <a:latin typeface="Tenorite"/>
+                <a:ea typeface="+mn-lt"/>
+                <a:cs typeface="+mn-lt"/>
+              </a:rPr>
+              <a:t>each</a:t>
+            </a:r>
+            <a:r>
+              <a:rPr lang="it-IT" sz="1700">
+                <a:solidFill>
+                  <a:srgbClr val="404040"/>
+                </a:solidFill>
+                <a:latin typeface="Tenorite"/>
+                <a:ea typeface="+mn-lt"/>
+                <a:cs typeface="+mn-lt"/>
+              </a:rPr>
+              <a:t> </a:t>
+            </a:r>
+            <a:r>
+              <a:rPr lang="it-IT" sz="1700">
+                <a:solidFill>
+                  <a:srgbClr val="404040"/>
+                </a:solidFill>
+                <a:ea typeface="+mn-lt"/>
+                <a:cs typeface="+mn-lt"/>
+              </a:rPr>
+              <a:t>product and price, compute </a:t>
+            </a:r>
+            <a:r>
+              <a:rPr lang="it-IT" sz="1700" err="1">
+                <a:solidFill>
+                  <a:srgbClr val="404040"/>
+                </a:solidFill>
+                <a:ea typeface="+mn-lt"/>
+                <a:cs typeface="+mn-lt"/>
+              </a:rPr>
+              <a:t>expected</a:t>
+            </a:r>
+            <a:r>
+              <a:rPr lang="it-IT" sz="1700">
+                <a:solidFill>
+                  <a:srgbClr val="404040"/>
+                </a:solidFill>
+                <a:ea typeface="+mn-lt"/>
+                <a:cs typeface="+mn-lt"/>
+              </a:rPr>
+              <a:t> utility and cost.</a:t>
+            </a:r>
+            <a:r>
+              <a:rPr lang="it-IT" sz="1700">
+                <a:solidFill>
+                  <a:srgbClr val="404040"/>
+                </a:solidFill>
+                <a:latin typeface="Tenorite"/>
+                <a:ea typeface="+mn-lt"/>
+                <a:cs typeface="+mn-lt"/>
+              </a:rPr>
+              <a:t> </a:t>
+            </a:r>
+            <a:r>
+              <a:rPr lang="it-IT" sz="1700" err="1">
+                <a:solidFill>
+                  <a:srgbClr val="404040"/>
+                </a:solidFill>
+                <a:ea typeface="+mn-lt"/>
+                <a:cs typeface="+mn-lt"/>
+              </a:rPr>
+              <a:t>Evaluate</a:t>
+            </a:r>
+            <a:r>
+              <a:rPr lang="it-IT" sz="1700">
+                <a:solidFill>
+                  <a:srgbClr val="404040"/>
+                </a:solidFill>
+                <a:ea typeface="+mn-lt"/>
+                <a:cs typeface="+mn-lt"/>
+              </a:rPr>
+              <a:t> </a:t>
+            </a:r>
+            <a:r>
+              <a:rPr lang="it-IT" sz="1700" b="1" err="1">
+                <a:solidFill>
+                  <a:srgbClr val="404040"/>
+                </a:solidFill>
+                <a:ea typeface="+mn-lt"/>
+                <a:cs typeface="+mn-lt"/>
+              </a:rPr>
+              <a:t>all</a:t>
+            </a:r>
+            <a:r>
+              <a:rPr lang="it-IT" sz="1700" b="1">
+                <a:solidFill>
+                  <a:srgbClr val="404040"/>
+                </a:solidFill>
+                <a:ea typeface="+mn-lt"/>
+                <a:cs typeface="+mn-lt"/>
+              </a:rPr>
+              <a:t> product–price </a:t>
+            </a:r>
+            <a:r>
+              <a:rPr lang="it-IT" sz="1700" b="1" err="1">
+                <a:solidFill>
+                  <a:srgbClr val="404040"/>
+                </a:solidFill>
+                <a:ea typeface="+mn-lt"/>
+                <a:cs typeface="+mn-lt"/>
+              </a:rPr>
+              <a:t>combinations</a:t>
+            </a:r>
+            <a:r>
+              <a:rPr lang="it-IT" sz="1700">
+                <a:solidFill>
+                  <a:srgbClr val="404040"/>
+                </a:solidFill>
+                <a:ea typeface="+mn-lt"/>
+                <a:cs typeface="+mn-lt"/>
+              </a:rPr>
+              <a:t> and </a:t>
+            </a:r>
+            <a:r>
+              <a:rPr lang="it-IT" sz="1700" err="1">
+                <a:solidFill>
+                  <a:srgbClr val="404040"/>
+                </a:solidFill>
+                <a:ea typeface="+mn-lt"/>
+                <a:cs typeface="+mn-lt"/>
+              </a:rPr>
+              <a:t>select</a:t>
+            </a:r>
+            <a:r>
+              <a:rPr lang="it-IT" sz="1700">
+                <a:solidFill>
+                  <a:srgbClr val="404040"/>
+                </a:solidFill>
+                <a:ea typeface="+mn-lt"/>
+                <a:cs typeface="+mn-lt"/>
+              </a:rPr>
+              <a:t> the one with the </a:t>
+            </a:r>
+            <a:r>
+              <a:rPr lang="it-IT" sz="1700" err="1">
+                <a:solidFill>
+                  <a:srgbClr val="404040"/>
+                </a:solidFill>
+                <a:ea typeface="+mn-lt"/>
+                <a:cs typeface="+mn-lt"/>
+              </a:rPr>
+              <a:t>highest</a:t>
+            </a:r>
+            <a:r>
+              <a:rPr lang="it-IT" sz="1700">
+                <a:solidFill>
+                  <a:srgbClr val="404040"/>
+                </a:solidFill>
+                <a:ea typeface="+mn-lt"/>
+                <a:cs typeface="+mn-lt"/>
+              </a:rPr>
+              <a:t> </a:t>
+            </a:r>
+            <a:r>
+              <a:rPr lang="it-IT" sz="1700" err="1">
+                <a:solidFill>
+                  <a:srgbClr val="404040"/>
+                </a:solidFill>
+                <a:ea typeface="+mn-lt"/>
+                <a:cs typeface="+mn-lt"/>
+              </a:rPr>
+              <a:t>expected</a:t>
+            </a:r>
+            <a:r>
+              <a:rPr lang="it-IT" sz="1700">
+                <a:solidFill>
+                  <a:srgbClr val="404040"/>
+                </a:solidFill>
+                <a:ea typeface="+mn-lt"/>
+                <a:cs typeface="+mn-lt"/>
+              </a:rPr>
+              <a:t> utility </a:t>
+            </a:r>
+            <a:r>
+              <a:rPr lang="it-IT" sz="1700" err="1">
+                <a:solidFill>
+                  <a:srgbClr val="404040"/>
+                </a:solidFill>
+                <a:ea typeface="+mn-lt"/>
+                <a:cs typeface="+mn-lt"/>
+              </a:rPr>
+              <a:t>subject</a:t>
+            </a:r>
+            <a:r>
+              <a:rPr lang="it-IT" sz="1700">
+                <a:solidFill>
+                  <a:srgbClr val="404040"/>
+                </a:solidFill>
+                <a:ea typeface="+mn-lt"/>
+                <a:cs typeface="+mn-lt"/>
+              </a:rPr>
+              <a:t> to ∑c ≤ ρ.</a:t>
+            </a:r>
+          </a:p>
+        </p:txBody>
+      </p:sp>
+      <p:sp>
+        <p:nvSpPr>
+          <p:cNvPr id="4" name="CasellaDiTesto 6">
+            <a:extLst>
+              <a:ext uri="{FF2B5EF4-FFF2-40B4-BE49-F238E27FC236}">
+                <a16:creationId xmlns:a16="http://schemas.microsoft.com/office/drawing/2014/main" id="{8F41AABB-ABE1-3A3D-A145-04DA0F827651}"/>
+              </a:ext>
+            </a:extLst>
+          </p:cNvPr>
+          <p:cNvSpPr txBox="1"/>
+          <p:nvPr/>
+        </p:nvSpPr>
+        <p:spPr>
+          <a:xfrm>
+            <a:off x="2030222" y="2033934"/>
+            <a:ext cx="4131872" cy="2339102"/>
+          </a:xfrm>
+          <a:prstGeom prst="rect">
+            <a:avLst/>
+          </a:prstGeom>
+          <a:noFill/>
+        </p:spPr>
+        <p:txBody>
+          <a:bodyPr wrap="square" lIns="91440" tIns="45720" rIns="91440" bIns="45720" rtlCol="0" anchor="t">
+            <a:spAutoFit/>
+          </a:bodyPr>
+          <a:lstStyle/>
+          <a:p>
+            <a:r>
+              <a:rPr lang="en-US"/>
+              <a:t>Using the pacing strategy with a </a:t>
+            </a:r>
+            <a:r>
+              <a:rPr lang="en-US" b="1" err="1"/>
+              <a:t>Lagrangian</a:t>
+            </a:r>
+            <a:r>
+              <a:rPr lang="en-US" b="1"/>
+              <a:t> multiplier</a:t>
+            </a:r>
+            <a:r>
+              <a:rPr lang="en-US" b="1">
+                <a:solidFill>
+                  <a:srgbClr val="000000"/>
+                </a:solidFill>
+                <a:ea typeface="+mn-lt"/>
+                <a:cs typeface="+mn-lt"/>
+              </a:rPr>
+              <a:t> λ</a:t>
+            </a:r>
+            <a:r>
+              <a:rPr lang="en-US">
+                <a:solidFill>
+                  <a:srgbClr val="000000"/>
+                </a:solidFill>
+                <a:ea typeface="+mn-lt"/>
+                <a:cs typeface="+mn-lt"/>
+              </a:rPr>
+              <a:t>.</a:t>
+            </a:r>
+            <a:endParaRPr lang="it-IT"/>
+          </a:p>
+          <a:p>
+            <a:endParaRPr lang="en-US">
+              <a:ea typeface="+mn-lt"/>
+              <a:cs typeface="+mn-lt"/>
+            </a:endParaRPr>
+          </a:p>
+          <a:p>
+            <a:pPr marL="742950" lvl="1" indent="-285750">
+              <a:buFont typeface="Wingdings" panose="05000000000000000000" pitchFamily="2" charset="2"/>
+              <a:buChar char="§"/>
+            </a:pPr>
+            <a:r>
+              <a:rPr lang="en-US">
+                <a:solidFill>
+                  <a:srgbClr val="000000"/>
+                </a:solidFill>
+                <a:ea typeface="+mn-lt"/>
+                <a:cs typeface="+mn-lt"/>
+              </a:rPr>
+              <a:t>If sales exceed ρ, λ increases, </a:t>
+            </a:r>
+            <a:r>
+              <a:rPr lang="en-US" b="1">
+                <a:solidFill>
+                  <a:srgbClr val="000000"/>
+                </a:solidFill>
+                <a:ea typeface="+mn-lt"/>
+                <a:cs typeface="+mn-lt"/>
+              </a:rPr>
+              <a:t>lowering</a:t>
+            </a:r>
+            <a:r>
+              <a:rPr lang="en-US">
+                <a:solidFill>
+                  <a:srgbClr val="000000"/>
+                </a:solidFill>
+                <a:ea typeface="+mn-lt"/>
+                <a:cs typeface="+mn-lt"/>
+              </a:rPr>
+              <a:t> the next price; </a:t>
+            </a:r>
+          </a:p>
+          <a:p>
+            <a:pPr marL="742950" lvl="1" indent="-285750">
+              <a:buFont typeface="Wingdings" panose="05000000000000000000" pitchFamily="2" charset="2"/>
+              <a:buChar char="§"/>
+            </a:pPr>
+            <a:r>
+              <a:rPr lang="en-US">
+                <a:solidFill>
+                  <a:srgbClr val="000000"/>
+                </a:solidFill>
+                <a:ea typeface="+mn-lt"/>
+                <a:cs typeface="+mn-lt"/>
+              </a:rPr>
+              <a:t>If sales fall short, λ decreases, </a:t>
+            </a:r>
+            <a:r>
+              <a:rPr lang="en-US" b="1">
+                <a:solidFill>
+                  <a:srgbClr val="000000"/>
+                </a:solidFill>
+                <a:ea typeface="+mn-lt"/>
+                <a:cs typeface="+mn-lt"/>
+              </a:rPr>
+              <a:t>increasing </a:t>
+            </a:r>
+            <a:r>
+              <a:rPr lang="en-US">
+                <a:solidFill>
+                  <a:srgbClr val="000000"/>
+                </a:solidFill>
+                <a:ea typeface="+mn-lt"/>
+                <a:cs typeface="+mn-lt"/>
+              </a:rPr>
+              <a:t>the next price.</a:t>
+            </a:r>
+            <a:r>
+              <a:rPr lang="it-IT" sz="2000">
+                <a:solidFill>
+                  <a:srgbClr val="404040"/>
+                </a:solidFill>
+                <a:ea typeface="+mn-lt"/>
+                <a:cs typeface="+mn-lt"/>
+              </a:rPr>
+              <a:t> </a:t>
             </a:r>
             <a:endParaRPr lang="en-US"/>
           </a:p>
@@ -34091,275 +34997,55 @@
       </p:sp>
       <p:sp>
         <p:nvSpPr>
-          <p:cNvPr id="33" name="CasellaDiTesto 32">
-            <a:extLst>
-              <a:ext uri="{FF2B5EF4-FFF2-40B4-BE49-F238E27FC236}">
-                <a16:creationId xmlns:a16="http://schemas.microsoft.com/office/drawing/2014/main" id="{E77B1DC1-78FD-CDBA-472B-3B5361D79B14}"/>
-              </a:ext>
-            </a:extLst>
-          </p:cNvPr>
-          <p:cNvSpPr txBox="1"/>
+          <p:cNvPr id="6" name="Rettangolo 14">
+            <a:extLst>
+              <a:ext uri="{FF2B5EF4-FFF2-40B4-BE49-F238E27FC236}">
+                <a16:creationId xmlns:a16="http://schemas.microsoft.com/office/drawing/2014/main" id="{55A754D7-151B-BD47-A48E-E348DB9F51FA}"/>
+              </a:ext>
+            </a:extLst>
+          </p:cNvPr>
+          <p:cNvSpPr/>
           <p:nvPr/>
         </p:nvSpPr>
         <p:spPr>
           <a:xfrm>
-            <a:off x="1412240" y="5212080"/>
-            <a:ext cx="9854379" cy="1005403"/>
+            <a:off x="7022827" y="1928723"/>
+            <a:ext cx="3338704" cy="1578610"/>
           </a:xfrm>
           <a:prstGeom prst="rect">
             <a:avLst/>
           </a:prstGeom>
           <a:noFill/>
-        </p:spPr>
-        <p:txBody>
-          <a:bodyPr wrap="square" lIns="91440" tIns="45720" rIns="91440" bIns="45720" rtlCol="0" anchor="t">
-            <a:spAutoFit/>
-          </a:bodyPr>
+          <a:ln>
+            <a:solidFill>
+              <a:schemeClr val="accent1">
+                <a:lumMod val="75000"/>
+              </a:schemeClr>
+            </a:solidFill>
+          </a:ln>
+        </p:spPr>
+        <p:style>
+          <a:lnRef idx="2">
+            <a:schemeClr val="accent1">
+              <a:shade val="15000"/>
+            </a:schemeClr>
+          </a:lnRef>
+          <a:fillRef idx="1">
+            <a:schemeClr val="accent1"/>
+          </a:fillRef>
+          <a:effectRef idx="0">
+            <a:schemeClr val="accent1"/>
+          </a:effectRef>
+          <a:fontRef idx="minor">
+            <a:schemeClr val="lt1"/>
+          </a:fontRef>
+        </p:style>
+        <p:txBody>
+          <a:bodyPr rtlCol="0" anchor="ctr"/>
           <a:lstStyle/>
           <a:p>
-            <a:pPr>
-              <a:spcBef>
-                <a:spcPts val="1000"/>
-              </a:spcBef>
-            </a:pPr>
-            <a:r>
-              <a:rPr lang="it-IT" sz="1700" b="1">
-                <a:solidFill>
-                  <a:srgbClr val="404040"/>
-                </a:solidFill>
-              </a:rPr>
-              <a:t>Baseline </a:t>
-            </a:r>
-            <a:r>
-              <a:rPr lang="it-IT" sz="1700" b="1" err="1">
-                <a:solidFill>
-                  <a:srgbClr val="404040"/>
-                </a:solidFill>
-              </a:rPr>
-              <a:t>Computation</a:t>
-            </a:r>
-            <a:endParaRPr lang="en-US" sz="1700" err="1"/>
-          </a:p>
-          <a:p>
-            <a:pPr>
-              <a:spcBef>
-                <a:spcPts val="1000"/>
-              </a:spcBef>
-            </a:pPr>
-            <a:r>
-              <a:rPr lang="it-IT" sz="1700">
-                <a:solidFill>
-                  <a:srgbClr val="404040"/>
-                </a:solidFill>
-                <a:latin typeface="Tenorite"/>
-                <a:ea typeface="+mn-lt"/>
-                <a:cs typeface="+mn-lt"/>
-              </a:rPr>
-              <a:t>For </a:t>
-            </a:r>
-            <a:r>
-              <a:rPr lang="it-IT" sz="1700" err="1">
-                <a:solidFill>
-                  <a:srgbClr val="404040"/>
-                </a:solidFill>
-                <a:latin typeface="Tenorite"/>
-                <a:ea typeface="+mn-lt"/>
-                <a:cs typeface="+mn-lt"/>
-              </a:rPr>
-              <a:t>each</a:t>
-            </a:r>
-            <a:r>
-              <a:rPr lang="it-IT" sz="1700">
-                <a:solidFill>
-                  <a:srgbClr val="404040"/>
-                </a:solidFill>
-                <a:latin typeface="Tenorite"/>
-                <a:ea typeface="+mn-lt"/>
-                <a:cs typeface="+mn-lt"/>
-              </a:rPr>
-              <a:t> </a:t>
-            </a:r>
-            <a:r>
-              <a:rPr lang="it-IT" sz="1700">
-                <a:solidFill>
-                  <a:srgbClr val="404040"/>
-                </a:solidFill>
-                <a:ea typeface="+mn-lt"/>
-                <a:cs typeface="+mn-lt"/>
-              </a:rPr>
-              <a:t>product and price, compute </a:t>
-            </a:r>
-            <a:r>
-              <a:rPr lang="it-IT" sz="1700" err="1">
-                <a:solidFill>
-                  <a:srgbClr val="404040"/>
-                </a:solidFill>
-                <a:ea typeface="+mn-lt"/>
-                <a:cs typeface="+mn-lt"/>
-              </a:rPr>
-              <a:t>expected</a:t>
-            </a:r>
-            <a:r>
-              <a:rPr lang="it-IT" sz="1700">
-                <a:solidFill>
-                  <a:srgbClr val="404040"/>
-                </a:solidFill>
-                <a:ea typeface="+mn-lt"/>
-                <a:cs typeface="+mn-lt"/>
-              </a:rPr>
-              <a:t> utility and cost.</a:t>
-            </a:r>
-            <a:r>
-              <a:rPr lang="it-IT" sz="1700">
-                <a:solidFill>
-                  <a:srgbClr val="404040"/>
-                </a:solidFill>
-                <a:latin typeface="Tenorite"/>
-                <a:ea typeface="+mn-lt"/>
-                <a:cs typeface="+mn-lt"/>
-              </a:rPr>
-              <a:t> </a:t>
-            </a:r>
-            <a:r>
-              <a:rPr lang="it-IT" sz="1700" err="1">
-                <a:solidFill>
-                  <a:srgbClr val="404040"/>
-                </a:solidFill>
-                <a:ea typeface="+mn-lt"/>
-                <a:cs typeface="+mn-lt"/>
-              </a:rPr>
-              <a:t>Evaluate</a:t>
-            </a:r>
-            <a:r>
-              <a:rPr lang="it-IT" sz="1700">
-                <a:solidFill>
-                  <a:srgbClr val="404040"/>
-                </a:solidFill>
-                <a:ea typeface="+mn-lt"/>
-                <a:cs typeface="+mn-lt"/>
-              </a:rPr>
-              <a:t> </a:t>
-            </a:r>
-            <a:r>
-              <a:rPr lang="it-IT" sz="1700" err="1">
-                <a:solidFill>
-                  <a:srgbClr val="404040"/>
-                </a:solidFill>
-                <a:ea typeface="+mn-lt"/>
-                <a:cs typeface="+mn-lt"/>
-              </a:rPr>
-              <a:t>all</a:t>
-            </a:r>
-            <a:r>
-              <a:rPr lang="it-IT" sz="1700">
-                <a:solidFill>
-                  <a:srgbClr val="404040"/>
-                </a:solidFill>
-                <a:ea typeface="+mn-lt"/>
-                <a:cs typeface="+mn-lt"/>
-              </a:rPr>
-              <a:t> product–price </a:t>
-            </a:r>
-            <a:r>
-              <a:rPr lang="it-IT" sz="1700" err="1">
-                <a:solidFill>
-                  <a:srgbClr val="404040"/>
-                </a:solidFill>
-                <a:ea typeface="+mn-lt"/>
-                <a:cs typeface="+mn-lt"/>
-              </a:rPr>
-              <a:t>combinations</a:t>
-            </a:r>
-            <a:r>
-              <a:rPr lang="it-IT" sz="1700">
-                <a:solidFill>
-                  <a:srgbClr val="404040"/>
-                </a:solidFill>
-                <a:ea typeface="+mn-lt"/>
-                <a:cs typeface="+mn-lt"/>
-              </a:rPr>
-              <a:t> and </a:t>
-            </a:r>
-            <a:r>
-              <a:rPr lang="it-IT" sz="1700" err="1">
-                <a:solidFill>
-                  <a:srgbClr val="404040"/>
-                </a:solidFill>
-                <a:ea typeface="+mn-lt"/>
-                <a:cs typeface="+mn-lt"/>
-              </a:rPr>
-              <a:t>select</a:t>
-            </a:r>
-            <a:r>
-              <a:rPr lang="it-IT" sz="1700">
-                <a:solidFill>
-                  <a:srgbClr val="404040"/>
-                </a:solidFill>
-                <a:ea typeface="+mn-lt"/>
-                <a:cs typeface="+mn-lt"/>
-              </a:rPr>
-              <a:t> the one with the </a:t>
-            </a:r>
-            <a:r>
-              <a:rPr lang="it-IT" sz="1700" err="1">
-                <a:solidFill>
-                  <a:srgbClr val="404040"/>
-                </a:solidFill>
-                <a:ea typeface="+mn-lt"/>
-                <a:cs typeface="+mn-lt"/>
-              </a:rPr>
-              <a:t>highest</a:t>
-            </a:r>
-            <a:r>
-              <a:rPr lang="it-IT" sz="1700">
-                <a:solidFill>
-                  <a:srgbClr val="404040"/>
-                </a:solidFill>
-                <a:ea typeface="+mn-lt"/>
-                <a:cs typeface="+mn-lt"/>
-              </a:rPr>
-              <a:t> </a:t>
-            </a:r>
-            <a:r>
-              <a:rPr lang="it-IT" sz="1700" err="1">
-                <a:solidFill>
-                  <a:srgbClr val="404040"/>
-                </a:solidFill>
-                <a:ea typeface="+mn-lt"/>
-                <a:cs typeface="+mn-lt"/>
-              </a:rPr>
-              <a:t>expected</a:t>
-            </a:r>
-            <a:r>
-              <a:rPr lang="it-IT" sz="1700">
-                <a:solidFill>
-                  <a:srgbClr val="404040"/>
-                </a:solidFill>
-                <a:ea typeface="+mn-lt"/>
-                <a:cs typeface="+mn-lt"/>
-              </a:rPr>
-              <a:t> utility </a:t>
-            </a:r>
-            <a:r>
-              <a:rPr lang="it-IT" sz="1700" err="1">
-                <a:solidFill>
-                  <a:srgbClr val="404040"/>
-                </a:solidFill>
-                <a:ea typeface="+mn-lt"/>
-                <a:cs typeface="+mn-lt"/>
-              </a:rPr>
-              <a:t>subject</a:t>
-            </a:r>
-            <a:r>
-              <a:rPr lang="it-IT" sz="1700">
-                <a:solidFill>
-                  <a:srgbClr val="404040"/>
-                </a:solidFill>
-                <a:ea typeface="+mn-lt"/>
-                <a:cs typeface="+mn-lt"/>
-              </a:rPr>
-              <a:t> to ∑c ≤ ρ.</a:t>
-            </a:r>
+            <a:pPr algn="ctr"/>
+            <a:endParaRPr lang="it-IT"/>
           </a:p>
         </p:txBody>
       </p:sp>
@@ -34425,11 +35111,17 @@
           <a:bodyPr rtlCol="0"/>
           <a:lstStyle/>
           <a:p>
+            <a:endParaRPr lang="it-IT"/>
+          </a:p>
+          <a:p>
+            <a:r>
+              <a:rPr lang="it-IT"/>
+              <a:t>Online Learning Application Project 2025</a:t>
+            </a:r>
+          </a:p>
+          <a:p>
             <a:pPr rtl="0"/>
-            <a:r>
-              <a:rPr lang="it-IT"/>
-              <a:t>20XX</a:t>
-            </a:r>
+            <a:endParaRPr lang="it-IT"/>
           </a:p>
         </p:txBody>
       </p:sp>
@@ -34459,11 +35151,11 @@
           <a:bodyPr rtlCol="0"/>
           <a:lstStyle/>
           <a:p>
-            <a:pPr rtl="0"/>
             <a:r>
               <a:rPr lang="it-IT"/>
-              <a:t>Presentazione</a:t>
-            </a:r>
+              <a:t>Presentation</a:t>
+            </a:r>
+            <a:endParaRPr lang="en-US"/>
           </a:p>
         </p:txBody>
       </p:sp>
@@ -34590,8 +35282,8 @@
         </p:nvSpPr>
         <p:spPr>
           <a:xfrm>
-            <a:off x="1999750" y="2539688"/>
-            <a:ext cx="8643091" cy="2862322"/>
+            <a:off x="2010333" y="2539688"/>
+            <a:ext cx="7838758" cy="2862322"/>
           </a:xfrm>
           <a:prstGeom prst="rect">
             <a:avLst/>
@@ -34663,10 +35355,6 @@
               <a:t>horizon</a:t>
             </a:r>
             <a:r>
-              <a:rPr lang="it-IT" sz="2000" b="1"/>
-              <a:t>:</a:t>
-            </a:r>
-            <a:r>
               <a:rPr lang="it-IT" sz="2000"/>
               <a:t> T = 50000</a:t>
             </a:r>
@@ -34678,7 +35366,7 @@
             </a:pPr>
             <a:r>
               <a:rPr lang="it-IT" sz="2000" b="1"/>
-              <a:t>Budget:</a:t>
+              <a:t>Budget</a:t>
             </a:r>
             <a:r>
               <a:rPr lang="it-IT" sz="2000"/>
@@ -34850,11 +35538,17 @@
           <a:bodyPr rtlCol="0"/>
           <a:lstStyle/>
           <a:p>
+            <a:endParaRPr lang="it-IT"/>
+          </a:p>
+          <a:p>
+            <a:r>
+              <a:rPr lang="it-IT"/>
+              <a:t>Online Learning Application Project 2025</a:t>
+            </a:r>
+          </a:p>
+          <a:p>
             <a:pPr rtl="0"/>
-            <a:r>
-              <a:rPr lang="it-IT"/>
-              <a:t>20XX</a:t>
-            </a:r>
+            <a:endParaRPr lang="it-IT"/>
           </a:p>
         </p:txBody>
       </p:sp>
@@ -34884,11 +35578,11 @@
           <a:bodyPr rtlCol="0"/>
           <a:lstStyle/>
           <a:p>
-            <a:pPr rtl="0"/>
             <a:r>
               <a:rPr lang="it-IT"/>
-              <a:t>Presentazione</a:t>
-            </a:r>
+              <a:t>Presentation</a:t>
+            </a:r>
+            <a:endParaRPr lang="en-US"/>
           </a:p>
         </p:txBody>
       </p:sp>
@@ -35384,27 +36078,58 @@
           </a:bodyPr>
           <a:lstStyle/>
           <a:p>
-            <a:pPr marL="285750" indent="-285750" rtl="0">
+            <a:pPr marL="285750" indent="-285750">
+              <a:buClr>
+                <a:schemeClr val="tx1"/>
+              </a:buClr>
               <a:buFont typeface="Wingdings" panose="05000000000000000000" pitchFamily="2" charset="2"/>
               <a:buChar char="§"/>
             </a:pPr>
             <a:r>
-              <a:rPr lang="it-IT" sz="2000"/>
-              <a:t>Non-</a:t>
-            </a:r>
-            <a:r>
-              <a:rPr lang="it-IT" sz="2000" err="1"/>
+              <a:rPr lang="it-IT" sz="2000" err="1">
+                <a:solidFill>
+                  <a:srgbClr val="FF0000"/>
+                </a:solidFill>
+              </a:rPr>
+              <a:t>Slightly</a:t>
+            </a:r>
+            <a:r>
+              <a:rPr lang="it-IT" sz="2000">
+                <a:solidFill>
+                  <a:srgbClr val="FF0000"/>
+                </a:solidFill>
+              </a:rPr>
+              <a:t> Non-</a:t>
+            </a:r>
+            <a:r>
+              <a:rPr lang="it-IT" sz="2000" err="1">
+                <a:solidFill>
+                  <a:srgbClr val="FF0000"/>
+                </a:solidFill>
+              </a:rPr>
               <a:t>stationary</a:t>
             </a:r>
             <a:r>
-              <a:rPr lang="it-IT" sz="2000"/>
+              <a:rPr lang="it-IT" sz="2000">
+                <a:solidFill>
+                  <a:srgbClr val="404040"/>
+                </a:solidFill>
+              </a:rPr>
               <a:t> </a:t>
             </a:r>
             <a:r>
-              <a:rPr lang="it-IT" sz="2000" err="1"/>
+              <a:rPr lang="it-IT" sz="2000" err="1">
+                <a:solidFill>
+                  <a:srgbClr val="404040"/>
+                </a:solidFill>
+              </a:rPr>
               <a:t>behavior</a:t>
             </a:r>
-            <a:endParaRPr lang="it-IT" sz="2000"/>
+            <a:endParaRPr lang="it-IT" sz="2000">
+              <a:solidFill>
+                <a:srgbClr val="404040"/>
+              </a:solidFill>
+            </a:endParaRPr>
           </a:p>
           <a:p>
             <a:pPr marL="285750" indent="-285750">
@@ -35510,11 +36235,17 @@
           <a:bodyPr rtlCol="0"/>
           <a:lstStyle/>
           <a:p>
+            <a:endParaRPr lang="it-IT"/>
+          </a:p>
+          <a:p>
+            <a:r>
+              <a:rPr lang="it-IT"/>
+              <a:t>Online Learning Application Project 2025</a:t>
+            </a:r>
+          </a:p>
+          <a:p>
             <a:pPr rtl="0"/>
-            <a:r>
-              <a:rPr lang="it-IT"/>
-              <a:t>20XX</a:t>
-            </a:r>
+            <a:endParaRPr lang="it-IT"/>
           </a:p>
         </p:txBody>
       </p:sp>
@@ -35544,11 +36275,11 @@
           <a:bodyPr rtlCol="0"/>
           <a:lstStyle/>
           <a:p>
-            <a:pPr rtl="0"/>
             <a:r>
               <a:rPr lang="it-IT"/>
-              <a:t>Presentazione</a:t>
-            </a:r>
+              <a:t>Presentation</a:t>
+            </a:r>
+            <a:endParaRPr lang="en-US"/>
           </a:p>
         </p:txBody>
       </p:sp>
@@ -35729,11 +36460,17 @@
           <a:bodyPr rtlCol="0"/>
           <a:lstStyle/>
           <a:p>
+            <a:endParaRPr lang="it-IT"/>
+          </a:p>
+          <a:p>
+            <a:r>
+              <a:rPr lang="it-IT"/>
+              <a:t>Online Learning Application Project 2025</a:t>
+            </a:r>
+          </a:p>
+          <a:p>
             <a:pPr rtl="0"/>
-            <a:r>
-              <a:rPr lang="it-IT"/>
-              <a:t>20XX</a:t>
-            </a:r>
+            <a:endParaRPr lang="it-IT"/>
           </a:p>
         </p:txBody>
       </p:sp>
@@ -35763,11 +36500,11 @@
           <a:bodyPr rtlCol="0"/>
           <a:lstStyle/>
           <a:p>
-            <a:pPr rtl="0"/>
             <a:r>
               <a:rPr lang="it-IT"/>
-              <a:t>Presentazione</a:t>
-            </a:r>
+              <a:t>Presentation</a:t>
+            </a:r>
+            <a:endParaRPr lang="en-US"/>
           </a:p>
         </p:txBody>
       </p:sp>
@@ -35861,7 +36598,7 @@
         <p:spPr>
           <a:xfrm>
             <a:off x="4326086" y="1987823"/>
-            <a:ext cx="3539828" cy="1785104"/>
+            <a:ext cx="4291244" cy="1508105"/>
           </a:xfrm>
           <a:prstGeom prst="rect">
             <a:avLst/>
@@ -35971,7 +36708,7 @@
               <a:t>Compute the </a:t>
             </a:r>
             <a:r>
-              <a:rPr lang="it-IT" sz="1700" err="1">
+              <a:rPr lang="it-IT" sz="1700" b="1" err="1">
                 <a:solidFill>
                   <a:srgbClr val="404040"/>
                 </a:solidFill>
@@ -35981,14 +36718,24 @@
               <a:t>expected</a:t>
             </a:r>
             <a:r>
-              <a:rPr lang="it-IT" sz="1700">
+              <a:rPr lang="it-IT" sz="1700" b="1">
                 <a:solidFill>
                   <a:srgbClr val="404040"/>
                 </a:solidFill>
                 <a:ea typeface="+mn-lt"/>
                 <a:cs typeface="+mn-lt"/>
               </a:rPr>
-              <a:t> utility for the </a:t>
+              <a:t> utility</a:t>
+            </a:r>
+            <a:r>
+              <a:rPr lang="it-IT" sz="1700">
+                <a:solidFill>
+                  <a:srgbClr val="404040"/>
+                </a:solidFill>
+                <a:ea typeface="+mn-lt"/>
+                <a:cs typeface="+mn-lt"/>
+              </a:rPr>
+              <a:t> for the </a:t>
             </a:r>
             <a:r>
               <a:rPr lang="it-IT" sz="1700" err="1">
@@ -36031,7 +36778,7 @@
               <a:t>. Take the </a:t>
             </a:r>
             <a:r>
-              <a:rPr lang="it-IT" sz="1700" err="1">
+              <a:rPr lang="it-IT" sz="1700" b="1" err="1">
                 <a:solidFill>
                   <a:srgbClr val="404040"/>
                 </a:solidFill>
@@ -36041,14 +36788,24 @@
               <a:t>average</a:t>
             </a:r>
             <a:r>
-              <a:rPr lang="it-IT" sz="1700">
+              <a:rPr lang="it-IT" sz="1700" b="1">
                 <a:solidFill>
                   <a:srgbClr val="404040"/>
                 </a:solidFill>
                 <a:ea typeface="+mn-lt"/>
                 <a:cs typeface="+mn-lt"/>
               </a:rPr>
-              <a:t> of the </a:t>
+              <a:t> </a:t>
+            </a:r>
+            <a:r>
+              <a:rPr lang="it-IT" sz="1700">
+                <a:solidFill>
+                  <a:srgbClr val="404040"/>
+                </a:solidFill>
+                <a:ea typeface="+mn-lt"/>
+                <a:cs typeface="+mn-lt"/>
+              </a:rPr>
+              <a:t>of the </a:t>
             </a:r>
             <a:r>
               <a:rPr lang="it-IT" sz="1700" err="1">
@@ -36178,7 +36935,7 @@
               </a:rPr>
               <a:t>Baseline a Posteriori</a:t>
             </a:r>
-            <a:endParaRPr lang="en-US" sz="1700" err="1"/>
+            <a:endParaRPr lang="en-US" sz="1700"/>
           </a:p>
           <a:p>
             <a:pPr>
@@ -36197,7 +36954,7 @@
               <a:t>At </a:t>
             </a:r>
             <a:r>
-              <a:rPr lang="it-IT" sz="1700" err="1">
+              <a:rPr lang="it-IT" sz="1700" b="1" err="1">
                 <a:solidFill>
                   <a:srgbClr val="404040"/>
                 </a:solidFill>
@@ -36207,17 +36964,37 @@
               <a:t>each</a:t>
             </a:r>
             <a:r>
-              <a:rPr lang="it-IT" sz="1700">
+              <a:rPr lang="it-IT" sz="1700" b="1">
                 <a:solidFill>
                   <a:srgbClr val="404040"/>
                 </a:solidFill>
                 <a:ea typeface="+mn-lt"/>
                 <a:cs typeface="+mn-lt"/>
               </a:rPr>
-              <a:t> round t, compute the </a:t>
-            </a:r>
-            <a:r>
-              <a:rPr lang="it-IT" sz="1700" err="1">
+              <a:t> round t</a:t>
+            </a:r>
+            <a:r>
+              <a:rPr lang="it-IT" sz="1700">
+                <a:solidFill>
+                  <a:srgbClr val="404040"/>
+                </a:solidFill>
+                <a:ea typeface="+mn-lt"/>
+                <a:cs typeface="+mn-lt"/>
+              </a:rPr>
+              <a:t>, </a:t>
+            </a:r>
+            <a:r>
+              <a:rPr lang="it-IT" sz="1700" b="1">
+                <a:solidFill>
+                  <a:srgbClr val="404040"/>
+                </a:solidFill>
+                <a:ea typeface="+mn-lt"/>
+                <a:cs typeface="+mn-lt"/>
+              </a:rPr>
+              <a:t>compute the </a:t>
+            </a:r>
+            <a:r>
+              <a:rPr lang="it-IT" sz="1700" b="1" err="1">
                 <a:solidFill>
                   <a:srgbClr val="404040"/>
                 </a:solidFill>
@@ -36227,7 +37004,7 @@
               <a:t>optimal</a:t>
             </a:r>
             <a:r>
-              <a:rPr lang="it-IT" sz="1700">
+              <a:rPr lang="it-IT" sz="1700" b="1">
                 <a:solidFill>
                   <a:srgbClr val="404040"/>
                 </a:solidFill>
@@ -36237,7 +37014,7 @@
               <a:t> </a:t>
             </a:r>
             <a:r>
-              <a:rPr lang="it-IT" sz="1700" err="1">
+              <a:rPr lang="it-IT" sz="1700" b="1" err="1">
                 <a:solidFill>
                   <a:srgbClr val="404040"/>
                 </a:solidFill>
@@ -36247,14 +37024,24 @@
               <a:t>expected</a:t>
             </a:r>
             <a:r>
-              <a:rPr lang="it-IT" sz="1700">
+              <a:rPr lang="it-IT" sz="1700" b="1">
                 <a:solidFill>
                   <a:srgbClr val="404040"/>
                 </a:solidFill>
                 <a:ea typeface="+mn-lt"/>
                 <a:cs typeface="+mn-lt"/>
               </a:rPr>
-              <a:t> utility </a:t>
+              <a:t> utility</a:t>
+            </a:r>
+            <a:r>
+              <a:rPr lang="it-IT" sz="1700">
+                <a:solidFill>
+                  <a:srgbClr val="404040"/>
+                </a:solidFill>
+                <a:ea typeface="+mn-lt"/>
+                <a:cs typeface="+mn-lt"/>
+              </a:rPr>
+              <a:t> </a:t>
             </a:r>
             <a:r>
               <a:rPr lang="it-IT" sz="1700" err="1">
@@ -36314,10 +37101,20 @@
                 <a:ea typeface="+mn-lt"/>
                 <a:cs typeface="+mn-lt"/>
               </a:rPr>
-              <a:t> (</a:t>
-            </a:r>
-            <a:r>
-              <a:rPr lang="it-IT" sz="1700" err="1">
+              <a:t> </a:t>
+            </a:r>
+            <a:r>
+              <a:rPr lang="it-IT" sz="1700" b="1">
+                <a:solidFill>
+                  <a:srgbClr val="404040"/>
+                </a:solidFill>
+                <a:ea typeface="+mn-lt"/>
+                <a:cs typeface="+mn-lt"/>
+              </a:rPr>
+              <a:t>(</a:t>
+            </a:r>
+            <a:r>
+              <a:rPr lang="it-IT" sz="1700" b="1" err="1">
                 <a:solidFill>
                   <a:srgbClr val="404040"/>
                 </a:solidFill>
@@ -36327,15 +37124,79 @@
               <a:t>μt,σ</a:t>
             </a:r>
             <a:r>
-              <a:rPr lang="it-IT" sz="1700">
+              <a:rPr lang="it-IT" sz="1700" b="1">
                 <a:solidFill>
                   <a:srgbClr val="404040"/>
                 </a:solidFill>
                 <a:ea typeface="+mn-lt"/>
                 <a:cs typeface="+mn-lt"/>
               </a:rPr>
-              <a:t>).</a:t>
-            </a:r>
+              <a:t>)</a:t>
+            </a:r>
+            <a:r>
+              <a:rPr lang="it-IT" sz="1700">
+                <a:solidFill>
+                  <a:srgbClr val="404040"/>
+                </a:solidFill>
+                <a:ea typeface="+mn-lt"/>
+                <a:cs typeface="+mn-lt"/>
+              </a:rPr>
+              <a:t>.</a:t>
+            </a:r>
+          </a:p>
+        </p:txBody>
+      </p:sp>
+      <p:sp>
+        <p:nvSpPr>
+          <p:cNvPr id="5" name="Rettangolo 13">
+            <a:extLst>
+              <a:ext uri="{FF2B5EF4-FFF2-40B4-BE49-F238E27FC236}">
+                <a16:creationId xmlns:a16="http://schemas.microsoft.com/office/drawing/2014/main" id="{0BF541E9-BDD9-CA7E-A2D9-01237D2783E1}"/>
+              </a:ext>
+            </a:extLst>
+          </p:cNvPr>
+          <p:cNvSpPr/>
+          <p:nvPr/>
+        </p:nvSpPr>
+        <p:spPr>
+          <a:xfrm>
+            <a:off x="4295225" y="1922019"/>
+            <a:ext cx="4280620" cy="1335193"/>
+          </a:xfrm>
+          <a:prstGeom prst="rect">
+            <a:avLst/>
+          </a:prstGeom>
+          <a:noFill/>
+          <a:ln>
+            <a:solidFill>
+              <a:schemeClr val="accent1">
+                <a:lumMod val="75000"/>
+              </a:schemeClr>
+            </a:solidFill>
+          </a:ln>
+        </p:spPr>
+        <p:style>
+          <a:lnRef idx="2">
+            <a:schemeClr val="accent1">
+              <a:shade val="15000"/>
+            </a:schemeClr>
+          </a:lnRef>
+          <a:fillRef idx="1">
+            <a:schemeClr val="accent1"/>
+          </a:fillRef>
+          <a:effectRef idx="0">
+            <a:schemeClr val="accent1"/>
+          </a:effectRef>
+          <a:fontRef idx="minor">
+            <a:schemeClr val="lt1"/>
+          </a:fontRef>
+        </p:style>
+        <p:txBody>
+          <a:bodyPr rtlCol="0" anchor="ctr"/>
+          <a:lstStyle/>
+          <a:p>
+            <a:pPr algn="ctr"/>
+            <a:endParaRPr lang="it-IT"/>
           </a:p>
         </p:txBody>
       </p:sp>
@@ -36401,11 +37262,17 @@
           <a:bodyPr rtlCol="0"/>
           <a:lstStyle/>
           <a:p>
+            <a:endParaRPr lang="it-IT"/>
+          </a:p>
+          <a:p>
+            <a:r>
+              <a:rPr lang="it-IT"/>
+              <a:t>Online Learning Application Project 2025</a:t>
+            </a:r>
+          </a:p>
+          <a:p>
             <a:pPr rtl="0"/>
-            <a:r>
-              <a:rPr lang="it-IT"/>
-              <a:t>20XX</a:t>
-            </a:r>
+            <a:endParaRPr lang="it-IT"/>
           </a:p>
         </p:txBody>
       </p:sp>
@@ -36435,11 +37302,11 @@
           <a:bodyPr rtlCol="0"/>
           <a:lstStyle/>
           <a:p>
-            <a:pPr rtl="0"/>
             <a:r>
               <a:rPr lang="it-IT"/>
-              <a:t>Presentazione</a:t>
-            </a:r>
+              <a:t>Presentation</a:t>
+            </a:r>
+            <a:endParaRPr lang="en-US"/>
           </a:p>
         </p:txBody>
       </p:sp>
@@ -36566,8 +37433,8 @@
         </p:nvSpPr>
         <p:spPr>
           <a:xfrm>
-            <a:off x="1999750" y="1935839"/>
-            <a:ext cx="8643091" cy="4401205"/>
+            <a:off x="1745750" y="1840589"/>
+            <a:ext cx="9235758" cy="3785652"/>
           </a:xfrm>
           <a:prstGeom prst="rect">
             <a:avLst/>
@@ -36639,10 +37506,6 @@
               <a:t>horizon</a:t>
             </a:r>
             <a:r>
-              <a:rPr lang="it-IT" sz="2000" b="1"/>
-              <a:t>:</a:t>
-            </a:r>
-            <a:r>
               <a:rPr lang="it-IT" sz="2000"/>
               <a:t> T = 10000</a:t>
             </a:r>
@@ -36654,7 +37517,7 @@
             </a:pPr>
             <a:r>
               <a:rPr lang="it-IT" sz="2000" b="1"/>
-              <a:t>Budget:</a:t>
+              <a:t>Budget</a:t>
             </a:r>
             <a:r>
               <a:rPr lang="it-IT" sz="2000"/>
@@ -36694,7 +37557,7 @@
             </a:r>
             <a:r>
               <a:rPr lang="it-IT" sz="2000" b="1"/>
-              <a:t> of Products: </a:t>
+              <a:t> of Products </a:t>
             </a:r>
             <a:r>
               <a:rPr lang="it-IT" sz="2000"/>
@@ -36711,7 +37574,7 @@
                 <a:ea typeface="+mn-lt"/>
                 <a:cs typeface="+mn-lt"/>
               </a:rPr>
-              <a:t>Window size: </a:t>
+              <a:t>Window size </a:t>
             </a:r>
             <a:r>
               <a:rPr lang="it-IT" sz="2000">
@@ -36738,7 +37601,7 @@
                 <a:ea typeface="+mn-lt"/>
                 <a:cs typeface="+mn-lt"/>
               </a:rPr>
-              <a:t> Matrix:</a:t>
+              <a:t> Matrix</a:t>
             </a:r>
             <a:r>
               <a:rPr lang="it-IT" sz="2000">
@@ -36754,7 +37617,7 @@
               </a:rPr>
               <a:t>fixed</a:t>
             </a:r>
-            <a:endParaRPr lang="it-IT" err="1"/>
+            <a:endParaRPr lang="it-IT"/>
           </a:p>
           <a:p>
             <a:pPr marL="342900" indent="-342900">
@@ -36783,13 +37646,6 @@
               <a:t>vector</a:t>
             </a:r>
             <a:r>
-              <a:rPr lang="it-IT" sz="2000" b="1">
-                <a:ea typeface="+mn-lt"/>
-                <a:cs typeface="+mn-lt"/>
-              </a:rPr>
-              <a:t>:</a:t>
-            </a:r>
-            <a:r>
               <a:rPr lang="it-IT" sz="2000">
                 <a:ea typeface="+mn-lt"/>
                 <a:cs typeface="+mn-lt"/>
@@ -36815,13 +37671,6 @@
                 <a:cs typeface="+mn-lt"/>
               </a:rPr>
               <a:t>vector</a:t>
-            </a:r>
-            <a:r>
-              <a:rPr lang="it-IT" sz="2000" b="1">
-                <a:ea typeface="+mn-lt"/>
-                <a:cs typeface="+mn-lt"/>
-              </a:rPr>
-              <a:t>:</a:t>
             </a:r>
             <a:r>
               <a:rPr lang="it-IT" sz="2000">
@@ -37000,7 +37849,7 @@
             <a:pPr rtl="0"/>
             <a:r>
               <a:rPr lang="it-IT"/>
-              <a:t>20XX</a:t>
+              <a:t>Online Learning Application Project 2025</a:t>
             </a:r>
           </a:p>
         </p:txBody>
@@ -37031,11 +37880,11 @@
           <a:bodyPr rtlCol="0"/>
           <a:lstStyle/>
           <a:p>
-            <a:pPr rtl="0"/>
             <a:r>
               <a:rPr lang="it-IT"/>
-              <a:t>Presentazione</a:t>
-            </a:r>
+              <a:t>Presentation</a:t>
+            </a:r>
+            <a:endParaRPr lang="en-US"/>
           </a:p>
         </p:txBody>
       </p:sp>
@@ -37075,8 +37924,8 @@
           </a:p>
         </p:txBody>
       </p:sp>
-      <mc:AlternateContent xmlns:mc="http://schemas.openxmlformats.org/markup-compatibility/2006" xmlns:a14="http://schemas.microsoft.com/office/drawing/2010/main">
-        <mc:Choice Requires="a14">
+      <mc:AlternateContent xmlns:mc="http://schemas.openxmlformats.org/markup-compatibility/2006">
+        <mc:Choice xmlns:a14="http://schemas.microsoft.com/office/drawing/2010/main" Requires="a14">
           <p:sp>
             <p:nvSpPr>
               <p:cNvPr id="24" name="CasellaDiTesto 23">
@@ -37347,7 +38196,7 @@
             </p:txBody>
           </p:sp>
         </mc:Choice>
-        <mc:Fallback xmlns="">
+        <mc:Fallback>
           <p:sp>
             <p:nvSpPr>
               <p:cNvPr id="24" name="CasellaDiTesto 23">
@@ -37382,7 +38231,7 @@
               <a:lstStyle/>
               <a:p>
                 <a:r>
-                  <a:rPr lang="en-US">
+                  <a:rPr lang="it-IT">
                     <a:noFill/>
                   </a:rPr>
                   <a:t> </a:t>
@@ -37554,7 +38403,15 @@
             </a:r>
             <a:r>
               <a:rPr lang="it-IT"/>
-              <a:t> of product with price </a:t>
+              <a:t> of product </a:t>
+            </a:r>
+            <a:r>
+              <a:rPr lang="it-IT" err="1"/>
+              <a:t>if</a:t>
+            </a:r>
+            <a:r>
+              <a:rPr lang="it-IT"/>
+              <a:t> the price </a:t>
             </a:r>
             <a:r>
               <a:rPr lang="it-IT" err="1"/>
@@ -37692,11 +38549,17 @@
           <a:bodyPr rtlCol="0"/>
           <a:lstStyle/>
           <a:p>
+            <a:endParaRPr lang="it-IT"/>
+          </a:p>
+          <a:p>
+            <a:r>
+              <a:rPr lang="it-IT"/>
+              <a:t>Online Learning Application Project 2025</a:t>
+            </a:r>
+          </a:p>
+          <a:p>
             <a:pPr rtl="0"/>
-            <a:r>
-              <a:rPr lang="it-IT"/>
-              <a:t>20XX</a:t>
-            </a:r>
+            <a:endParaRPr lang="it-IT"/>
           </a:p>
         </p:txBody>
       </p:sp>
@@ -37726,11 +38589,11 @@
           <a:bodyPr rtlCol="0"/>
           <a:lstStyle/>
           <a:p>
-            <a:pPr rtl="0"/>
             <a:r>
               <a:rPr lang="it-IT"/>
-              <a:t>Presentazione</a:t>
-            </a:r>
+              <a:t>Presentation</a:t>
+            </a:r>
+            <a:endParaRPr lang="en-US"/>
           </a:p>
         </p:txBody>
       </p:sp>
@@ -37904,7 +38767,7 @@
           <a:lstStyle/>
           <a:p>
             <a:r>
-              <a:rPr lang="it-IT"/>
+              <a:rPr lang="it-IT" b="1" u="sng"/>
               <a:t>BASELINE A PRIORI</a:t>
             </a:r>
           </a:p>
@@ -37972,11 +38835,17 @@
           <a:bodyPr rtlCol="0"/>
           <a:lstStyle/>
           <a:p>
+            <a:endParaRPr lang="it-IT"/>
+          </a:p>
+          <a:p>
+            <a:r>
+              <a:rPr lang="it-IT"/>
+              <a:t>Online Learning Application Project 2025</a:t>
+            </a:r>
+          </a:p>
+          <a:p>
             <a:pPr rtl="0"/>
-            <a:r>
-              <a:rPr lang="it-IT"/>
-              <a:t>20XX</a:t>
-            </a:r>
+            <a:endParaRPr lang="it-IT"/>
           </a:p>
         </p:txBody>
       </p:sp>
@@ -38006,11 +38875,11 @@
           <a:bodyPr rtlCol="0"/>
           <a:lstStyle/>
           <a:p>
-            <a:pPr rtl="0"/>
             <a:r>
               <a:rPr lang="it-IT"/>
-              <a:t>Presentazione</a:t>
-            </a:r>
+              <a:t>Presentation</a:t>
+            </a:r>
+            <a:endParaRPr lang="en-US"/>
           </a:p>
         </p:txBody>
       </p:sp>
@@ -38184,7 +39053,7 @@
           <a:lstStyle/>
           <a:p>
             <a:r>
-              <a:rPr lang="it-IT"/>
+              <a:rPr lang="it-IT" b="1" u="sng"/>
               <a:t>BASELINE A POSTERIORI</a:t>
             </a:r>
           </a:p>
@@ -38286,11 +39155,11 @@
           <a:bodyPr rtlCol="0"/>
           <a:lstStyle/>
           <a:p>
-            <a:pPr rtl="0"/>
             <a:r>
               <a:rPr lang="it-IT"/>
-              <a:t>Presentazione</a:t>
-            </a:r>
+              <a:t>Presentation</a:t>
+            </a:r>
+            <a:endParaRPr lang="en-US"/>
           </a:p>
         </p:txBody>
       </p:sp>
@@ -38434,7 +39303,7 @@
           <a:p>
             <a:pPr algn="ctr"/>
             <a:r>
-              <a:rPr lang="it-IT"/>
+              <a:rPr lang="it-IT" b="1" u="sng"/>
               <a:t>COMPARISON</a:t>
             </a:r>
           </a:p>
@@ -38474,6 +39343,2259 @@
     <p:extLst>
       <p:ext uri="{BB962C8B-B14F-4D97-AF65-F5344CB8AC3E}">
         <p14:creationId xmlns:p14="http://schemas.microsoft.com/office/powerpoint/2010/main" val="521753670"/>
+      </p:ext>
+    </p:extLst>
+  </p:cSld>
+  <p:clrMapOvr>
+    <a:masterClrMapping/>
+  </p:clrMapOvr>
+</p:sld>
+</file>
+
+<file path=ppt/slides/slide43.xml><?xml version="1.0" encoding="utf-8"?>
+<p:sld xmlns:a="http://schemas.openxmlformats.org/drawingml/2006/main" xmlns:r="http://schemas.openxmlformats.org/officeDocument/2006/relationships" xmlns:p="http://schemas.openxmlformats.org/presentationml/2006/main">
+  <p:cSld>
+    <p:spTree>
+      <p:nvGrpSpPr>
+        <p:cNvPr id="1" name="">
+          <a:extLst>
+            <a:ext uri="{FF2B5EF4-FFF2-40B4-BE49-F238E27FC236}">
+              <a16:creationId xmlns:a16="http://schemas.microsoft.com/office/drawing/2014/main" id="{F400C941-4BF4-D8B6-4B60-423C1307E7E5}"/>
+            </a:ext>
+          </a:extLst>
+        </p:cNvPr>
+        <p:cNvGrpSpPr/>
+        <p:nvPr/>
+      </p:nvGrpSpPr>
+      <p:grpSpPr>
+        <a:xfrm>
+          <a:off x="0" y="0"/>
+          <a:ext cx="0" cy="0"/>
+          <a:chOff x="0" y="0"/>
+          <a:chExt cx="0" cy="0"/>
+        </a:xfrm>
+      </p:grpSpPr>
+      <p:sp>
+        <p:nvSpPr>
+          <p:cNvPr id="3" name="Title 2">
+            <a:extLst>
+              <a:ext uri="{FF2B5EF4-FFF2-40B4-BE49-F238E27FC236}">
+                <a16:creationId xmlns:a16="http://schemas.microsoft.com/office/drawing/2014/main" id="{FFC9C154-DA9B-5E2F-84C9-9BD266576A1C}"/>
+              </a:ext>
+            </a:extLst>
+          </p:cNvPr>
+          <p:cNvSpPr>
+            <a:spLocks noGrp="1"/>
+          </p:cNvSpPr>
+          <p:nvPr>
+            <p:ph type="ctrTitle"/>
+          </p:nvPr>
+        </p:nvSpPr>
+        <p:spPr/>
+        <p:txBody>
+          <a:bodyPr/>
+          <a:lstStyle/>
+          <a:p>
+            <a:r>
+              <a:rPr lang="it-IT" sz="3200" b="1"/>
+              <a:t>CONCLUSIONS</a:t>
+            </a:r>
+            <a:br>
+              <a:rPr lang="it-IT" sz="3200" b="1"/>
+            </a:br>
+            <a:endParaRPr lang="en-US" sz="3200">
+              <a:solidFill>
+                <a:srgbClr val="000000"/>
+              </a:solidFill>
+            </a:endParaRPr>
+          </a:p>
+        </p:txBody>
+      </p:sp>
+    </p:spTree>
+    <p:extLst>
+      <p:ext uri="{BB962C8B-B14F-4D97-AF65-F5344CB8AC3E}">
+        <p14:creationId xmlns:p14="http://schemas.microsoft.com/office/powerpoint/2010/main" val="4086523666"/>
+      </p:ext>
+    </p:extLst>
+  </p:cSld>
+  <p:clrMapOvr>
+    <a:masterClrMapping/>
+  </p:clrMapOvr>
+</p:sld>
+</file>
+
+<file path=ppt/slides/slide44.xml><?xml version="1.0" encoding="utf-8"?>
+<p:sld xmlns:a="http://schemas.openxmlformats.org/drawingml/2006/main" xmlns:r="http://schemas.openxmlformats.org/officeDocument/2006/relationships" xmlns:p="http://schemas.openxmlformats.org/presentationml/2006/main">
+  <p:cSld>
+    <p:spTree>
+      <p:nvGrpSpPr>
+        <p:cNvPr id="1" name="">
+          <a:extLst>
+            <a:ext uri="{FF2B5EF4-FFF2-40B4-BE49-F238E27FC236}">
+              <a16:creationId xmlns:a16="http://schemas.microsoft.com/office/drawing/2014/main" id="{0A8B7194-FBC1-1D39-349A-DA1E89CF95B7}"/>
+            </a:ext>
+          </a:extLst>
+        </p:cNvPr>
+        <p:cNvGrpSpPr/>
+        <p:nvPr/>
+      </p:nvGrpSpPr>
+      <p:grpSpPr>
+        <a:xfrm>
+          <a:off x="0" y="0"/>
+          <a:ext cx="0" cy="0"/>
+          <a:chOff x="0" y="0"/>
+          <a:chExt cx="0" cy="0"/>
+        </a:xfrm>
+      </p:grpSpPr>
+      <p:sp>
+        <p:nvSpPr>
+          <p:cNvPr id="9" name="Segnaposto data 8">
+            <a:extLst>
+              <a:ext uri="{FF2B5EF4-FFF2-40B4-BE49-F238E27FC236}">
+                <a16:creationId xmlns:a16="http://schemas.microsoft.com/office/drawing/2014/main" id="{2E23B5BF-852B-D2E3-216F-4D860B28BC37}"/>
+              </a:ext>
+            </a:extLst>
+          </p:cNvPr>
+          <p:cNvSpPr>
+            <a:spLocks noGrp="1"/>
+          </p:cNvSpPr>
+          <p:nvPr>
+            <p:ph type="dt" sz="half" idx="10"/>
+          </p:nvPr>
+        </p:nvSpPr>
+        <p:spPr>
+          <a:xfrm>
+            <a:off x="838200" y="6356350"/>
+            <a:ext cx="2743200" cy="365125"/>
+          </a:xfrm>
+        </p:spPr>
+        <p:txBody>
+          <a:bodyPr rtlCol="0"/>
+          <a:lstStyle/>
+          <a:p>
+            <a:pPr rtl="0"/>
+            <a:r>
+              <a:rPr lang="it-IT"/>
+              <a:t>20XX</a:t>
+            </a:r>
+          </a:p>
+        </p:txBody>
+      </p:sp>
+      <p:sp>
+        <p:nvSpPr>
+          <p:cNvPr id="10" name="Segnaposto piè di pagina 9">
+            <a:extLst>
+              <a:ext uri="{FF2B5EF4-FFF2-40B4-BE49-F238E27FC236}">
+                <a16:creationId xmlns:a16="http://schemas.microsoft.com/office/drawing/2014/main" id="{49ED8DDD-9487-2FE9-FB18-0497E760BB4E}"/>
+              </a:ext>
+            </a:extLst>
+          </p:cNvPr>
+          <p:cNvSpPr>
+            <a:spLocks noGrp="1"/>
+          </p:cNvSpPr>
+          <p:nvPr>
+            <p:ph type="ftr" sz="quarter" idx="11"/>
+          </p:nvPr>
+        </p:nvSpPr>
+        <p:spPr>
+          <a:xfrm>
+            <a:off x="4038600" y="6356350"/>
+            <a:ext cx="4114800" cy="365125"/>
+          </a:xfrm>
+        </p:spPr>
+        <p:txBody>
+          <a:bodyPr rtlCol="0"/>
+          <a:lstStyle/>
+          <a:p>
+            <a:r>
+              <a:rPr lang="it-IT"/>
+              <a:t>Presentation</a:t>
+            </a:r>
+            <a:endParaRPr lang="en-US"/>
+          </a:p>
+        </p:txBody>
+      </p:sp>
+      <p:sp>
+        <p:nvSpPr>
+          <p:cNvPr id="11" name="Segnaposto numero diapositiva 10">
+            <a:extLst>
+              <a:ext uri="{FF2B5EF4-FFF2-40B4-BE49-F238E27FC236}">
+                <a16:creationId xmlns:a16="http://schemas.microsoft.com/office/drawing/2014/main" id="{CFE516C0-97D6-BD97-8AE4-E6178E291E36}"/>
+              </a:ext>
+            </a:extLst>
+          </p:cNvPr>
+          <p:cNvSpPr>
+            <a:spLocks noGrp="1"/>
+          </p:cNvSpPr>
+          <p:nvPr>
+            <p:ph type="sldNum" sz="quarter" idx="12"/>
+          </p:nvPr>
+        </p:nvSpPr>
+        <p:spPr>
+          <a:xfrm>
+            <a:off x="8610600" y="6356350"/>
+            <a:ext cx="2743200" cy="365125"/>
+          </a:xfrm>
+        </p:spPr>
+        <p:txBody>
+          <a:bodyPr rtlCol="0"/>
+          <a:lstStyle/>
+          <a:p>
+            <a:pPr rtl="0"/>
+            <a:fld id="{B5CEABB6-07DC-46E8-9B57-56EC44A396E5}" type="slidenum">
+              <a:rPr lang="it-IT" smtClean="0"/>
+              <a:pPr rtl="0"/>
+              <a:t>44</a:t>
+            </a:fld>
+            <a:endParaRPr lang="it-IT"/>
+          </a:p>
+        </p:txBody>
+      </p:sp>
+      <p:sp>
+        <p:nvSpPr>
+          <p:cNvPr id="4" name="Titolo 3">
+            <a:extLst>
+              <a:ext uri="{FF2B5EF4-FFF2-40B4-BE49-F238E27FC236}">
+                <a16:creationId xmlns:a16="http://schemas.microsoft.com/office/drawing/2014/main" id="{89C3F71E-9D07-2EC3-5451-D6930D3F4768}"/>
+              </a:ext>
+            </a:extLst>
+          </p:cNvPr>
+          <p:cNvSpPr>
+            <a:spLocks noGrp="1"/>
+          </p:cNvSpPr>
+          <p:nvPr>
+            <p:ph type="title"/>
+          </p:nvPr>
+        </p:nvSpPr>
+        <p:spPr>
+          <a:xfrm>
+            <a:off x="1954999" y="369736"/>
+            <a:ext cx="2794999" cy="848133"/>
+          </a:xfrm>
+        </p:spPr>
+        <p:txBody>
+          <a:bodyPr/>
+          <a:lstStyle/>
+          <a:p>
+            <a:pPr algn="l"/>
+            <a:r>
+              <a:rPr lang="it-IT" b="1" err="1"/>
+              <a:t>Conclusions</a:t>
+            </a:r>
+            <a:endParaRPr lang="it-IT" b="1"/>
+          </a:p>
+        </p:txBody>
+      </p:sp>
+      <mc:AlternateContent xmlns:mc="http://schemas.openxmlformats.org/markup-compatibility/2006">
+        <mc:Choice xmlns:a14="http://schemas.microsoft.com/office/drawing/2010/main" Requires="a14">
+          <p:graphicFrame>
+            <p:nvGraphicFramePr>
+              <p:cNvPr id="3" name="Table 2">
+                <a:extLst>
+                  <a:ext uri="{FF2B5EF4-FFF2-40B4-BE49-F238E27FC236}">
+                    <a16:creationId xmlns:a16="http://schemas.microsoft.com/office/drawing/2014/main" id="{9FA21B71-742D-19EF-3CD0-790B80352C69}"/>
+                  </a:ext>
+                </a:extLst>
+              </p:cNvPr>
+              <p:cNvGraphicFramePr>
+                <a:graphicFrameLocks noGrp="1"/>
+              </p:cNvGraphicFramePr>
+              <p:nvPr>
+                <p:extLst>
+                  <p:ext uri="{D42A27DB-BD31-4B8C-83A1-F6EECF244321}">
+                    <p14:modId xmlns:p14="http://schemas.microsoft.com/office/powerpoint/2010/main" val="2901562911"/>
+                  </p:ext>
+                </p:extLst>
+              </p:nvPr>
+            </p:nvGraphicFramePr>
+            <p:xfrm>
+              <a:off x="1132403" y="2091814"/>
+              <a:ext cx="9918911" cy="3390591"/>
+            </p:xfrm>
+            <a:graphic>
+              <a:graphicData uri="http://schemas.openxmlformats.org/drawingml/2006/table">
+                <a:tbl>
+                  <a:tblPr firstRow="1" firstCol="1" bandRow="1">
+                    <a:tableStyleId>{5C22544A-7EE6-4342-B048-85BDC9FD1C3A}</a:tableStyleId>
+                  </a:tblPr>
+                  <a:tblGrid>
+                    <a:gridCol w="983397">
+                      <a:extLst>
+                        <a:ext uri="{9D8B030D-6E8A-4147-A177-3AD203B41FA5}">
+                          <a16:colId xmlns:a16="http://schemas.microsoft.com/office/drawing/2014/main" val="270779252"/>
+                        </a:ext>
+                      </a:extLst>
+                    </a:gridCol>
+                    <a:gridCol w="3275379">
+                      <a:extLst>
+                        <a:ext uri="{9D8B030D-6E8A-4147-A177-3AD203B41FA5}">
+                          <a16:colId xmlns:a16="http://schemas.microsoft.com/office/drawing/2014/main" val="3602219936"/>
+                        </a:ext>
+                      </a:extLst>
+                    </a:gridCol>
+                    <a:gridCol w="1252728">
+                      <a:extLst>
+                        <a:ext uri="{9D8B030D-6E8A-4147-A177-3AD203B41FA5}">
+                          <a16:colId xmlns:a16="http://schemas.microsoft.com/office/drawing/2014/main" val="1738849379"/>
+                        </a:ext>
+                      </a:extLst>
+                    </a:gridCol>
+                    <a:gridCol w="1600200">
+                      <a:extLst>
+                        <a:ext uri="{9D8B030D-6E8A-4147-A177-3AD203B41FA5}">
+                          <a16:colId xmlns:a16="http://schemas.microsoft.com/office/drawing/2014/main" val="1969520834"/>
+                        </a:ext>
+                      </a:extLst>
+                    </a:gridCol>
+                    <a:gridCol w="2807207">
+                      <a:extLst>
+                        <a:ext uri="{9D8B030D-6E8A-4147-A177-3AD203B41FA5}">
+                          <a16:colId xmlns:a16="http://schemas.microsoft.com/office/drawing/2014/main" val="1137105713"/>
+                        </a:ext>
+                      </a:extLst>
+                    </a:gridCol>
+                  </a:tblGrid>
+                  <a:tr h="423333">
+                    <a:tc>
+                      <a:txBody>
+                        <a:bodyPr/>
+                        <a:lstStyle/>
+                        <a:p>
+                          <a:endParaRPr lang="en-US"/>
+                        </a:p>
+                      </a:txBody>
+                      <a:tcPr>
+                        <a:solidFill>
+                          <a:schemeClr val="accent1">
+                            <a:lumMod val="90000"/>
+                          </a:schemeClr>
+                        </a:solidFill>
+                      </a:tcPr>
+                    </a:tc>
+                    <a:tc>
+                      <a:txBody>
+                        <a:bodyPr/>
+                        <a:lstStyle/>
+                        <a:p>
+                          <a:pPr algn="l"/>
+                          <a:r>
+                            <a:rPr lang="en-US">
+                              <a:solidFill>
+                                <a:schemeClr val="tx1"/>
+                              </a:solidFill>
+                            </a:rPr>
+                            <a:t>Approaches</a:t>
+                          </a:r>
+                        </a:p>
+                      </a:txBody>
+                      <a:tcPr>
+                        <a:solidFill>
+                          <a:schemeClr val="accent1">
+                            <a:lumMod val="90000"/>
+                          </a:schemeClr>
+                        </a:solidFill>
+                      </a:tcPr>
+                    </a:tc>
+                    <a:tc>
+                      <a:txBody>
+                        <a:bodyPr/>
+                        <a:lstStyle/>
+                        <a:p>
+                          <a:pPr algn="ctr"/>
+                          <a:r>
+                            <a:rPr lang="en-US">
+                              <a:solidFill>
+                                <a:schemeClr val="tx1"/>
+                              </a:solidFill>
+                            </a:rPr>
+                            <a:t>Regret</a:t>
+                          </a:r>
+                        </a:p>
+                      </a:txBody>
+                      <a:tcPr>
+                        <a:solidFill>
+                          <a:schemeClr val="accent1">
+                            <a:lumMod val="90000"/>
+                          </a:schemeClr>
+                        </a:solidFill>
+                      </a:tcPr>
+                    </a:tc>
+                    <a:tc>
+                      <a:txBody>
+                        <a:bodyPr/>
+                        <a:lstStyle/>
+                        <a:p>
+                          <a:pPr lvl="0" algn="ctr">
+                            <a:buNone/>
+                          </a:pPr>
+                          <a:r>
+                            <a:rPr lang="en-US" err="1">
+                              <a:solidFill>
+                                <a:schemeClr val="tx1"/>
+                              </a:solidFill>
+                            </a:rPr>
+                            <a:t>Costant</a:t>
+                          </a:r>
+                          <a:endParaRPr lang="en-US">
+                            <a:solidFill>
+                              <a:schemeClr val="tx1"/>
+                            </a:solidFill>
+                          </a:endParaRPr>
+                        </a:p>
+                      </a:txBody>
+                      <a:tcPr>
+                        <a:solidFill>
+                          <a:schemeClr val="accent1">
+                            <a:lumMod val="90000"/>
+                          </a:schemeClr>
+                        </a:solidFill>
+                      </a:tcPr>
+                    </a:tc>
+                    <a:tc>
+                      <a:txBody>
+                        <a:bodyPr/>
+                        <a:lstStyle/>
+                        <a:p>
+                          <a:pPr algn="ctr"/>
+                          <a:r>
+                            <a:rPr lang="en-US">
+                              <a:solidFill>
+                                <a:schemeClr val="tx1"/>
+                              </a:solidFill>
+                            </a:rPr>
+                            <a:t>Budget depletion over T</a:t>
+                          </a:r>
+                        </a:p>
+                      </a:txBody>
+                      <a:tcPr>
+                        <a:solidFill>
+                          <a:schemeClr val="accent1">
+                            <a:lumMod val="90000"/>
+                          </a:schemeClr>
+                        </a:solidFill>
+                      </a:tcPr>
+                    </a:tc>
+                    <a:extLst>
+                      <a:ext uri="{0D108BD9-81ED-4DB2-BD59-A6C34878D82A}">
+                        <a16:rowId xmlns:a16="http://schemas.microsoft.com/office/drawing/2014/main" val="262027877"/>
+                      </a:ext>
+                    </a:extLst>
+                  </a:tr>
+                  <a:tr h="601609">
+                    <a:tc>
+                      <a:txBody>
+                        <a:bodyPr/>
+                        <a:lstStyle/>
+                        <a:p>
+                          <a:r>
+                            <a:rPr lang="en-US">
+                              <a:solidFill>
+                                <a:schemeClr val="tx1"/>
+                              </a:solidFill>
+                            </a:rPr>
+                            <a:t>R1</a:t>
+                          </a:r>
+                        </a:p>
+                      </a:txBody>
+                      <a:tcPr anchor="ctr">
+                        <a:solidFill>
+                          <a:schemeClr val="accent1">
+                            <a:lumMod val="90000"/>
+                          </a:schemeClr>
+                        </a:solidFill>
+                      </a:tcPr>
+                    </a:tc>
+                    <a:tc>
+                      <a:txBody>
+                        <a:bodyPr/>
+                        <a:lstStyle/>
+                        <a:p>
+                          <a:r>
+                            <a:rPr lang="en-US"/>
+                            <a:t>UCB-like</a:t>
+                          </a:r>
+                        </a:p>
+                      </a:txBody>
+                      <a:tcPr anchor="ctr">
+                        <a:solidFill>
+                          <a:schemeClr val="accent1"/>
+                        </a:solidFill>
+                      </a:tcPr>
+                    </a:tc>
+                    <a:tc>
+                      <a:txBody>
+                        <a:bodyPr/>
+                        <a:lstStyle/>
+                        <a:p>
+                          <a:pPr/>
+                          <a14:m>
+                            <m:oMathPara xmlns:m="http://schemas.openxmlformats.org/officeDocument/2006/math">
+                              <m:oMathParaPr>
+                                <m:jc m:val="centerGroup"/>
+                              </m:oMathParaPr>
+                              <m:oMath xmlns:m="http://schemas.openxmlformats.org/officeDocument/2006/math">
+                                <m:sSup>
+                                  <m:sSupPr>
+                                    <m:ctrlPr>
+                                      <a:rPr lang="it-IT" b="0" i="1" smtClean="0">
+                                        <a:latin typeface="Cambria Math" panose="02040503050406030204" pitchFamily="18" charset="0"/>
+                                      </a:rPr>
+                                    </m:ctrlPr>
+                                  </m:sSupPr>
+                                  <m:e>
+                                    <m:r>
+                                      <a:rPr lang="it-IT" b="0" i="1" smtClean="0">
+                                        <a:latin typeface="Cambria Math" panose="02040503050406030204" pitchFamily="18" charset="0"/>
+                                      </a:rPr>
+                                      <m:t>𝑇</m:t>
+                                    </m:r>
+                                  </m:e>
+                                  <m:sup>
+                                    <m:f>
+                                      <m:fPr>
+                                        <m:ctrlPr>
+                                          <a:rPr lang="it-IT" b="0" i="1" smtClean="0">
+                                            <a:latin typeface="Cambria Math" panose="02040503050406030204" pitchFamily="18" charset="0"/>
+                                          </a:rPr>
+                                        </m:ctrlPr>
+                                      </m:fPr>
+                                      <m:num>
+                                        <m:r>
+                                          <a:rPr lang="it-IT" b="0" i="1" smtClean="0">
+                                            <a:latin typeface="Cambria Math" panose="02040503050406030204" pitchFamily="18" charset="0"/>
+                                          </a:rPr>
+                                          <m:t>2</m:t>
+                                        </m:r>
+                                      </m:num>
+                                      <m:den>
+                                        <m:r>
+                                          <a:rPr lang="it-IT" b="0" i="1" smtClean="0">
+                                            <a:latin typeface="Cambria Math" panose="02040503050406030204" pitchFamily="18" charset="0"/>
+                                          </a:rPr>
+                                          <m:t>3</m:t>
+                                        </m:r>
+                                      </m:den>
+                                    </m:f>
+                                  </m:sup>
+                                </m:sSup>
+                              </m:oMath>
+                            </m:oMathPara>
+                          </a14:m>
+                          <a:endParaRPr lang="en-US"/>
+                        </a:p>
+                      </a:txBody>
+                      <a:tcPr anchor="ctr">
+                        <a:solidFill>
+                          <a:schemeClr val="accent1"/>
+                        </a:solidFill>
+                      </a:tcPr>
+                    </a:tc>
+                    <a:tc>
+                      <a:txBody>
+                        <a:bodyPr/>
+                        <a:lstStyle/>
+                        <a:p>
+                          <a:pPr lvl="0" algn="ctr">
+                            <a:buNone/>
+                          </a:pPr>
+                          <a14:m>
+                            <m:oMathPara xmlns:m="http://schemas.openxmlformats.org/officeDocument/2006/math">
+                              <m:oMathParaPr>
+                                <m:jc m:val="centerGroup"/>
+                              </m:oMathParaPr>
+                              <m:oMath xmlns:m="http://schemas.openxmlformats.org/officeDocument/2006/math">
+                                <m:r>
+                                  <a:rPr lang="it-IT" b="0" i="1" smtClean="0">
+                                    <a:latin typeface="Cambria Math" panose="02040503050406030204" pitchFamily="18" charset="0"/>
+                                  </a:rPr>
+                                  <m:t>0.9 −2.6</m:t>
+                                </m:r>
+                              </m:oMath>
+                            </m:oMathPara>
+                          </a14:m>
+                          <a:endParaRPr lang="en-US"/>
+                        </a:p>
+                      </a:txBody>
+                      <a:tcPr anchor="ctr">
+                        <a:solidFill>
+                          <a:schemeClr val="accent1"/>
+                        </a:solidFill>
+                      </a:tcPr>
+                    </a:tc>
+                    <a:tc>
+                      <a:txBody>
+                        <a:bodyPr/>
+                        <a:lstStyle/>
+                        <a:p>
+                          <a:pPr algn="ctr"/>
+                          <a14:m>
+                            <m:oMathPara xmlns:m="http://schemas.openxmlformats.org/officeDocument/2006/math">
+                              <m:oMathParaPr>
+                                <m:jc m:val="centerGroup"/>
+                              </m:oMathParaPr>
+                              <m:oMath xmlns:m="http://schemas.openxmlformats.org/officeDocument/2006/math">
+                                <m:r>
+                                  <a:rPr lang="it-IT" b="0" i="1" smtClean="0">
+                                    <a:latin typeface="Cambria Math" panose="02040503050406030204" pitchFamily="18" charset="0"/>
+                                  </a:rPr>
+                                  <m:t>98 % − 100 %</m:t>
+                                </m:r>
+                              </m:oMath>
+                            </m:oMathPara>
+                          </a14:m>
+                          <a:endParaRPr lang="en-US"/>
+                        </a:p>
+                      </a:txBody>
+                      <a:tcPr anchor="ctr">
+                        <a:solidFill>
+                          <a:schemeClr val="accent1"/>
+                        </a:solidFill>
+                      </a:tcPr>
+                    </a:tc>
+                    <a:extLst>
+                      <a:ext uri="{0D108BD9-81ED-4DB2-BD59-A6C34878D82A}">
+                        <a16:rowId xmlns:a16="http://schemas.microsoft.com/office/drawing/2014/main" val="2749888768"/>
+                      </a:ext>
+                    </a:extLst>
+                  </a:tr>
+                  <a:tr h="601609">
+                    <a:tc>
+                      <a:txBody>
+                        <a:bodyPr/>
+                        <a:lstStyle/>
+                        <a:p>
+                          <a:pPr lvl="0">
+                            <a:buNone/>
+                          </a:pPr>
+                          <a:r>
+                            <a:rPr lang="en-US" sz="1800" b="1" i="0" u="none" strike="noStrike" noProof="0">
+                              <a:solidFill>
+                                <a:schemeClr val="tx1"/>
+                              </a:solidFill>
+                              <a:latin typeface="Tenorite"/>
+                            </a:rPr>
+                            <a:t>R2</a:t>
+                          </a:r>
+                          <a:endParaRPr lang="en-US"/>
+                        </a:p>
+                      </a:txBody>
+                      <a:tcPr anchor="ctr">
+                        <a:solidFill>
+                          <a:schemeClr val="accent1">
+                            <a:lumMod val="90000"/>
+                          </a:schemeClr>
+                        </a:solidFill>
+                      </a:tcPr>
+                    </a:tc>
+                    <a:tc>
+                      <a:txBody>
+                        <a:bodyPr/>
+                        <a:lstStyle/>
+                        <a:p>
+                          <a:pPr marL="0" indent="0">
+                            <a:buFont typeface="Wingdings" panose="05000000000000000000" pitchFamily="2" charset="2"/>
+                            <a:buNone/>
+                          </a:pPr>
+                          <a:r>
+                            <a:rPr lang="en-US"/>
+                            <a:t>Combinatorial UCB-like</a:t>
+                          </a:r>
+                        </a:p>
+                      </a:txBody>
+                      <a:tcPr anchor="ctr">
+                        <a:solidFill>
+                          <a:schemeClr val="accent1"/>
+                        </a:solidFill>
+                      </a:tcPr>
+                    </a:tc>
+                    <a:tc>
+                      <a:txBody>
+                        <a:bodyPr/>
+                        <a:lstStyle/>
+                        <a:p>
+                          <a:pPr lvl="0">
+                            <a:buNone/>
+                          </a:pPr>
+                          <a14:m>
+                            <m:oMathPara xmlns:m="http://schemas.openxmlformats.org/officeDocument/2006/math">
+                              <m:oMathParaPr>
+                                <m:jc m:val="centerGroup"/>
+                              </m:oMathParaPr>
+                              <m:oMath xmlns:m="http://schemas.openxmlformats.org/officeDocument/2006/math">
+                                <m:sSup>
+                                  <m:sSupPr>
+                                    <m:ctrlPr>
+                                      <a:rPr lang="it-IT" b="0" i="1" smtClean="0">
+                                        <a:latin typeface="Cambria Math" panose="02040503050406030204" pitchFamily="18" charset="0"/>
+                                      </a:rPr>
+                                    </m:ctrlPr>
+                                  </m:sSupPr>
+                                  <m:e>
+                                    <m:r>
+                                      <a:rPr lang="it-IT" b="0" i="1" smtClean="0">
+                                        <a:latin typeface="Cambria Math" panose="02040503050406030204" pitchFamily="18" charset="0"/>
+                                      </a:rPr>
+                                      <m:t>𝑇</m:t>
+                                    </m:r>
+                                  </m:e>
+                                  <m:sup>
+                                    <m:f>
+                                      <m:fPr>
+                                        <m:ctrlPr>
+                                          <a:rPr lang="it-IT" b="0" i="1" smtClean="0">
+                                            <a:latin typeface="Cambria Math" panose="02040503050406030204" pitchFamily="18" charset="0"/>
+                                          </a:rPr>
+                                        </m:ctrlPr>
+                                      </m:fPr>
+                                      <m:num>
+                                        <m:r>
+                                          <a:rPr lang="it-IT" b="0" i="1" smtClean="0">
+                                            <a:latin typeface="Cambria Math" panose="02040503050406030204" pitchFamily="18" charset="0"/>
+                                          </a:rPr>
+                                          <m:t>2</m:t>
+                                        </m:r>
+                                      </m:num>
+                                      <m:den>
+                                        <m:r>
+                                          <a:rPr lang="it-IT" b="0" i="1" smtClean="0">
+                                            <a:latin typeface="Cambria Math" panose="02040503050406030204" pitchFamily="18" charset="0"/>
+                                          </a:rPr>
+                                          <m:t>3</m:t>
+                                        </m:r>
+                                      </m:den>
+                                    </m:f>
+                                  </m:sup>
+                                </m:sSup>
+                              </m:oMath>
+                            </m:oMathPara>
+                          </a14:m>
+                          <a:endParaRPr lang="en-US"/>
+                        </a:p>
+                      </a:txBody>
+                      <a:tcPr anchor="ctr">
+                        <a:solidFill>
+                          <a:schemeClr val="accent1"/>
+                        </a:solidFill>
+                      </a:tcPr>
+                    </a:tc>
+                    <a:tc>
+                      <a:txBody>
+                        <a:bodyPr/>
+                        <a:lstStyle/>
+                        <a:p>
+                          <a:pPr marL="0" marR="0" lvl="0" indent="0" algn="ctr" defTabSz="914400" rtl="0" eaLnBrk="1" fontAlgn="auto" latinLnBrk="0" hangingPunct="1">
+                            <a:lnSpc>
+                              <a:spcPct val="100000"/>
+                            </a:lnSpc>
+                            <a:spcBef>
+                              <a:spcPts val="0"/>
+                            </a:spcBef>
+                            <a:spcAft>
+                              <a:spcPts val="0"/>
+                            </a:spcAft>
+                            <a:buClrTx/>
+                            <a:buSzTx/>
+                            <a:buFontTx/>
+                            <a:buNone/>
+                            <a:tabLst/>
+                            <a:defRPr/>
+                          </a:pPr>
+                          <a14:m>
+                            <m:oMathPara xmlns:m="http://schemas.openxmlformats.org/officeDocument/2006/math">
+                              <m:oMathParaPr>
+                                <m:jc m:val="centerGroup"/>
+                              </m:oMathParaPr>
+                              <m:oMath xmlns:m="http://schemas.openxmlformats.org/officeDocument/2006/math">
+                                <m:r>
+                                  <a:rPr lang="it-IT" b="0" i="1" smtClean="0">
+                                    <a:latin typeface="Cambria Math" panose="02040503050406030204" pitchFamily="18" charset="0"/>
+                                  </a:rPr>
+                                  <m:t>3.2 −4.3</m:t>
+                                </m:r>
+                              </m:oMath>
+                            </m:oMathPara>
+                          </a14:m>
+                          <a:endParaRPr lang="en-US"/>
+                        </a:p>
+                      </a:txBody>
+                      <a:tcPr anchor="ctr">
+                        <a:solidFill>
+                          <a:schemeClr val="accent1"/>
+                        </a:solidFill>
+                      </a:tcPr>
+                    </a:tc>
+                    <a:tc>
+                      <a:txBody>
+                        <a:bodyPr/>
+                        <a:lstStyle/>
+                        <a:p>
+                          <a:pPr algn="ctr"/>
+                          <a14:m>
+                            <m:oMathPara xmlns:m="http://schemas.openxmlformats.org/officeDocument/2006/math">
+                              <m:oMathParaPr>
+                                <m:jc m:val="centerGroup"/>
+                              </m:oMathParaPr>
+                              <m:oMath xmlns:m="http://schemas.openxmlformats.org/officeDocument/2006/math">
+                                <m:r>
+                                  <a:rPr lang="it-IT" b="0" i="1" smtClean="0">
+                                    <a:latin typeface="Cambria Math" panose="02040503050406030204" pitchFamily="18" charset="0"/>
+                                  </a:rPr>
+                                  <m:t>91 % −96 %</m:t>
+                                </m:r>
+                              </m:oMath>
+                            </m:oMathPara>
+                          </a14:m>
+                          <a:endParaRPr lang="it-IT" b="0"/>
+                        </a:p>
+                      </a:txBody>
+                      <a:tcPr anchor="ctr">
+                        <a:solidFill>
+                          <a:schemeClr val="accent1"/>
+                        </a:solidFill>
+                      </a:tcPr>
+                    </a:tc>
+                    <a:extLst>
+                      <a:ext uri="{0D108BD9-81ED-4DB2-BD59-A6C34878D82A}">
+                        <a16:rowId xmlns:a16="http://schemas.microsoft.com/office/drawing/2014/main" val="2876563172"/>
+                      </a:ext>
+                    </a:extLst>
+                  </a:tr>
+                  <a:tr h="560822">
+                    <a:tc>
+                      <a:txBody>
+                        <a:bodyPr/>
+                        <a:lstStyle/>
+                        <a:p>
+                          <a:pPr lvl="0">
+                            <a:buNone/>
+                          </a:pPr>
+                          <a:r>
+                            <a:rPr lang="en-US" sz="1800" b="1" i="0" u="none" strike="noStrike" noProof="0">
+                              <a:solidFill>
+                                <a:schemeClr val="tx1"/>
+                              </a:solidFill>
+                              <a:latin typeface="Tenorite"/>
+                            </a:rPr>
+                            <a:t>R3</a:t>
+                          </a:r>
+                          <a:endParaRPr lang="en-US"/>
+                        </a:p>
+                      </a:txBody>
+                      <a:tcPr anchor="ctr">
+                        <a:solidFill>
+                          <a:schemeClr val="accent1">
+                            <a:lumMod val="90000"/>
+                          </a:schemeClr>
+                        </a:solidFill>
+                      </a:tcPr>
+                    </a:tc>
+                    <a:tc>
+                      <a:txBody>
+                        <a:bodyPr/>
+                        <a:lstStyle/>
+                        <a:p>
+                          <a:r>
+                            <a:rPr lang="en-US"/>
+                            <a:t>Lagrangian multipliers</a:t>
+                          </a:r>
+                        </a:p>
+                      </a:txBody>
+                      <a:tcPr anchor="ctr">
+                        <a:solidFill>
+                          <a:schemeClr val="accent1"/>
+                        </a:solidFill>
+                      </a:tcPr>
+                    </a:tc>
+                    <a:tc>
+                      <a:txBody>
+                        <a:bodyPr/>
+                        <a:lstStyle/>
+                        <a:p>
+                          <a:pPr lvl="0">
+                            <a:buNone/>
+                          </a:pPr>
+                          <a14:m>
+                            <m:oMathPara xmlns:m="http://schemas.openxmlformats.org/officeDocument/2006/math">
+                              <m:oMathParaPr>
+                                <m:jc m:val="centerGroup"/>
+                              </m:oMathParaPr>
+                              <m:oMath xmlns:m="http://schemas.openxmlformats.org/officeDocument/2006/math">
+                                <m:sSup>
+                                  <m:sSupPr>
+                                    <m:ctrlPr>
+                                      <a:rPr lang="it-IT" b="0" i="1" smtClean="0">
+                                        <a:latin typeface="Cambria Math" panose="02040503050406030204" pitchFamily="18" charset="0"/>
+                                      </a:rPr>
+                                    </m:ctrlPr>
+                                  </m:sSupPr>
+                                  <m:e>
+                                    <m:r>
+                                      <a:rPr lang="it-IT" b="0" i="1" smtClean="0">
+                                        <a:latin typeface="Cambria Math" panose="02040503050406030204" pitchFamily="18" charset="0"/>
+                                      </a:rPr>
+                                      <m:t>𝑇</m:t>
+                                    </m:r>
+                                  </m:e>
+                                  <m:sup>
+                                    <m:f>
+                                      <m:fPr>
+                                        <m:ctrlPr>
+                                          <a:rPr lang="it-IT" b="0" i="1" smtClean="0">
+                                            <a:latin typeface="Cambria Math" panose="02040503050406030204" pitchFamily="18" charset="0"/>
+                                          </a:rPr>
+                                        </m:ctrlPr>
+                                      </m:fPr>
+                                      <m:num>
+                                        <m:r>
+                                          <a:rPr lang="it-IT" b="0" i="1" smtClean="0">
+                                            <a:latin typeface="Cambria Math" panose="02040503050406030204" pitchFamily="18" charset="0"/>
+                                          </a:rPr>
+                                          <m:t>2</m:t>
+                                        </m:r>
+                                      </m:num>
+                                      <m:den>
+                                        <m:r>
+                                          <a:rPr lang="it-IT" b="0" i="1" smtClean="0">
+                                            <a:latin typeface="Cambria Math" panose="02040503050406030204" pitchFamily="18" charset="0"/>
+                                          </a:rPr>
+                                          <m:t>3</m:t>
+                                        </m:r>
+                                      </m:den>
+                                    </m:f>
+                                  </m:sup>
+                                </m:sSup>
+                              </m:oMath>
+                            </m:oMathPara>
+                          </a14:m>
+                          <a:endParaRPr lang="en-US"/>
+                        </a:p>
+                      </a:txBody>
+                      <a:tcPr anchor="ctr">
+                        <a:solidFill>
+                          <a:schemeClr val="accent1"/>
+                        </a:solidFill>
+                      </a:tcPr>
+                    </a:tc>
+                    <a:tc>
+                      <a:txBody>
+                        <a:bodyPr/>
+                        <a:lstStyle/>
+                        <a:p>
+                          <a:pPr marL="0" marR="0" lvl="0" indent="0" algn="ctr" defTabSz="914400" rtl="0" eaLnBrk="1" fontAlgn="auto" latinLnBrk="0" hangingPunct="1">
+                            <a:lnSpc>
+                              <a:spcPct val="100000"/>
+                            </a:lnSpc>
+                            <a:spcBef>
+                              <a:spcPts val="0"/>
+                            </a:spcBef>
+                            <a:spcAft>
+                              <a:spcPts val="0"/>
+                            </a:spcAft>
+                            <a:buClrTx/>
+                            <a:buSzTx/>
+                            <a:buFontTx/>
+                            <a:buNone/>
+                            <a:tabLst/>
+                            <a:defRPr/>
+                          </a:pPr>
+                          <a14:m>
+                            <m:oMathPara xmlns:m="http://schemas.openxmlformats.org/officeDocument/2006/math">
+                              <m:oMathParaPr>
+                                <m:jc m:val="centerGroup"/>
+                              </m:oMathParaPr>
+                              <m:oMath xmlns:m="http://schemas.openxmlformats.org/officeDocument/2006/math">
+                                <m:r>
+                                  <a:rPr lang="it-IT" b="0" i="1" smtClean="0">
+                                    <a:latin typeface="Cambria Math" panose="02040503050406030204" pitchFamily="18" charset="0"/>
+                                  </a:rPr>
+                                  <m:t>2.2</m:t>
+                                </m:r>
+                              </m:oMath>
+                            </m:oMathPara>
+                          </a14:m>
+                          <a:endParaRPr lang="en-US"/>
+                        </a:p>
+                      </a:txBody>
+                      <a:tcPr anchor="ctr">
+                        <a:solidFill>
+                          <a:schemeClr val="accent1"/>
+                        </a:solidFill>
+                      </a:tcPr>
+                    </a:tc>
+                    <a:tc>
+                      <a:txBody>
+                        <a:bodyPr/>
+                        <a:lstStyle/>
+                        <a:p>
+                          <a:pPr marL="0" marR="0" lvl="0" indent="0" algn="ctr" defTabSz="914400" rtl="0" eaLnBrk="1" fontAlgn="auto" latinLnBrk="0" hangingPunct="1">
+                            <a:lnSpc>
+                              <a:spcPct val="100000"/>
+                            </a:lnSpc>
+                            <a:spcBef>
+                              <a:spcPts val="0"/>
+                            </a:spcBef>
+                            <a:spcAft>
+                              <a:spcPts val="0"/>
+                            </a:spcAft>
+                            <a:buClrTx/>
+                            <a:buSzTx/>
+                            <a:buFontTx/>
+                            <a:buNone/>
+                            <a:tabLst/>
+                            <a:defRPr/>
+                          </a:pPr>
+                          <a14:m>
+                            <m:oMathPara xmlns:m="http://schemas.openxmlformats.org/officeDocument/2006/math">
+                              <m:oMathParaPr>
+                                <m:jc m:val="centerGroup"/>
+                              </m:oMathParaPr>
+                              <m:oMath xmlns:m="http://schemas.openxmlformats.org/officeDocument/2006/math">
+                                <m:r>
+                                  <a:rPr lang="it-IT" b="0" i="1" smtClean="0">
+                                    <a:latin typeface="Cambria Math" panose="02040503050406030204" pitchFamily="18" charset="0"/>
+                                  </a:rPr>
+                                  <m:t>94 % − </m:t>
+                                </m:r>
+                                <m:r>
+                                  <a:rPr lang="it-IT" b="0" i="1" smtClean="0">
+                                    <a:latin typeface="Cambria Math" panose="02040503050406030204" pitchFamily="18" charset="0"/>
+                                    <a:ea typeface="Cambria Math" panose="02040503050406030204" pitchFamily="18" charset="0"/>
+                                  </a:rPr>
+                                  <m:t>~100%</m:t>
+                                </m:r>
+                              </m:oMath>
+                            </m:oMathPara>
+                          </a14:m>
+                          <a:endParaRPr lang="it-IT" b="0"/>
+                        </a:p>
+                      </a:txBody>
+                      <a:tcPr anchor="ctr">
+                        <a:solidFill>
+                          <a:schemeClr val="accent1"/>
+                        </a:solidFill>
+                      </a:tcPr>
+                    </a:tc>
+                    <a:extLst>
+                      <a:ext uri="{0D108BD9-81ED-4DB2-BD59-A6C34878D82A}">
+                        <a16:rowId xmlns:a16="http://schemas.microsoft.com/office/drawing/2014/main" val="865859312"/>
+                      </a:ext>
+                    </a:extLst>
+                  </a:tr>
+                  <a:tr h="601609">
+                    <a:tc>
+                      <a:txBody>
+                        <a:bodyPr/>
+                        <a:lstStyle/>
+                        <a:p>
+                          <a:pPr lvl="0">
+                            <a:buNone/>
+                          </a:pPr>
+                          <a:r>
+                            <a:rPr lang="en-US" sz="1800" b="1" i="0" u="none" strike="noStrike" noProof="0">
+                              <a:solidFill>
+                                <a:schemeClr val="tx1"/>
+                              </a:solidFill>
+                              <a:latin typeface="Tenorite"/>
+                            </a:rPr>
+                            <a:t>R4</a:t>
+                          </a:r>
+                          <a:endParaRPr lang="en-US"/>
+                        </a:p>
+                      </a:txBody>
+                      <a:tcPr anchor="ctr">
+                        <a:solidFill>
+                          <a:schemeClr val="accent1">
+                            <a:lumMod val="90000"/>
+                          </a:schemeClr>
+                        </a:solidFill>
+                      </a:tcPr>
+                    </a:tc>
+                    <a:tc>
+                      <a:txBody>
+                        <a:bodyPr/>
+                        <a:lstStyle/>
+                        <a:p>
+                          <a:pPr lvl="0">
+                            <a:buNone/>
+                          </a:pPr>
+                          <a:r>
+                            <a:rPr lang="en-US" sz="1800" b="0" i="0" u="none" strike="noStrike" noProof="0">
+                              <a:solidFill>
+                                <a:srgbClr val="000000"/>
+                              </a:solidFill>
+                              <a:latin typeface="Tenorite"/>
+                            </a:rPr>
+                            <a:t>Multiple </a:t>
+                          </a:r>
+                          <a:r>
+                            <a:rPr lang="en-US" sz="1800" b="0" i="0" u="none" strike="noStrike" noProof="0" err="1">
+                              <a:solidFill>
+                                <a:srgbClr val="000000"/>
+                              </a:solidFill>
+                              <a:latin typeface="Tenorite"/>
+                            </a:rPr>
+                            <a:t>Lagrangian</a:t>
+                          </a:r>
+                          <a:r>
+                            <a:rPr lang="en-US" sz="1800" b="0" i="0" u="none" strike="noStrike" noProof="0">
+                              <a:solidFill>
+                                <a:srgbClr val="000000"/>
+                              </a:solidFill>
+                              <a:latin typeface="Tenorite"/>
+                            </a:rPr>
+                            <a:t> multipliers</a:t>
+                          </a:r>
+                          <a:endParaRPr lang="en-US"/>
+                        </a:p>
+                      </a:txBody>
+                      <a:tcPr anchor="ctr">
+                        <a:solidFill>
+                          <a:schemeClr val="accent1"/>
+                        </a:solidFill>
+                      </a:tcPr>
+                    </a:tc>
+                    <a:tc>
+                      <a:txBody>
+                        <a:bodyPr/>
+                        <a:lstStyle/>
+                        <a:p>
+                          <a:pPr lvl="0">
+                            <a:buNone/>
+                          </a:pPr>
+                          <a14:m>
+                            <m:oMathPara xmlns:m="http://schemas.openxmlformats.org/officeDocument/2006/math">
+                              <m:oMathParaPr>
+                                <m:jc m:val="centerGroup"/>
+                              </m:oMathParaPr>
+                              <m:oMath xmlns:m="http://schemas.openxmlformats.org/officeDocument/2006/math">
+                                <m:sSup>
+                                  <m:sSupPr>
+                                    <m:ctrlPr>
+                                      <a:rPr lang="it-IT" b="0" i="1" smtClean="0">
+                                        <a:latin typeface="Cambria Math" panose="02040503050406030204" pitchFamily="18" charset="0"/>
+                                      </a:rPr>
+                                    </m:ctrlPr>
+                                  </m:sSupPr>
+                                  <m:e>
+                                    <m:r>
+                                      <a:rPr lang="it-IT" b="0" i="1" smtClean="0">
+                                        <a:latin typeface="Cambria Math" panose="02040503050406030204" pitchFamily="18" charset="0"/>
+                                      </a:rPr>
+                                      <m:t>𝑇</m:t>
+                                    </m:r>
+                                  </m:e>
+                                  <m:sup>
+                                    <m:f>
+                                      <m:fPr>
+                                        <m:ctrlPr>
+                                          <a:rPr lang="it-IT" b="0" i="1" smtClean="0">
+                                            <a:latin typeface="Cambria Math" panose="02040503050406030204" pitchFamily="18" charset="0"/>
+                                          </a:rPr>
+                                        </m:ctrlPr>
+                                      </m:fPr>
+                                      <m:num>
+                                        <m:r>
+                                          <a:rPr lang="it-IT" b="0" i="1" smtClean="0">
+                                            <a:latin typeface="Cambria Math" panose="02040503050406030204" pitchFamily="18" charset="0"/>
+                                          </a:rPr>
+                                          <m:t>2</m:t>
+                                        </m:r>
+                                      </m:num>
+                                      <m:den>
+                                        <m:r>
+                                          <a:rPr lang="it-IT" b="0" i="1" smtClean="0">
+                                            <a:latin typeface="Cambria Math" panose="02040503050406030204" pitchFamily="18" charset="0"/>
+                                          </a:rPr>
+                                          <m:t>3</m:t>
+                                        </m:r>
+                                      </m:den>
+                                    </m:f>
+                                  </m:sup>
+                                </m:sSup>
+                              </m:oMath>
+                            </m:oMathPara>
+                          </a14:m>
+                          <a:endParaRPr lang="en-US"/>
+                        </a:p>
+                      </a:txBody>
+                      <a:tcPr anchor="ctr">
+                        <a:solidFill>
+                          <a:schemeClr val="accent1"/>
+                        </a:solidFill>
+                      </a:tcPr>
+                    </a:tc>
+                    <a:tc>
+                      <a:txBody>
+                        <a:bodyPr/>
+                        <a:lstStyle/>
+                        <a:p>
+                          <a:pPr marL="0" marR="0" lvl="0" indent="0" algn="ctr" defTabSz="914400" rtl="0" eaLnBrk="1" fontAlgn="auto" latinLnBrk="0" hangingPunct="1">
+                            <a:lnSpc>
+                              <a:spcPct val="100000"/>
+                            </a:lnSpc>
+                            <a:spcBef>
+                              <a:spcPts val="0"/>
+                            </a:spcBef>
+                            <a:spcAft>
+                              <a:spcPts val="0"/>
+                            </a:spcAft>
+                            <a:buClrTx/>
+                            <a:buSzTx/>
+                            <a:buFontTx/>
+                            <a:buNone/>
+                            <a:tabLst/>
+                            <a:defRPr/>
+                          </a:pPr>
+                          <a14:m>
+                            <m:oMathPara xmlns:m="http://schemas.openxmlformats.org/officeDocument/2006/math">
+                              <m:oMathParaPr>
+                                <m:jc m:val="centerGroup"/>
+                              </m:oMathParaPr>
+                              <m:oMath xmlns:m="http://schemas.openxmlformats.org/officeDocument/2006/math">
+                                <m:r>
+                                  <a:rPr lang="it-IT" b="0" i="1" smtClean="0">
+                                    <a:latin typeface="Cambria Math" panose="02040503050406030204" pitchFamily="18" charset="0"/>
+                                  </a:rPr>
+                                  <m:t>10</m:t>
+                                </m:r>
+                              </m:oMath>
+                            </m:oMathPara>
+                          </a14:m>
+                          <a:endParaRPr lang="en-US"/>
+                        </a:p>
+                      </a:txBody>
+                      <a:tcPr anchor="ctr">
+                        <a:solidFill>
+                          <a:schemeClr val="accent1"/>
+                        </a:solidFill>
+                      </a:tcPr>
+                    </a:tc>
+                    <a:tc>
+                      <a:txBody>
+                        <a:bodyPr/>
+                        <a:lstStyle/>
+                        <a:p>
+                          <a:pPr marL="0" marR="0" lvl="0" indent="0" algn="ctr" defTabSz="914400" rtl="0" eaLnBrk="1" fontAlgn="auto" latinLnBrk="0" hangingPunct="1">
+                            <a:lnSpc>
+                              <a:spcPct val="100000"/>
+                            </a:lnSpc>
+                            <a:spcBef>
+                              <a:spcPts val="0"/>
+                            </a:spcBef>
+                            <a:spcAft>
+                              <a:spcPts val="0"/>
+                            </a:spcAft>
+                            <a:buClrTx/>
+                            <a:buSzTx/>
+                            <a:buFontTx/>
+                            <a:buNone/>
+                            <a:tabLst/>
+                            <a:defRPr/>
+                          </a:pPr>
+                          <a14:m>
+                            <m:oMathPara xmlns:m="http://schemas.openxmlformats.org/officeDocument/2006/math">
+                              <m:oMathParaPr>
+                                <m:jc m:val="centerGroup"/>
+                              </m:oMathParaPr>
+                              <m:oMath xmlns:m="http://schemas.openxmlformats.org/officeDocument/2006/math">
+                                <m:r>
+                                  <a:rPr lang="it-IT" b="0" i="1" smtClean="0">
+                                    <a:latin typeface="Cambria Math" panose="02040503050406030204" pitchFamily="18" charset="0"/>
+                                  </a:rPr>
+                                  <m:t>94 %</m:t>
+                                </m:r>
+                              </m:oMath>
+                            </m:oMathPara>
+                          </a14:m>
+                          <a:endParaRPr lang="it-IT" b="0"/>
+                        </a:p>
+                      </a:txBody>
+                      <a:tcPr anchor="ctr">
+                        <a:solidFill>
+                          <a:schemeClr val="accent1"/>
+                        </a:solidFill>
+                      </a:tcPr>
+                    </a:tc>
+                    <a:extLst>
+                      <a:ext uri="{0D108BD9-81ED-4DB2-BD59-A6C34878D82A}">
+                        <a16:rowId xmlns:a16="http://schemas.microsoft.com/office/drawing/2014/main" val="2264984768"/>
+                      </a:ext>
+                    </a:extLst>
+                  </a:tr>
+                  <a:tr h="601609">
+                    <a:tc>
+                      <a:txBody>
+                        <a:bodyPr/>
+                        <a:lstStyle/>
+                        <a:p>
+                          <a:r>
+                            <a:rPr lang="en-US">
+                              <a:solidFill>
+                                <a:schemeClr val="tx1"/>
+                              </a:solidFill>
+                            </a:rPr>
+                            <a:t>R5</a:t>
+                          </a:r>
+                        </a:p>
+                      </a:txBody>
+                      <a:tcPr anchor="ctr">
+                        <a:solidFill>
+                          <a:schemeClr val="accent1">
+                            <a:lumMod val="90000"/>
+                          </a:schemeClr>
+                        </a:solidFill>
+                      </a:tcPr>
+                    </a:tc>
+                    <a:tc>
+                      <a:txBody>
+                        <a:bodyPr/>
+                        <a:lstStyle/>
+                        <a:p>
+                          <a:r>
+                            <a:rPr lang="en-US"/>
+                            <a:t>SW </a:t>
+                          </a:r>
+                          <a:r>
+                            <a:rPr lang="en-US" sz="1800" b="0" i="0" u="none" strike="noStrike" noProof="0">
+                              <a:solidFill>
+                                <a:srgbClr val="000000"/>
+                              </a:solidFill>
+                              <a:latin typeface="Tenorite"/>
+                            </a:rPr>
+                            <a:t>Combinatorial UCB-like</a:t>
+                          </a:r>
+                          <a:endParaRPr lang="en-US"/>
+                        </a:p>
+                      </a:txBody>
+                      <a:tcPr anchor="ctr">
+                        <a:solidFill>
+                          <a:schemeClr val="accent1"/>
+                        </a:solidFill>
+                      </a:tcPr>
+                    </a:tc>
+                    <a:tc>
+                      <a:txBody>
+                        <a:bodyPr/>
+                        <a:lstStyle/>
+                        <a:p>
+                          <a:pPr lvl="0">
+                            <a:buNone/>
+                          </a:pPr>
+                          <a14:m>
+                            <m:oMathPara xmlns:m="http://schemas.openxmlformats.org/officeDocument/2006/math">
+                              <m:oMathParaPr>
+                                <m:jc m:val="centerGroup"/>
+                              </m:oMathParaPr>
+                              <m:oMath xmlns:m="http://schemas.openxmlformats.org/officeDocument/2006/math">
+                                <m:sSup>
+                                  <m:sSupPr>
+                                    <m:ctrlPr>
+                                      <a:rPr lang="it-IT" b="0" i="1" smtClean="0">
+                                        <a:latin typeface="Cambria Math" panose="02040503050406030204" pitchFamily="18" charset="0"/>
+                                      </a:rPr>
+                                    </m:ctrlPr>
+                                  </m:sSupPr>
+                                  <m:e>
+                                    <m:r>
+                                      <a:rPr lang="it-IT" b="0" i="1" smtClean="0">
+                                        <a:latin typeface="Cambria Math" panose="02040503050406030204" pitchFamily="18" charset="0"/>
+                                      </a:rPr>
+                                      <m:t>𝑇</m:t>
+                                    </m:r>
+                                  </m:e>
+                                  <m:sup>
+                                    <m:f>
+                                      <m:fPr>
+                                        <m:ctrlPr>
+                                          <a:rPr lang="it-IT" b="0" i="1" smtClean="0">
+                                            <a:latin typeface="Cambria Math" panose="02040503050406030204" pitchFamily="18" charset="0"/>
+                                          </a:rPr>
+                                        </m:ctrlPr>
+                                      </m:fPr>
+                                      <m:num>
+                                        <m:r>
+                                          <a:rPr lang="it-IT" b="0" i="1" smtClean="0">
+                                            <a:latin typeface="Cambria Math" panose="02040503050406030204" pitchFamily="18" charset="0"/>
+                                          </a:rPr>
+                                          <m:t>2</m:t>
+                                        </m:r>
+                                      </m:num>
+                                      <m:den>
+                                        <m:r>
+                                          <a:rPr lang="it-IT" b="0" i="1" smtClean="0">
+                                            <a:latin typeface="Cambria Math" panose="02040503050406030204" pitchFamily="18" charset="0"/>
+                                          </a:rPr>
+                                          <m:t>3</m:t>
+                                        </m:r>
+                                      </m:den>
+                                    </m:f>
+                                  </m:sup>
+                                </m:sSup>
+                              </m:oMath>
+                            </m:oMathPara>
+                          </a14:m>
+                          <a:endParaRPr lang="en-US"/>
+                        </a:p>
+                      </a:txBody>
+                      <a:tcPr>
+                        <a:solidFill>
+                          <a:schemeClr val="accent1"/>
+                        </a:solidFill>
+                      </a:tcPr>
+                    </a:tc>
+                    <a:tc>
+                      <a:txBody>
+                        <a:bodyPr/>
+                        <a:lstStyle/>
+                        <a:p>
+                          <a:pPr marL="0" marR="0" lvl="0" indent="0" algn="ctr" defTabSz="914400" rtl="0" eaLnBrk="1" fontAlgn="auto" latinLnBrk="0" hangingPunct="1">
+                            <a:lnSpc>
+                              <a:spcPct val="100000"/>
+                            </a:lnSpc>
+                            <a:spcBef>
+                              <a:spcPts val="0"/>
+                            </a:spcBef>
+                            <a:spcAft>
+                              <a:spcPts val="0"/>
+                            </a:spcAft>
+                            <a:buClrTx/>
+                            <a:buSzTx/>
+                            <a:buFontTx/>
+                            <a:buNone/>
+                            <a:tabLst/>
+                            <a:defRPr/>
+                          </a:pPr>
+                          <a14:m>
+                            <m:oMathPara xmlns:m="http://schemas.openxmlformats.org/officeDocument/2006/math">
+                              <m:oMathParaPr>
+                                <m:jc m:val="centerGroup"/>
+                              </m:oMathParaPr>
+                              <m:oMath xmlns:m="http://schemas.openxmlformats.org/officeDocument/2006/math">
+                                <m:r>
+                                  <a:rPr lang="it-IT" b="0" i="1" u="none" smtClean="0">
+                                    <a:latin typeface="Cambria Math" panose="02040503050406030204" pitchFamily="18" charset="0"/>
+                                  </a:rPr>
+                                  <m:t>2 −3.5</m:t>
+                                </m:r>
+                              </m:oMath>
+                            </m:oMathPara>
+                          </a14:m>
+                          <a:endParaRPr lang="en-US" u="none"/>
+                        </a:p>
+                      </a:txBody>
+                      <a:tcPr>
+                        <a:solidFill>
+                          <a:schemeClr val="accent1"/>
+                        </a:solidFill>
+                      </a:tcPr>
+                    </a:tc>
+                    <a:tc>
+                      <a:txBody>
+                        <a:bodyPr/>
+                        <a:lstStyle/>
+                        <a:p>
+                          <a:pPr marL="0" marR="0" lvl="0" indent="0" algn="ctr" defTabSz="914400" rtl="0" eaLnBrk="1" fontAlgn="auto" latinLnBrk="0" hangingPunct="1">
+                            <a:lnSpc>
+                              <a:spcPct val="100000"/>
+                            </a:lnSpc>
+                            <a:spcBef>
+                              <a:spcPts val="0"/>
+                            </a:spcBef>
+                            <a:spcAft>
+                              <a:spcPts val="0"/>
+                            </a:spcAft>
+                            <a:buClrTx/>
+                            <a:buSzTx/>
+                            <a:buFontTx/>
+                            <a:buNone/>
+                            <a:tabLst/>
+                            <a:defRPr/>
+                          </a:pPr>
+                          <a14:m>
+                            <m:oMathPara xmlns:m="http://schemas.openxmlformats.org/officeDocument/2006/math">
+                              <m:oMathParaPr>
+                                <m:jc m:val="centerGroup"/>
+                              </m:oMathParaPr>
+                              <m:oMath xmlns:m="http://schemas.openxmlformats.org/officeDocument/2006/math">
+                                <m:r>
+                                  <a:rPr lang="it-IT" b="0" i="1" smtClean="0">
+                                    <a:latin typeface="Cambria Math" panose="02040503050406030204" pitchFamily="18" charset="0"/>
+                                  </a:rPr>
+                                  <m:t>94 %</m:t>
+                                </m:r>
+                              </m:oMath>
+                            </m:oMathPara>
+                          </a14:m>
+                          <a:endParaRPr lang="it-IT" b="0"/>
+                        </a:p>
+                      </a:txBody>
+                      <a:tcPr anchor="ctr">
+                        <a:solidFill>
+                          <a:schemeClr val="accent1"/>
+                        </a:solidFill>
+                      </a:tcPr>
+                    </a:tc>
+                    <a:extLst>
+                      <a:ext uri="{0D108BD9-81ED-4DB2-BD59-A6C34878D82A}">
+                        <a16:rowId xmlns:a16="http://schemas.microsoft.com/office/drawing/2014/main" val="3938335535"/>
+                      </a:ext>
+                    </a:extLst>
+                  </a:tr>
+                </a:tbl>
+              </a:graphicData>
+            </a:graphic>
+          </p:graphicFrame>
+        </mc:Choice>
+        <mc:Fallback>
+          <p:graphicFrame>
+            <p:nvGraphicFramePr>
+              <p:cNvPr id="3" name="Table 2">
+                <a:extLst>
+                  <a:ext uri="{FF2B5EF4-FFF2-40B4-BE49-F238E27FC236}">
+                    <a16:creationId xmlns:a16="http://schemas.microsoft.com/office/drawing/2014/main" id="{9FA21B71-742D-19EF-3CD0-790B80352C69}"/>
+                  </a:ext>
+                </a:extLst>
+              </p:cNvPr>
+              <p:cNvGraphicFramePr>
+                <a:graphicFrameLocks noGrp="1"/>
+              </p:cNvGraphicFramePr>
+              <p:nvPr>
+                <p:extLst>
+                  <p:ext uri="{D42A27DB-BD31-4B8C-83A1-F6EECF244321}">
+                    <p14:modId xmlns:p14="http://schemas.microsoft.com/office/powerpoint/2010/main" val="2901562911"/>
+                  </p:ext>
+                </p:extLst>
+              </p:nvPr>
+            </p:nvGraphicFramePr>
+            <p:xfrm>
+              <a:off x="1132403" y="2091814"/>
+              <a:ext cx="9918911" cy="3390591"/>
+            </p:xfrm>
+            <a:graphic>
+              <a:graphicData uri="http://schemas.openxmlformats.org/drawingml/2006/table">
+                <a:tbl>
+                  <a:tblPr firstRow="1" firstCol="1" bandRow="1">
+                    <a:tableStyleId>{5C22544A-7EE6-4342-B048-85BDC9FD1C3A}</a:tableStyleId>
+                  </a:tblPr>
+                  <a:tblGrid>
+                    <a:gridCol w="983397">
+                      <a:extLst>
+                        <a:ext uri="{9D8B030D-6E8A-4147-A177-3AD203B41FA5}">
+                          <a16:colId xmlns:a16="http://schemas.microsoft.com/office/drawing/2014/main" val="270779252"/>
+                        </a:ext>
+                      </a:extLst>
+                    </a:gridCol>
+                    <a:gridCol w="3275379">
+                      <a:extLst>
+                        <a:ext uri="{9D8B030D-6E8A-4147-A177-3AD203B41FA5}">
+                          <a16:colId xmlns:a16="http://schemas.microsoft.com/office/drawing/2014/main" val="3602219936"/>
+                        </a:ext>
+                      </a:extLst>
+                    </a:gridCol>
+                    <a:gridCol w="1252728">
+                      <a:extLst>
+                        <a:ext uri="{9D8B030D-6E8A-4147-A177-3AD203B41FA5}">
+                          <a16:colId xmlns:a16="http://schemas.microsoft.com/office/drawing/2014/main" val="1738849379"/>
+                        </a:ext>
+                      </a:extLst>
+                    </a:gridCol>
+                    <a:gridCol w="1600200">
+                      <a:extLst>
+                        <a:ext uri="{9D8B030D-6E8A-4147-A177-3AD203B41FA5}">
+                          <a16:colId xmlns:a16="http://schemas.microsoft.com/office/drawing/2014/main" val="1969520834"/>
+                        </a:ext>
+                      </a:extLst>
+                    </a:gridCol>
+                    <a:gridCol w="2807207">
+                      <a:extLst>
+                        <a:ext uri="{9D8B030D-6E8A-4147-A177-3AD203B41FA5}">
+                          <a16:colId xmlns:a16="http://schemas.microsoft.com/office/drawing/2014/main" val="1137105713"/>
+                        </a:ext>
+                      </a:extLst>
+                    </a:gridCol>
+                  </a:tblGrid>
+                  <a:tr h="423333">
+                    <a:tc>
+                      <a:txBody>
+                        <a:bodyPr/>
+                        <a:lstStyle/>
+                        <a:p>
+                          <a:endParaRPr lang="en-US"/>
+                        </a:p>
+                      </a:txBody>
+                      <a:tcPr>
+                        <a:solidFill>
+                          <a:schemeClr val="accent1">
+                            <a:lumMod val="90000"/>
+                          </a:schemeClr>
+                        </a:solidFill>
+                      </a:tcPr>
+                    </a:tc>
+                    <a:tc>
+                      <a:txBody>
+                        <a:bodyPr/>
+                        <a:lstStyle/>
+                        <a:p>
+                          <a:pPr algn="l"/>
+                          <a:r>
+                            <a:rPr lang="en-US">
+                              <a:solidFill>
+                                <a:schemeClr val="tx1"/>
+                              </a:solidFill>
+                            </a:rPr>
+                            <a:t>Approaches</a:t>
+                          </a:r>
+                        </a:p>
+                      </a:txBody>
+                      <a:tcPr>
+                        <a:solidFill>
+                          <a:schemeClr val="accent1">
+                            <a:lumMod val="90000"/>
+                          </a:schemeClr>
+                        </a:solidFill>
+                      </a:tcPr>
+                    </a:tc>
+                    <a:tc>
+                      <a:txBody>
+                        <a:bodyPr/>
+                        <a:lstStyle/>
+                        <a:p>
+                          <a:pPr algn="ctr"/>
+                          <a:r>
+                            <a:rPr lang="en-US">
+                              <a:solidFill>
+                                <a:schemeClr val="tx1"/>
+                              </a:solidFill>
+                            </a:rPr>
+                            <a:t>Regret</a:t>
+                          </a:r>
+                        </a:p>
+                      </a:txBody>
+                      <a:tcPr>
+                        <a:solidFill>
+                          <a:schemeClr val="accent1">
+                            <a:lumMod val="90000"/>
+                          </a:schemeClr>
+                        </a:solidFill>
+                      </a:tcPr>
+                    </a:tc>
+                    <a:tc>
+                      <a:txBody>
+                        <a:bodyPr/>
+                        <a:lstStyle/>
+                        <a:p>
+                          <a:pPr lvl="0" algn="ctr">
+                            <a:buNone/>
+                          </a:pPr>
+                          <a:r>
+                            <a:rPr lang="en-US" err="1">
+                              <a:solidFill>
+                                <a:schemeClr val="tx1"/>
+                              </a:solidFill>
+                            </a:rPr>
+                            <a:t>Costant</a:t>
+                          </a:r>
+                          <a:endParaRPr lang="en-US">
+                            <a:solidFill>
+                              <a:schemeClr val="tx1"/>
+                            </a:solidFill>
+                          </a:endParaRPr>
+                        </a:p>
+                      </a:txBody>
+                      <a:tcPr>
+                        <a:solidFill>
+                          <a:schemeClr val="accent1">
+                            <a:lumMod val="90000"/>
+                          </a:schemeClr>
+                        </a:solidFill>
+                      </a:tcPr>
+                    </a:tc>
+                    <a:tc>
+                      <a:txBody>
+                        <a:bodyPr/>
+                        <a:lstStyle/>
+                        <a:p>
+                          <a:pPr algn="ctr"/>
+                          <a:r>
+                            <a:rPr lang="en-US">
+                              <a:solidFill>
+                                <a:schemeClr val="tx1"/>
+                              </a:solidFill>
+                            </a:rPr>
+                            <a:t>Budget depletion over T</a:t>
+                          </a:r>
+                        </a:p>
+                      </a:txBody>
+                      <a:tcPr>
+                        <a:solidFill>
+                          <a:schemeClr val="accent1">
+                            <a:lumMod val="90000"/>
+                          </a:schemeClr>
+                        </a:solidFill>
+                      </a:tcPr>
+                    </a:tc>
+                    <a:extLst>
+                      <a:ext uri="{0D108BD9-81ED-4DB2-BD59-A6C34878D82A}">
+                        <a16:rowId xmlns:a16="http://schemas.microsoft.com/office/drawing/2014/main" val="262027877"/>
+                      </a:ext>
+                    </a:extLst>
+                  </a:tr>
+                  <a:tr h="601609">
+                    <a:tc>
+                      <a:txBody>
+                        <a:bodyPr/>
+                        <a:lstStyle/>
+                        <a:p>
+                          <a:r>
+                            <a:rPr lang="en-US">
+                              <a:solidFill>
+                                <a:schemeClr val="tx1"/>
+                              </a:solidFill>
+                            </a:rPr>
+                            <a:t>R1</a:t>
+                          </a:r>
+                        </a:p>
+                      </a:txBody>
+                      <a:tcPr anchor="ctr">
+                        <a:solidFill>
+                          <a:schemeClr val="accent1">
+                            <a:lumMod val="90000"/>
+                          </a:schemeClr>
+                        </a:solidFill>
+                      </a:tcPr>
+                    </a:tc>
+                    <a:tc>
+                      <a:txBody>
+                        <a:bodyPr/>
+                        <a:lstStyle/>
+                        <a:p>
+                          <a:r>
+                            <a:rPr lang="en-US"/>
+                            <a:t>UCB-like</a:t>
+                          </a:r>
+                        </a:p>
+                      </a:txBody>
+                      <a:tcPr anchor="ctr">
+                        <a:solidFill>
+                          <a:schemeClr val="accent1"/>
+                        </a:solidFill>
+                      </a:tcPr>
+                    </a:tc>
+                    <a:tc>
+                      <a:txBody>
+                        <a:bodyPr/>
+                        <a:lstStyle/>
+                        <a:p>
+                          <a:endParaRPr lang="it-IT"/>
+                        </a:p>
+                      </a:txBody>
+                      <a:tcPr anchor="ctr">
+                        <a:blipFill>
+                          <a:blip r:embed="rId3"/>
+                          <a:stretch>
+                            <a:fillRect l="-339806" t="-76531" r="-353398" b="-398980"/>
+                          </a:stretch>
+                        </a:blipFill>
+                      </a:tcPr>
+                    </a:tc>
+                    <a:tc>
+                      <a:txBody>
+                        <a:bodyPr/>
+                        <a:lstStyle/>
+                        <a:p>
+                          <a:endParaRPr lang="it-IT"/>
+                        </a:p>
+                      </a:txBody>
+                      <a:tcPr anchor="ctr">
+                        <a:blipFill>
+                          <a:blip r:embed="rId3"/>
+                          <a:stretch>
+                            <a:fillRect l="-345802" t="-76531" r="-177863" b="-398980"/>
+                          </a:stretch>
+                        </a:blipFill>
+                      </a:tcPr>
+                    </a:tc>
+                    <a:tc>
+                      <a:txBody>
+                        <a:bodyPr/>
+                        <a:lstStyle/>
+                        <a:p>
+                          <a:endParaRPr lang="it-IT"/>
+                        </a:p>
+                      </a:txBody>
+                      <a:tcPr anchor="ctr">
+                        <a:blipFill>
+                          <a:blip r:embed="rId3"/>
+                          <a:stretch>
+                            <a:fillRect l="-253362" t="-76531" r="-1085" b="-398980"/>
+                          </a:stretch>
+                        </a:blipFill>
+                      </a:tcPr>
+                    </a:tc>
+                    <a:extLst>
+                      <a:ext uri="{0D108BD9-81ED-4DB2-BD59-A6C34878D82A}">
+                        <a16:rowId xmlns:a16="http://schemas.microsoft.com/office/drawing/2014/main" val="2749888768"/>
+                      </a:ext>
+                    </a:extLst>
+                  </a:tr>
+                  <a:tr h="601609">
+                    <a:tc>
+                      <a:txBody>
+                        <a:bodyPr/>
+                        <a:lstStyle/>
+                        <a:p>
+                          <a:pPr lvl="0">
+                            <a:buNone/>
+                          </a:pPr>
+                          <a:r>
+                            <a:rPr lang="en-US" sz="1800" b="1" i="0" u="none" strike="noStrike" noProof="0">
+                              <a:solidFill>
+                                <a:schemeClr val="tx1"/>
+                              </a:solidFill>
+                              <a:latin typeface="Tenorite"/>
+                            </a:rPr>
+                            <a:t>R2</a:t>
+                          </a:r>
+                          <a:endParaRPr lang="en-US"/>
+                        </a:p>
+                      </a:txBody>
+                      <a:tcPr anchor="ctr">
+                        <a:solidFill>
+                          <a:schemeClr val="accent1">
+                            <a:lumMod val="90000"/>
+                          </a:schemeClr>
+                        </a:solidFill>
+                      </a:tcPr>
+                    </a:tc>
+                    <a:tc>
+                      <a:txBody>
+                        <a:bodyPr/>
+                        <a:lstStyle/>
+                        <a:p>
+                          <a:pPr marL="0" indent="0">
+                            <a:buFont typeface="Wingdings" panose="05000000000000000000" pitchFamily="2" charset="2"/>
+                            <a:buNone/>
+                          </a:pPr>
+                          <a:r>
+                            <a:rPr lang="en-US"/>
+                            <a:t>Combinatorial UCB-like</a:t>
+                          </a:r>
+                        </a:p>
+                      </a:txBody>
+                      <a:tcPr anchor="ctr">
+                        <a:solidFill>
+                          <a:schemeClr val="accent1"/>
+                        </a:solidFill>
+                      </a:tcPr>
+                    </a:tc>
+                    <a:tc>
+                      <a:txBody>
+                        <a:bodyPr/>
+                        <a:lstStyle/>
+                        <a:p>
+                          <a:endParaRPr lang="it-IT"/>
+                        </a:p>
+                      </a:txBody>
+                      <a:tcPr anchor="ctr">
+                        <a:blipFill>
+                          <a:blip r:embed="rId3"/>
+                          <a:stretch>
+                            <a:fillRect l="-339806" t="-174747" r="-353398" b="-294949"/>
+                          </a:stretch>
+                        </a:blipFill>
+                      </a:tcPr>
+                    </a:tc>
+                    <a:tc>
+                      <a:txBody>
+                        <a:bodyPr/>
+                        <a:lstStyle/>
+                        <a:p>
+                          <a:endParaRPr lang="it-IT"/>
+                        </a:p>
+                      </a:txBody>
+                      <a:tcPr anchor="ctr">
+                        <a:blipFill>
+                          <a:blip r:embed="rId3"/>
+                          <a:stretch>
+                            <a:fillRect l="-345802" t="-174747" r="-177863" b="-294949"/>
+                          </a:stretch>
+                        </a:blipFill>
+                      </a:tcPr>
+                    </a:tc>
+                    <a:tc>
+                      <a:txBody>
+                        <a:bodyPr/>
+                        <a:lstStyle/>
+                        <a:p>
+                          <a:endParaRPr lang="it-IT"/>
+                        </a:p>
+                      </a:txBody>
+                      <a:tcPr anchor="ctr">
+                        <a:blipFill>
+                          <a:blip r:embed="rId3"/>
+                          <a:stretch>
+                            <a:fillRect l="-253362" t="-174747" r="-1085" b="-294949"/>
+                          </a:stretch>
+                        </a:blipFill>
+                      </a:tcPr>
+                    </a:tc>
+                    <a:extLst>
+                      <a:ext uri="{0D108BD9-81ED-4DB2-BD59-A6C34878D82A}">
+                        <a16:rowId xmlns:a16="http://schemas.microsoft.com/office/drawing/2014/main" val="2876563172"/>
+                      </a:ext>
+                    </a:extLst>
+                  </a:tr>
+                  <a:tr h="560822">
+                    <a:tc>
+                      <a:txBody>
+                        <a:bodyPr/>
+                        <a:lstStyle/>
+                        <a:p>
+                          <a:pPr lvl="0">
+                            <a:buNone/>
+                          </a:pPr>
+                          <a:r>
+                            <a:rPr lang="en-US" sz="1800" b="1" i="0" u="none" strike="noStrike" noProof="0">
+                              <a:solidFill>
+                                <a:schemeClr val="tx1"/>
+                              </a:solidFill>
+                              <a:latin typeface="Tenorite"/>
+                            </a:rPr>
+                            <a:t>R3</a:t>
+                          </a:r>
+                          <a:endParaRPr lang="en-US"/>
+                        </a:p>
+                      </a:txBody>
+                      <a:tcPr anchor="ctr">
+                        <a:solidFill>
+                          <a:schemeClr val="accent1">
+                            <a:lumMod val="90000"/>
+                          </a:schemeClr>
+                        </a:solidFill>
+                      </a:tcPr>
+                    </a:tc>
+                    <a:tc>
+                      <a:txBody>
+                        <a:bodyPr/>
+                        <a:lstStyle/>
+                        <a:p>
+                          <a:r>
+                            <a:rPr lang="en-US"/>
+                            <a:t>Lagrangian multipliers</a:t>
+                          </a:r>
+                        </a:p>
+                      </a:txBody>
+                      <a:tcPr anchor="ctr">
+                        <a:solidFill>
+                          <a:schemeClr val="accent1"/>
+                        </a:solidFill>
+                      </a:tcPr>
+                    </a:tc>
+                    <a:tc>
+                      <a:txBody>
+                        <a:bodyPr/>
+                        <a:lstStyle/>
+                        <a:p>
+                          <a:endParaRPr lang="it-IT"/>
+                        </a:p>
+                      </a:txBody>
+                      <a:tcPr anchor="ctr">
+                        <a:blipFill>
+                          <a:blip r:embed="rId3"/>
+                          <a:stretch>
+                            <a:fillRect l="-339806" t="-295652" r="-353398" b="-217391"/>
+                          </a:stretch>
+                        </a:blipFill>
+                      </a:tcPr>
+                    </a:tc>
+                    <a:tc>
+                      <a:txBody>
+                        <a:bodyPr/>
+                        <a:lstStyle/>
+                        <a:p>
+                          <a:endParaRPr lang="it-IT"/>
+                        </a:p>
+                      </a:txBody>
+                      <a:tcPr anchor="ctr">
+                        <a:blipFill>
+                          <a:blip r:embed="rId3"/>
+                          <a:stretch>
+                            <a:fillRect l="-345802" t="-295652" r="-177863" b="-217391"/>
+                          </a:stretch>
+                        </a:blipFill>
+                      </a:tcPr>
+                    </a:tc>
+                    <a:tc>
+                      <a:txBody>
+                        <a:bodyPr/>
+                        <a:lstStyle/>
+                        <a:p>
+                          <a:endParaRPr lang="it-IT"/>
+                        </a:p>
+                      </a:txBody>
+                      <a:tcPr anchor="ctr">
+                        <a:blipFill>
+                          <a:blip r:embed="rId3"/>
+                          <a:stretch>
+                            <a:fillRect l="-253362" t="-295652" r="-1085" b="-217391"/>
+                          </a:stretch>
+                        </a:blipFill>
+                      </a:tcPr>
+                    </a:tc>
+                    <a:extLst>
+                      <a:ext uri="{0D108BD9-81ED-4DB2-BD59-A6C34878D82A}">
+                        <a16:rowId xmlns:a16="http://schemas.microsoft.com/office/drawing/2014/main" val="865859312"/>
+                      </a:ext>
+                    </a:extLst>
+                  </a:tr>
+                  <a:tr h="601609">
+                    <a:tc>
+                      <a:txBody>
+                        <a:bodyPr/>
+                        <a:lstStyle/>
+                        <a:p>
+                          <a:pPr lvl="0">
+                            <a:buNone/>
+                          </a:pPr>
+                          <a:r>
+                            <a:rPr lang="en-US" sz="1800" b="1" i="0" u="none" strike="noStrike" noProof="0">
+                              <a:solidFill>
+                                <a:schemeClr val="tx1"/>
+                              </a:solidFill>
+                              <a:latin typeface="Tenorite"/>
+                            </a:rPr>
+                            <a:t>R4</a:t>
+                          </a:r>
+                          <a:endParaRPr lang="en-US"/>
+                        </a:p>
+                      </a:txBody>
+                      <a:tcPr anchor="ctr">
+                        <a:solidFill>
+                          <a:schemeClr val="accent1">
+                            <a:lumMod val="90000"/>
+                          </a:schemeClr>
+                        </a:solidFill>
+                      </a:tcPr>
+                    </a:tc>
+                    <a:tc>
+                      <a:txBody>
+                        <a:bodyPr/>
+                        <a:lstStyle/>
+                        <a:p>
+                          <a:pPr lvl="0">
+                            <a:buNone/>
+                          </a:pPr>
+                          <a:r>
+                            <a:rPr lang="en-US" sz="1800" b="0" i="0" u="none" strike="noStrike" noProof="0">
+                              <a:solidFill>
+                                <a:srgbClr val="000000"/>
+                              </a:solidFill>
+                              <a:latin typeface="Tenorite"/>
+                            </a:rPr>
+                            <a:t>Multiple </a:t>
+                          </a:r>
+                          <a:r>
+                            <a:rPr lang="en-US" sz="1800" b="0" i="0" u="none" strike="noStrike" noProof="0" err="1">
+                              <a:solidFill>
+                                <a:srgbClr val="000000"/>
+                              </a:solidFill>
+                              <a:latin typeface="Tenorite"/>
+                            </a:rPr>
+                            <a:t>Lagrangian</a:t>
+                          </a:r>
+                          <a:r>
+                            <a:rPr lang="en-US" sz="1800" b="0" i="0" u="none" strike="noStrike" noProof="0">
+                              <a:solidFill>
+                                <a:srgbClr val="000000"/>
+                              </a:solidFill>
+                              <a:latin typeface="Tenorite"/>
+                            </a:rPr>
+                            <a:t> multipliers</a:t>
+                          </a:r>
+                          <a:endParaRPr lang="en-US"/>
+                        </a:p>
+                      </a:txBody>
+                      <a:tcPr anchor="ctr">
+                        <a:solidFill>
+                          <a:schemeClr val="accent1"/>
+                        </a:solidFill>
+                      </a:tcPr>
+                    </a:tc>
+                    <a:tc>
+                      <a:txBody>
+                        <a:bodyPr/>
+                        <a:lstStyle/>
+                        <a:p>
+                          <a:endParaRPr lang="it-IT"/>
+                        </a:p>
+                      </a:txBody>
+                      <a:tcPr anchor="ctr">
+                        <a:blipFill>
+                          <a:blip r:embed="rId3"/>
+                          <a:stretch>
+                            <a:fillRect l="-339806" t="-367677" r="-353398" b="-102020"/>
+                          </a:stretch>
+                        </a:blipFill>
+                      </a:tcPr>
+                    </a:tc>
+                    <a:tc>
+                      <a:txBody>
+                        <a:bodyPr/>
+                        <a:lstStyle/>
+                        <a:p>
+                          <a:endParaRPr lang="it-IT"/>
+                        </a:p>
+                      </a:txBody>
+                      <a:tcPr anchor="ctr">
+                        <a:blipFill>
+                          <a:blip r:embed="rId3"/>
+                          <a:stretch>
+                            <a:fillRect l="-345802" t="-367677" r="-177863" b="-102020"/>
+                          </a:stretch>
+                        </a:blipFill>
+                      </a:tcPr>
+                    </a:tc>
+                    <a:tc>
+                      <a:txBody>
+                        <a:bodyPr/>
+                        <a:lstStyle/>
+                        <a:p>
+                          <a:endParaRPr lang="it-IT"/>
+                        </a:p>
+                      </a:txBody>
+                      <a:tcPr anchor="ctr">
+                        <a:blipFill>
+                          <a:blip r:embed="rId3"/>
+                          <a:stretch>
+                            <a:fillRect l="-253362" t="-367677" r="-1085" b="-102020"/>
+                          </a:stretch>
+                        </a:blipFill>
+                      </a:tcPr>
+                    </a:tc>
+                    <a:extLst>
+                      <a:ext uri="{0D108BD9-81ED-4DB2-BD59-A6C34878D82A}">
+                        <a16:rowId xmlns:a16="http://schemas.microsoft.com/office/drawing/2014/main" val="2264984768"/>
+                      </a:ext>
+                    </a:extLst>
+                  </a:tr>
+                  <a:tr h="601609">
+                    <a:tc>
+                      <a:txBody>
+                        <a:bodyPr/>
+                        <a:lstStyle/>
+                        <a:p>
+                          <a:r>
+                            <a:rPr lang="en-US">
+                              <a:solidFill>
+                                <a:schemeClr val="tx1"/>
+                              </a:solidFill>
+                            </a:rPr>
+                            <a:t>R5</a:t>
+                          </a:r>
+                        </a:p>
+                      </a:txBody>
+                      <a:tcPr anchor="ctr">
+                        <a:solidFill>
+                          <a:schemeClr val="accent1">
+                            <a:lumMod val="90000"/>
+                          </a:schemeClr>
+                        </a:solidFill>
+                      </a:tcPr>
+                    </a:tc>
+                    <a:tc>
+                      <a:txBody>
+                        <a:bodyPr/>
+                        <a:lstStyle/>
+                        <a:p>
+                          <a:r>
+                            <a:rPr lang="en-US"/>
+                            <a:t>SW </a:t>
+                          </a:r>
+                          <a:r>
+                            <a:rPr lang="en-US" sz="1800" b="0" i="0" u="none" strike="noStrike" noProof="0">
+                              <a:solidFill>
+                                <a:srgbClr val="000000"/>
+                              </a:solidFill>
+                              <a:latin typeface="Tenorite"/>
+                            </a:rPr>
+                            <a:t>Combinatorial UCB-like</a:t>
+                          </a:r>
+                          <a:endParaRPr lang="en-US"/>
+                        </a:p>
+                      </a:txBody>
+                      <a:tcPr anchor="ctr">
+                        <a:solidFill>
+                          <a:schemeClr val="accent1"/>
+                        </a:solidFill>
+                      </a:tcPr>
+                    </a:tc>
+                    <a:tc>
+                      <a:txBody>
+                        <a:bodyPr/>
+                        <a:lstStyle/>
+                        <a:p>
+                          <a:endParaRPr lang="it-IT"/>
+                        </a:p>
+                      </a:txBody>
+                      <a:tcPr>
+                        <a:blipFill>
+                          <a:blip r:embed="rId3"/>
+                          <a:stretch>
+                            <a:fillRect l="-339806" t="-467677" r="-353398" b="-2020"/>
+                          </a:stretch>
+                        </a:blipFill>
+                      </a:tcPr>
+                    </a:tc>
+                    <a:tc>
+                      <a:txBody>
+                        <a:bodyPr/>
+                        <a:lstStyle/>
+                        <a:p>
+                          <a:endParaRPr lang="it-IT"/>
+                        </a:p>
+                      </a:txBody>
+                      <a:tcPr>
+                        <a:blipFill>
+                          <a:blip r:embed="rId3"/>
+                          <a:stretch>
+                            <a:fillRect l="-345802" t="-467677" r="-177863" b="-2020"/>
+                          </a:stretch>
+                        </a:blipFill>
+                      </a:tcPr>
+                    </a:tc>
+                    <a:tc>
+                      <a:txBody>
+                        <a:bodyPr/>
+                        <a:lstStyle/>
+                        <a:p>
+                          <a:endParaRPr lang="it-IT"/>
+                        </a:p>
+                      </a:txBody>
+                      <a:tcPr anchor="ctr">
+                        <a:blipFill>
+                          <a:blip r:embed="rId3"/>
+                          <a:stretch>
+                            <a:fillRect l="-253362" t="-467677" r="-1085" b="-2020"/>
+                          </a:stretch>
+                        </a:blipFill>
+                      </a:tcPr>
+                    </a:tc>
+                    <a:extLst>
+                      <a:ext uri="{0D108BD9-81ED-4DB2-BD59-A6C34878D82A}">
+                        <a16:rowId xmlns:a16="http://schemas.microsoft.com/office/drawing/2014/main" val="3938335535"/>
+                      </a:ext>
+                    </a:extLst>
+                  </a:tr>
+                </a:tbl>
+              </a:graphicData>
+            </a:graphic>
+          </p:graphicFrame>
+        </mc:Fallback>
+      </mc:AlternateContent>
+    </p:spTree>
+    <p:extLst>
+      <p:ext uri="{BB962C8B-B14F-4D97-AF65-F5344CB8AC3E}">
+        <p14:creationId xmlns:p14="http://schemas.microsoft.com/office/powerpoint/2010/main" val="2944992489"/>
       </p:ext>
     </p:extLst>
   </p:cSld>
@@ -38968,7 +42090,7 @@
         </p:nvSpPr>
         <p:spPr>
           <a:xfrm>
-            <a:off x="838200" y="6356350"/>
+            <a:off x="838200" y="6429502"/>
             <a:ext cx="2743200" cy="365125"/>
           </a:xfrm>
         </p:spPr>
@@ -38976,11 +42098,14 @@
           <a:bodyPr rtlCol="0"/>
           <a:lstStyle/>
           <a:p>
+            <a:r>
+              <a:rPr lang="it-IT"/>
+              <a:t>Online Learning Application Project 2025</a:t>
+            </a:r>
+          </a:p>
+          <a:p>
             <a:pPr rtl="0"/>
-            <a:r>
-              <a:rPr lang="it-IT"/>
-              <a:t>20XX</a:t>
-            </a:r>
+            <a:endParaRPr lang="it-IT"/>
           </a:p>
         </p:txBody>
       </p:sp>
@@ -39010,11 +42135,11 @@
           <a:bodyPr rtlCol="0"/>
           <a:lstStyle/>
           <a:p>
-            <a:pPr rtl="0"/>
             <a:r>
               <a:rPr lang="it-IT"/>
-              <a:t>Presentazione</a:t>
-            </a:r>
+              <a:t>Presentation</a:t>
+            </a:r>
+            <a:endParaRPr lang="en-US"/>
           </a:p>
         </p:txBody>
       </p:sp>
@@ -39272,7 +42397,7 @@
         </p:nvSpPr>
         <p:spPr>
           <a:xfrm>
-            <a:off x="838200" y="6356350"/>
+            <a:off x="838200" y="6406735"/>
             <a:ext cx="2743200" cy="365125"/>
           </a:xfrm>
         </p:spPr>
@@ -39280,11 +42405,14 @@
           <a:bodyPr rtlCol="0"/>
           <a:lstStyle/>
           <a:p>
+            <a:r>
+              <a:rPr lang="it-IT"/>
+              <a:t>Online Learning Application Project 2025</a:t>
+            </a:r>
+          </a:p>
+          <a:p>
             <a:pPr rtl="0"/>
-            <a:r>
-              <a:rPr lang="it-IT"/>
-              <a:t>20XX</a:t>
-            </a:r>
+            <a:endParaRPr lang="it-IT"/>
           </a:p>
         </p:txBody>
       </p:sp>
@@ -39314,11 +42442,11 @@
           <a:bodyPr rtlCol="0"/>
           <a:lstStyle/>
           <a:p>
-            <a:pPr rtl="0"/>
             <a:r>
               <a:rPr lang="it-IT"/>
-              <a:t>Presentazione</a:t>
-            </a:r>
+              <a:t>Presentation</a:t>
+            </a:r>
+            <a:endParaRPr lang="en-US"/>
           </a:p>
         </p:txBody>
       </p:sp>
@@ -39358,8 +42486,8 @@
           </a:p>
         </p:txBody>
       </p:sp>
-      <mc:AlternateContent xmlns:mc="http://schemas.openxmlformats.org/markup-compatibility/2006" xmlns:a14="http://schemas.microsoft.com/office/drawing/2010/main">
-        <mc:Choice Requires="a14">
+      <mc:AlternateContent xmlns:mc="http://schemas.openxmlformats.org/markup-compatibility/2006">
+        <mc:Choice xmlns:a14="http://schemas.microsoft.com/office/drawing/2010/main" Requires="a14">
           <p:sp>
             <p:nvSpPr>
               <p:cNvPr id="22" name="CasellaDiTesto 21">
@@ -39491,7 +42619,7 @@
             </p:txBody>
           </p:sp>
         </mc:Choice>
-        <mc:Fallback xmlns="">
+        <mc:Fallback>
           <p:sp>
             <p:nvSpPr>
               <p:cNvPr id="22" name="CasellaDiTesto 21">
@@ -39517,7 +42645,7 @@
               <a:blipFill>
                 <a:blip r:embed="rId3"/>
                 <a:stretch>
-                  <a:fillRect l="-3425" t="-11628" b="-32558"/>
+                  <a:fillRect l="-3425" t="-12791" r="-171" b="-31395"/>
                 </a:stretch>
               </a:blipFill>
             </p:spPr>
@@ -39526,7 +42654,7 @@
               <a:lstStyle/>
               <a:p>
                 <a:r>
-                  <a:rPr lang="en-US">
+                  <a:rPr lang="it-IT">
                     <a:noFill/>
                   </a:rPr>
                   <a:t> </a:t>
@@ -39992,7 +43120,7 @@
         </p:nvSpPr>
         <p:spPr>
           <a:xfrm>
-            <a:off x="838200" y="6356350"/>
+            <a:off x="856488" y="6438646"/>
             <a:ext cx="2743200" cy="365125"/>
           </a:xfrm>
         </p:spPr>
@@ -40000,11 +43128,14 @@
           <a:bodyPr rtlCol="0"/>
           <a:lstStyle/>
           <a:p>
+            <a:r>
+              <a:rPr lang="it-IT"/>
+              <a:t>Online Learning Application Project 2025</a:t>
+            </a:r>
+          </a:p>
+          <a:p>
             <a:pPr rtl="0"/>
-            <a:r>
-              <a:rPr lang="it-IT"/>
-              <a:t>20XX</a:t>
-            </a:r>
+            <a:endParaRPr lang="it-IT"/>
           </a:p>
         </p:txBody>
       </p:sp>
@@ -40034,11 +43165,11 @@
           <a:bodyPr rtlCol="0"/>
           <a:lstStyle/>
           <a:p>
-            <a:pPr rtl="0"/>
             <a:r>
               <a:rPr lang="it-IT"/>
-              <a:t>Presentazione</a:t>
-            </a:r>
+              <a:t>Presentation</a:t>
+            </a:r>
+            <a:endParaRPr lang="en-US"/>
           </a:p>
         </p:txBody>
       </p:sp>
@@ -40165,8 +43296,8 @@
         </p:nvSpPr>
         <p:spPr>
           <a:xfrm>
-            <a:off x="2044574" y="2595717"/>
-            <a:ext cx="8643091" cy="2554545"/>
+            <a:off x="2002241" y="2595717"/>
+            <a:ext cx="7902258" cy="2554545"/>
           </a:xfrm>
           <a:prstGeom prst="rect">
             <a:avLst/>
@@ -40174,7 +43305,7 @@
           <a:noFill/>
         </p:spPr>
         <p:txBody>
-          <a:bodyPr wrap="square" rtlCol="0">
+          <a:bodyPr wrap="square" lIns="91440" tIns="45720" rIns="91440" bIns="45720" rtlCol="0" anchor="t">
             <a:spAutoFit/>
           </a:bodyPr>
           <a:lstStyle/>
@@ -40230,16 +43361,20 @@
               <a:buChar char="§"/>
             </a:pPr>
             <a:r>
+              <a:rPr lang="it-IT" sz="2000" b="1"/>
+              <a:t>Time </a:t>
+            </a:r>
+            <a:r>
+              <a:rPr lang="it-IT" sz="2000" b="1" err="1"/>
+              <a:t>horizon</a:t>
+            </a:r>
+            <a:r>
+              <a:rPr lang="it-IT" sz="2000" b="1"/>
+              <a:t> </a:t>
+            </a:r>
+            <a:r>
               <a:rPr lang="it-IT" sz="2000"/>
-              <a:t>Time </a:t>
-            </a:r>
-            <a:r>
-              <a:rPr lang="it-IT" sz="2000" err="1"/>
-              <a:t>horizon</a:t>
-            </a:r>
-            <a:r>
-              <a:rPr lang="it-IT" sz="2000"/>
-              <a:t>: T = 10000</a:t>
+              <a:t>T = 10000</a:t>
             </a:r>
           </a:p>
           <a:p>
@@ -40248,8 +43383,12 @@
               <a:buChar char="§"/>
             </a:pPr>
             <a:r>
+              <a:rPr lang="it-IT" sz="2000" b="1"/>
+              <a:t>Price set P</a:t>
+            </a:r>
+            <a:r>
               <a:rPr lang="it-IT" sz="2000"/>
-              <a:t>Price set P on the </a:t>
+              <a:t> on the </a:t>
             </a:r>
             <a:r>
               <a:rPr lang="it-IT" sz="2000" err="1"/>
@@ -40266,20 +43405,32 @@
               <a:buChar char="§"/>
             </a:pPr>
             <a:r>
-              <a:rPr lang="it-IT" sz="2000" err="1"/>
+              <a:rPr lang="it-IT" sz="2000" b="1" err="1"/>
               <a:t>Gaussian</a:t>
             </a:r>
             <a:r>
+              <a:rPr lang="it-IT" sz="2000" b="1"/>
+              <a:t> </a:t>
+            </a:r>
+            <a:r>
+              <a:rPr lang="it-IT" sz="2000" b="1" err="1"/>
+              <a:t>distribution</a:t>
+            </a:r>
+            <a:r>
+              <a:rPr lang="it-IT" sz="2000" b="1"/>
+              <a:t> </a:t>
+            </a:r>
+            <a:r>
+              <a:rPr lang="it-IT" sz="2000" b="1" i="1"/>
+              <a:t>N</a:t>
+            </a:r>
+            <a:r>
+              <a:rPr lang="it-IT" sz="2000" b="1"/>
+              <a:t>(0.5, 1.0)</a:t>
+            </a:r>
+            <a:r>
               <a:rPr lang="it-IT" sz="2000"/>
-              <a:t> </a:t>
-            </a:r>
-            <a:r>
-              <a:rPr lang="it-IT" sz="2000" err="1"/>
-              <a:t>distribution</a:t>
-            </a:r>
-            <a:r>
-              <a:rPr lang="it-IT" sz="2000"/>
-              <a:t> [0.5, 1.0] for the buyer </a:t>
+              <a:t> for the buyer </a:t>
             </a:r>
             <a:r>
               <a:rPr lang="it-IT" sz="2000" err="1"/>
@@ -40404,7 +43555,7 @@
         </p:nvSpPr>
         <p:spPr>
           <a:xfrm>
-            <a:off x="838200" y="6356350"/>
+            <a:off x="810768" y="6420358"/>
             <a:ext cx="2743200" cy="365125"/>
           </a:xfrm>
         </p:spPr>
@@ -40412,11 +43563,14 @@
           <a:bodyPr rtlCol="0"/>
           <a:lstStyle/>
           <a:p>
+            <a:r>
+              <a:rPr lang="it-IT"/>
+              <a:t>Online Learning Application Project 2025</a:t>
+            </a:r>
+          </a:p>
+          <a:p>
             <a:pPr rtl="0"/>
-            <a:r>
-              <a:rPr lang="it-IT"/>
-              <a:t>20XX</a:t>
-            </a:r>
+            <a:endParaRPr lang="it-IT"/>
           </a:p>
         </p:txBody>
       </p:sp>
@@ -40446,11 +43600,11 @@
           <a:bodyPr rtlCol="0"/>
           <a:lstStyle/>
           <a:p>
-            <a:pPr rtl="0"/>
             <a:r>
               <a:rPr lang="it-IT"/>
-              <a:t>Presentazione</a:t>
-            </a:r>
+              <a:t>Presentation</a:t>
+            </a:r>
+            <a:endParaRPr lang="en-US"/>
           </a:p>
         </p:txBody>
       </p:sp>
@@ -41399,6 +44553,25 @@
 </file>
 
 <file path=customXml/item1.xml><?xml version="1.0" encoding="utf-8"?>
+<p:properties xmlns:p="http://schemas.microsoft.com/office/2006/metadata/properties" xmlns:xsi="http://www.w3.org/2001/XMLSchema-instance" xmlns:pc="http://schemas.microsoft.com/office/infopath/2007/PartnerControls">
+  <documentManagement>
+    <_ip_UnifiedCompliancePolicyUIAction xmlns="http://schemas.microsoft.com/sharepoint/v3" xsi:nil="true"/>
+    <Image xmlns="71af3243-3dd4-4a8d-8c0d-dd76da1f02a5">
+      <Url xsi:nil="true"/>
+      <Description xsi:nil="true"/>
+    </Image>
+    <Status xmlns="71af3243-3dd4-4a8d-8c0d-dd76da1f02a5">Not started</Status>
+    <_ip_UnifiedCompliancePolicyProperties xmlns="http://schemas.microsoft.com/sharepoint/v3" xsi:nil="true"/>
+    <ImageTagsTaxHTField xmlns="71af3243-3dd4-4a8d-8c0d-dd76da1f02a5">
+      <Terms xmlns="http://schemas.microsoft.com/office/infopath/2007/PartnerControls"/>
+    </ImageTagsTaxHTField>
+    <TaxCatchAll xmlns="230e9df3-be65-4c73-a93b-d1236ebd677e"/>
+    <MediaServiceKeyPoints xmlns="71af3243-3dd4-4a8d-8c0d-dd76da1f02a5" xsi:nil="true"/>
+  </documentManagement>
+</p:properties>
+</file>
+
+<file path=customXml/item2.xml><?xml version="1.0" encoding="utf-8"?>
 <?mso-contentType ?>
 <FormTemplates xmlns="http://schemas.microsoft.com/sharepoint/v3/contenttype/forms">
   <Display>DocumentLibraryForm</Display>
@@ -41407,7 +44580,7 @@
 </FormTemplates>
 </file>
 
-<file path=customXml/item2.xml><?xml version="1.0" encoding="utf-8"?>
+<file path=customXml/item3.xml><?xml version="1.0" encoding="utf-8"?>
 <ct:contentTypeSchema xmlns:ct="http://schemas.microsoft.com/office/2006/metadata/contentType" xmlns:ma="http://schemas.microsoft.com/office/2006/metadata/properties/metaAttributes" ct:_="" ma:_="" ma:contentTypeName="Document" ma:contentTypeID="0x01010079F111ED35F8CC479449609E8A0923A6" ma:contentTypeVersion="20" ma:contentTypeDescription="Create a new document." ma:contentTypeScope="" ma:versionID="1267097ee5f5874adfcc408041ae252e">
   <xsd:schema xmlns:xsd="http://www.w3.org/2001/XMLSchema" xmlns:xs="http://www.w3.org/2001/XMLSchema" xmlns:p="http://schemas.microsoft.com/office/2006/metadata/properties" xmlns:ns1="http://schemas.microsoft.com/sharepoint/v3" xmlns:ns2="71af3243-3dd4-4a8d-8c0d-dd76da1f02a5" xmlns:ns3="16c05727-aa75-4e4a-9b5f-8a80a1165891" xmlns:ns4="230e9df3-be65-4c73-a93b-d1236ebd677e" targetNamespace="http://schemas.microsoft.com/office/2006/metadata/properties" ma:root="true" ma:fieldsID="395891a93df65b14727750f2c06c306c" ns1:_="" ns2:_="" ns3:_="" ns4:_="">
     <xsd:import namespace="http://schemas.microsoft.com/sharepoint/v3"/>
@@ -41683,26 +44856,26 @@
 </ct:contentTypeSchema>
 </file>
 
-<file path=customXml/item3.xml><?xml version="1.0" encoding="utf-8"?>
-<p:properties xmlns:p="http://schemas.microsoft.com/office/2006/metadata/properties" xmlns:xsi="http://www.w3.org/2001/XMLSchema-instance" xmlns:pc="http://schemas.microsoft.com/office/infopath/2007/PartnerControls">
-  <documentManagement>
-    <_ip_UnifiedCompliancePolicyUIAction xmlns="http://schemas.microsoft.com/sharepoint/v3" xsi:nil="true"/>
-    <Image xmlns="71af3243-3dd4-4a8d-8c0d-dd76da1f02a5">
-      <Url xsi:nil="true"/>
-      <Description xsi:nil="true"/>
-    </Image>
-    <Status xmlns="71af3243-3dd4-4a8d-8c0d-dd76da1f02a5">Not started</Status>
-    <_ip_UnifiedCompliancePolicyProperties xmlns="http://schemas.microsoft.com/sharepoint/v3" xsi:nil="true"/>
-    <ImageTagsTaxHTField xmlns="71af3243-3dd4-4a8d-8c0d-dd76da1f02a5">
-      <Terms xmlns="http://schemas.microsoft.com/office/infopath/2007/PartnerControls"/>
-    </ImageTagsTaxHTField>
-    <TaxCatchAll xmlns="230e9df3-be65-4c73-a93b-d1236ebd677e"/>
-    <MediaServiceKeyPoints xmlns="71af3243-3dd4-4a8d-8c0d-dd76da1f02a5" xsi:nil="true"/>
-  </documentManagement>
-</p:properties>
+<file path=customXml/itemProps1.xml><?xml version="1.0" encoding="utf-8"?>
+<ds:datastoreItem xmlns:ds="http://schemas.openxmlformats.org/officeDocument/2006/customXml" ds:itemID="{7F97B18F-50BC-4F30-8373-93489E845F83}">
+  <ds:schemaRefs>
+    <ds:schemaRef ds:uri="16c05727-aa75-4e4a-9b5f-8a80a1165891"/>
+    <ds:schemaRef ds:uri="230e9df3-be65-4c73-a93b-d1236ebd677e"/>
+    <ds:schemaRef ds:uri="71af3243-3dd4-4a8d-8c0d-dd76da1f02a5"/>
+    <ds:schemaRef ds:uri="http://purl.org/dc/dcmitype/"/>
+    <ds:schemaRef ds:uri="http://purl.org/dc/elements/1.1/"/>
+    <ds:schemaRef ds:uri="http://purl.org/dc/terms/"/>
+    <ds:schemaRef ds:uri="http://schemas.microsoft.com/office/2006/documentManagement/types"/>
+    <ds:schemaRef ds:uri="http://schemas.microsoft.com/office/2006/metadata/properties"/>
+    <ds:schemaRef ds:uri="http://schemas.microsoft.com/office/infopath/2007/PartnerControls"/>
+    <ds:schemaRef ds:uri="http://schemas.microsoft.com/sharepoint/v3"/>
+    <ds:schemaRef ds:uri="http://schemas.openxmlformats.org/package/2006/metadata/core-properties"/>
+    <ds:schemaRef ds:uri="http://www.w3.org/XML/1998/namespace"/>
+  </ds:schemaRefs>
+</ds:datastoreItem>
 </file>
 
-<file path=customXml/itemProps1.xml><?xml version="1.0" encoding="utf-8"?>
+<file path=customXml/itemProps2.xml><?xml version="1.0" encoding="utf-8"?>
 <ds:datastoreItem xmlns:ds="http://schemas.openxmlformats.org/officeDocument/2006/customXml" ds:itemID="{42BC90D6-94CF-42F7-AAC4-9CF6824C54D5}">
   <ds:schemaRefs>
     <ds:schemaRef ds:uri="http://schemas.microsoft.com/sharepoint/v3/contenttype/forms"/>
@@ -41710,7 +44883,7 @@
 </ds:datastoreItem>
 </file>
 
-<file path=customXml/itemProps2.xml><?xml version="1.0" encoding="utf-8"?>
+<file path=customXml/itemProps3.xml><?xml version="1.0" encoding="utf-8"?>
 <ds:datastoreItem xmlns:ds="http://schemas.openxmlformats.org/officeDocument/2006/customXml" ds:itemID="{64CF2EF3-001F-4BE9-81B3-86ECBBF9425F}">
   <ds:schemaRefs>
     <ds:schemaRef ds:uri="16c05727-aa75-4e4a-9b5f-8a80a1165891"/>
@@ -41731,25 +44904,6 @@
 </ds:datastoreItem>
 </file>
 
-<file path=customXml/itemProps3.xml><?xml version="1.0" encoding="utf-8"?>
-<ds:datastoreItem xmlns:ds="http://schemas.openxmlformats.org/officeDocument/2006/customXml" ds:itemID="{7F97B18F-50BC-4F30-8373-93489E845F83}">
-  <ds:schemaRefs>
-    <ds:schemaRef ds:uri="http://purl.org/dc/elements/1.1/"/>
-    <ds:schemaRef ds:uri="http://schemas.microsoft.com/sharepoint/v3"/>
-    <ds:schemaRef ds:uri="http://purl.org/dc/dcmitype/"/>
-    <ds:schemaRef ds:uri="http://schemas.microsoft.com/office/2006/metadata/properties"/>
-    <ds:schemaRef ds:uri="http://schemas.microsoft.com/office/infopath/2007/PartnerControls"/>
-    <ds:schemaRef ds:uri="71af3243-3dd4-4a8d-8c0d-dd76da1f02a5"/>
-    <ds:schemaRef ds:uri="16c05727-aa75-4e4a-9b5f-8a80a1165891"/>
-    <ds:schemaRef ds:uri="http://schemas.openxmlformats.org/package/2006/metadata/core-properties"/>
-    <ds:schemaRef ds:uri="http://schemas.microsoft.com/office/2006/documentManagement/types"/>
-    <ds:schemaRef ds:uri="230e9df3-be65-4c73-a93b-d1236ebd677e"/>
-    <ds:schemaRef ds:uri="http://www.w3.org/XML/1998/namespace"/>
-    <ds:schemaRef ds:uri="http://purl.org/dc/terms/"/>
-  </ds:schemaRefs>
-</ds:datastoreItem>
-</file>
-
 <file path=docMetadata/LabelInfo.xml><?xml version="1.0" encoding="utf-8"?>
 <clbl:labelList xmlns:clbl="http://schemas.microsoft.com/office/2020/mipLabelMetadata">
   <clbl:label id="{f42aa342-8706-4288-bd11-ebb85995028c}" enabled="1" method="Standard" siteId="{72f988bf-86f1-41af-91ab-2d7cd011db47}" removed="0"/>

--- a/OLA_Project.pptx
+++ b/OLA_Project.pptx
@@ -192,7 +192,7 @@
   <p1510:revLst>
     <p1510:client id="{5C65A5AA-4BC0-E493-C805-239506D2B51C}" v="121" vWet="123" dt="2025-09-04T17:49:10.867"/>
     <p1510:client id="{6EC01C96-3287-7B8A-DE09-8549FEFB5489}" v="24" dt="2025-09-04T16:47:07.136"/>
-    <p1510:client id="{F1FF9F70-2AD1-40A3-A380-12A4D4235414}" v="3094" dt="2025-09-04T17:53:22.231"/>
+    <p1510:client id="{F1FF9F70-2AD1-40A3-A380-12A4D4235414}" v="3095" dt="2025-09-05T08:52:12.649"/>
     <p1510:client id="{FCD33007-1F49-F418-7839-38426B593C34}" v="1102" dt="2025-09-04T17:23:06.976"/>
   </p1510:revLst>
 </p1510:revInfo>
@@ -294,7 +294,7 @@
             <a:pPr rtl="0"/>
             <a:fld id="{DBC54730-5EBA-4920-A6C4-7F8458A7F940}" type="datetime1">
               <a:rPr lang="it-IT" smtClean="0"/>
-              <a:t>04/09/2025</a:t>
+              <a:t>05/09/2025</a:t>
             </a:fld>
             <a:endParaRPr lang="it-IT"/>
           </a:p>
@@ -476,7 +476,7 @@
             <a:fld id="{85EC1C34-318D-43A8-83F5-3AC8647FE75E}" type="datetime1">
               <a:rPr lang="it-IT" smtClean="0"/>
               <a:pPr/>
-              <a:t>04/09/2025</a:t>
+              <a:t>05/09/2025</a:t>
             </a:fld>
             <a:endParaRPr lang="it-IT"/>
           </a:p>
@@ -26136,8 +26136,8 @@
         </p:blipFill>
         <p:spPr>
           <a:xfrm>
-            <a:off x="7897668" y="2392324"/>
-            <a:ext cx="3378631" cy="2617250"/>
+            <a:off x="7672274" y="1527716"/>
+            <a:ext cx="3504945" cy="2715099"/>
           </a:xfrm>
           <a:prstGeom prst="rect">
             <a:avLst/>
@@ -26160,8 +26160,8 @@
             </p:nvSpPr>
             <p:spPr>
               <a:xfrm>
-                <a:off x="7748906" y="5293577"/>
-                <a:ext cx="3301999" cy="646331"/>
+                <a:off x="7672274" y="4488905"/>
+                <a:ext cx="3301999" cy="923330"/>
               </a:xfrm>
               <a:prstGeom prst="rect">
                 <a:avLst/>
@@ -26184,29 +26184,68 @@
                       <m:jc m:val="centerGroup"/>
                     </m:oMathParaPr>
                     <m:oMath xmlns:m="http://schemas.openxmlformats.org/officeDocument/2006/math">
-                      <m:r>
-                        <a:rPr lang="en-US" i="1" dirty="0" smtClean="0">
-                          <a:latin typeface="Cambria Math" panose="02040503050406030204" pitchFamily="18" charset="0"/>
-                        </a:rPr>
-                        <m:t>|</m:t>
-                      </m:r>
+                      <m:eqArr>
+                        <m:eqArrPr>
+                          <m:ctrlPr>
+                            <a:rPr lang="en-US" i="1" dirty="0" smtClean="0">
+                              <a:latin typeface="Cambria Math" panose="02040503050406030204" pitchFamily="18" charset="0"/>
+                            </a:rPr>
+                          </m:ctrlPr>
+                        </m:eqArrPr>
+                        <m:e>
+                          <m:d>
+                            <m:dPr>
+                              <m:begChr m:val="|"/>
+                              <m:endChr m:val="|"/>
+                              <m:ctrlPr>
+                                <a:rPr lang="en-US" i="1" dirty="0" smtClean="0">
+                                  <a:latin typeface="Cambria Math" panose="02040503050406030204" pitchFamily="18" charset="0"/>
+                                </a:rPr>
+                              </m:ctrlPr>
+                            </m:dPr>
+                            <m:e>
+                              <m:r>
+                                <a:rPr lang="en-US" i="1" dirty="0">
+                                  <a:latin typeface="Cambria Math" panose="02040503050406030204" pitchFamily="18" charset="0"/>
+                                </a:rPr>
+                                <m:t>𝑌</m:t>
+                              </m:r>
+                            </m:e>
+                          </m:d>
+                          <m:r>
+                            <a:rPr lang="en-US" i="1" dirty="0">
+                              <a:latin typeface="Cambria Math" panose="02040503050406030204" pitchFamily="18" charset="0"/>
+                            </a:rPr>
+                            <m:t>=</m:t>
+                          </m:r>
+                          <m:r>
+                            <a:rPr lang="en-US" i="1" dirty="0">
+                              <a:latin typeface="Cambria Math" panose="02040503050406030204" pitchFamily="18" charset="0"/>
+                            </a:rPr>
+                            <m:t>𝑝𝑟𝑜𝑑𝑢𝑐𝑡𝑠</m:t>
+                          </m:r>
+                        </m:e>
+                      </m:eqArr>
+                    </m:oMath>
+                  </m:oMathPara>
+                </a14:m>
+                <a:endParaRPr lang="it-IT" i="1" dirty="0">
+                  <a:latin typeface="Cambria Math" panose="02040503050406030204" pitchFamily="18" charset="0"/>
+                </a:endParaRPr>
+              </a:p>
+              <a:p>
+                <a:pPr/>
+                <a14:m>
+                  <m:oMathPara xmlns:m="http://schemas.openxmlformats.org/officeDocument/2006/math">
+                    <m:oMathParaPr>
+                      <m:jc m:val="centerGroup"/>
+                    </m:oMathParaPr>
+                    <m:oMath xmlns:m="http://schemas.openxmlformats.org/officeDocument/2006/math">
                       <m:r>
                         <a:rPr lang="en-US" i="1" dirty="0">
                           <a:latin typeface="Cambria Math" panose="02040503050406030204" pitchFamily="18" charset="0"/>
                         </a:rPr>
-                        <m:t>𝑌</m:t>
-                      </m:r>
-                      <m:r>
-                        <a:rPr lang="en-US" i="1" dirty="0">
-                          <a:latin typeface="Cambria Math" panose="02040503050406030204" pitchFamily="18" charset="0"/>
-                        </a:rPr>
-                        <m:t>| = #</m:t>
-                      </m:r>
-                      <m:r>
-                        <a:rPr lang="en-US" i="1" dirty="0">
-                          <a:latin typeface="Cambria Math" panose="02040503050406030204" pitchFamily="18" charset="0"/>
-                        </a:rPr>
-                        <m:t>𝑝𝑟𝑜𝑑𝑢𝑐𝑡𝑠𝐾</m:t>
+                        <m:t>𝐾</m:t>
                       </m:r>
                       <m:r>
                         <a:rPr lang="en-US" i="1" dirty="0" smtClean="0">
@@ -26223,10 +26262,10 @@
                     </m:oMath>
                   </m:oMathPara>
                 </a14:m>
-                <a:endParaRPr/>
+                <a:endParaRPr dirty="0"/>
               </a:p>
               <a:p>
-                <a:endParaRPr/>
+                <a:endParaRPr dirty="0"/>
               </a:p>
             </p:txBody>
           </p:sp>
@@ -26248,8 +26287,8 @@
             </p:nvSpPr>
             <p:spPr>
               <a:xfrm>
-                <a:off x="7748906" y="5293577"/>
-                <a:ext cx="3301999" cy="646331"/>
+                <a:off x="7672274" y="4488905"/>
+                <a:ext cx="3301999" cy="923330"/>
               </a:xfrm>
               <a:prstGeom prst="rect">
                 <a:avLst/>
@@ -26257,7 +26296,7 @@
               <a:blipFill>
                 <a:blip r:embed="rId4"/>
                 <a:stretch>
-                  <a:fillRect l="-185" r="-185"/>
+                  <a:fillRect/>
                 </a:stretch>
               </a:blipFill>
             </p:spPr>
@@ -26276,36 +26315,6 @@
           </p:sp>
         </mc:Fallback>
       </mc:AlternateContent>
-      <p:pic>
-        <p:nvPicPr>
-          <p:cNvPr id="13" name="Immagine 12">
-            <a:extLst>
-              <a:ext uri="{FF2B5EF4-FFF2-40B4-BE49-F238E27FC236}">
-                <a16:creationId xmlns:a16="http://schemas.microsoft.com/office/drawing/2014/main" id="{080F46EA-9C50-BDBB-61AF-F2B2AAC4DAA0}"/>
-              </a:ext>
-            </a:extLst>
-          </p:cNvPr>
-          <p:cNvPicPr>
-            <a:picLocks noChangeAspect="1"/>
-          </p:cNvPicPr>
-          <p:nvPr/>
-        </p:nvPicPr>
-        <p:blipFill>
-          <a:blip r:embed="rId5"/>
-          <a:stretch>
-            <a:fillRect/>
-          </a:stretch>
-        </p:blipFill>
-        <p:spPr>
-          <a:xfrm>
-            <a:off x="7930736" y="329163"/>
-            <a:ext cx="2598592" cy="1901727"/>
-          </a:xfrm>
-          <a:prstGeom prst="rect">
-            <a:avLst/>
-          </a:prstGeom>
-        </p:spPr>
-      </p:pic>
     </p:spTree>
     <p:extLst>
       <p:ext uri="{BB962C8B-B14F-4D97-AF65-F5344CB8AC3E}">
@@ -28928,8 +28937,8 @@
           </a:prstGeom>
         </p:spPr>
       </p:pic>
-      <mc:AlternateContent xmlns:mc="http://schemas.openxmlformats.org/markup-compatibility/2006">
-        <mc:Choice xmlns:a14="http://schemas.microsoft.com/office/drawing/2010/main" Requires="a14">
+      <mc:AlternateContent xmlns:mc="http://schemas.openxmlformats.org/markup-compatibility/2006" xmlns:a14="http://schemas.microsoft.com/office/drawing/2010/main">
+        <mc:Choice Requires="a14">
           <p:sp>
             <p:nvSpPr>
               <p:cNvPr id="6" name="CasellaDiTesto 5">
@@ -28989,7 +28998,7 @@
             </p:txBody>
           </p:sp>
         </mc:Choice>
-        <mc:Fallback>
+        <mc:Fallback xmlns="">
           <p:sp>
             <p:nvSpPr>
               <p:cNvPr id="6" name="CasellaDiTesto 5">
@@ -29024,7 +29033,7 @@
               <a:lstStyle/>
               <a:p>
                 <a:r>
-                  <a:rPr lang="it-IT">
+                  <a:rPr lang="en-US">
                     <a:noFill/>
                   </a:rPr>
                   <a:t> </a:t>
@@ -37924,8 +37933,8 @@
           </a:p>
         </p:txBody>
       </p:sp>
-      <mc:AlternateContent xmlns:mc="http://schemas.openxmlformats.org/markup-compatibility/2006">
-        <mc:Choice xmlns:a14="http://schemas.microsoft.com/office/drawing/2010/main" Requires="a14">
+      <mc:AlternateContent xmlns:mc="http://schemas.openxmlformats.org/markup-compatibility/2006" xmlns:a14="http://schemas.microsoft.com/office/drawing/2010/main">
+        <mc:Choice Requires="a14">
           <p:sp>
             <p:nvSpPr>
               <p:cNvPr id="24" name="CasellaDiTesto 23">
@@ -38196,7 +38205,7 @@
             </p:txBody>
           </p:sp>
         </mc:Choice>
-        <mc:Fallback>
+        <mc:Fallback xmlns="">
           <p:sp>
             <p:nvSpPr>
               <p:cNvPr id="24" name="CasellaDiTesto 23">
@@ -38231,7 +38240,7 @@
               <a:lstStyle/>
               <a:p>
                 <a:r>
-                  <a:rPr lang="it-IT">
+                  <a:rPr lang="en-US">
                     <a:noFill/>
                   </a:rPr>
                   <a:t> </a:t>
@@ -39586,8 +39595,8 @@
           </a:p>
         </p:txBody>
       </p:sp>
-      <mc:AlternateContent xmlns:mc="http://schemas.openxmlformats.org/markup-compatibility/2006">
-        <mc:Choice xmlns:a14="http://schemas.microsoft.com/office/drawing/2010/main" Requires="a14">
+      <mc:AlternateContent xmlns:mc="http://schemas.openxmlformats.org/markup-compatibility/2006" xmlns:a14="http://schemas.microsoft.com/office/drawing/2010/main">
+        <mc:Choice Requires="a14">
           <p:graphicFrame>
             <p:nvGraphicFramePr>
               <p:cNvPr id="3" name="Table 2">
@@ -40846,7 +40855,7 @@
             </a:graphic>
           </p:graphicFrame>
         </mc:Choice>
-        <mc:Fallback>
+        <mc:Fallback xmlns="">
           <p:graphicFrame>
             <p:nvGraphicFramePr>
               <p:cNvPr id="3" name="Table 2">
@@ -41086,7 +41095,7 @@
                         <a:bodyPr/>
                         <a:lstStyle/>
                         <a:p>
-                          <a:endParaRPr lang="it-IT"/>
+                          <a:endParaRPr lang="en-US"/>
                         </a:p>
                       </a:txBody>
                       <a:tcPr anchor="ctr">
@@ -41103,7 +41112,7 @@
                         <a:bodyPr/>
                         <a:lstStyle/>
                         <a:p>
-                          <a:endParaRPr lang="it-IT"/>
+                          <a:endParaRPr lang="en-US"/>
                         </a:p>
                       </a:txBody>
                       <a:tcPr anchor="ctr">
@@ -41120,7 +41129,7 @@
                         <a:bodyPr/>
                         <a:lstStyle/>
                         <a:p>
-                          <a:endParaRPr lang="it-IT"/>
+                          <a:endParaRPr lang="en-US"/>
                         </a:p>
                       </a:txBody>
                       <a:tcPr anchor="ctr">
@@ -41193,7 +41202,7 @@
                         <a:bodyPr/>
                         <a:lstStyle/>
                         <a:p>
-                          <a:endParaRPr lang="it-IT"/>
+                          <a:endParaRPr lang="en-US"/>
                         </a:p>
                       </a:txBody>
                       <a:tcPr anchor="ctr">
@@ -41210,7 +41219,7 @@
                         <a:bodyPr/>
                         <a:lstStyle/>
                         <a:p>
-                          <a:endParaRPr lang="it-IT"/>
+                          <a:endParaRPr lang="en-US"/>
                         </a:p>
                       </a:txBody>
                       <a:tcPr anchor="ctr">
@@ -41227,7 +41236,7 @@
                         <a:bodyPr/>
                         <a:lstStyle/>
                         <a:p>
-                          <a:endParaRPr lang="it-IT"/>
+                          <a:endParaRPr lang="en-US"/>
                         </a:p>
                       </a:txBody>
                       <a:tcPr anchor="ctr">
@@ -41296,7 +41305,7 @@
                         <a:bodyPr/>
                         <a:lstStyle/>
                         <a:p>
-                          <a:endParaRPr lang="it-IT"/>
+                          <a:endParaRPr lang="en-US"/>
                         </a:p>
                       </a:txBody>
                       <a:tcPr anchor="ctr">
@@ -41313,7 +41322,7 @@
                         <a:bodyPr/>
                         <a:lstStyle/>
                         <a:p>
-                          <a:endParaRPr lang="it-IT"/>
+                          <a:endParaRPr lang="en-US"/>
                         </a:p>
                       </a:txBody>
                       <a:tcPr anchor="ctr">
@@ -41330,7 +41339,7 @@
                         <a:bodyPr/>
                         <a:lstStyle/>
                         <a:p>
-                          <a:endParaRPr lang="it-IT"/>
+                          <a:endParaRPr lang="en-US"/>
                         </a:p>
                       </a:txBody>
                       <a:tcPr anchor="ctr">
@@ -41426,7 +41435,7 @@
                         <a:bodyPr/>
                         <a:lstStyle/>
                         <a:p>
-                          <a:endParaRPr lang="it-IT"/>
+                          <a:endParaRPr lang="en-US"/>
                         </a:p>
                       </a:txBody>
                       <a:tcPr anchor="ctr">
@@ -41443,7 +41452,7 @@
                         <a:bodyPr/>
                         <a:lstStyle/>
                         <a:p>
-                          <a:endParaRPr lang="it-IT"/>
+                          <a:endParaRPr lang="en-US"/>
                         </a:p>
                       </a:txBody>
                       <a:tcPr anchor="ctr">
@@ -41460,7 +41469,7 @@
                         <a:bodyPr/>
                         <a:lstStyle/>
                         <a:p>
-                          <a:endParaRPr lang="it-IT"/>
+                          <a:endParaRPr lang="en-US"/>
                         </a:p>
                       </a:txBody>
                       <a:tcPr anchor="ctr">
@@ -41534,7 +41543,7 @@
                         <a:bodyPr/>
                         <a:lstStyle/>
                         <a:p>
-                          <a:endParaRPr lang="it-IT"/>
+                          <a:endParaRPr lang="en-US"/>
                         </a:p>
                       </a:txBody>
                       <a:tcPr>
@@ -41551,7 +41560,7 @@
                         <a:bodyPr/>
                         <a:lstStyle/>
                         <a:p>
-                          <a:endParaRPr lang="it-IT"/>
+                          <a:endParaRPr lang="en-US"/>
                         </a:p>
                       </a:txBody>
                       <a:tcPr>
@@ -41568,7 +41577,7 @@
                         <a:bodyPr/>
                         <a:lstStyle/>
                         <a:p>
-                          <a:endParaRPr lang="it-IT"/>
+                          <a:endParaRPr lang="en-US"/>
                         </a:p>
                       </a:txBody>
                       <a:tcPr anchor="ctr">
@@ -42486,8 +42495,8 @@
           </a:p>
         </p:txBody>
       </p:sp>
-      <mc:AlternateContent xmlns:mc="http://schemas.openxmlformats.org/markup-compatibility/2006">
-        <mc:Choice xmlns:a14="http://schemas.microsoft.com/office/drawing/2010/main" Requires="a14">
+      <mc:AlternateContent xmlns:mc="http://schemas.openxmlformats.org/markup-compatibility/2006" xmlns:a14="http://schemas.microsoft.com/office/drawing/2010/main">
+        <mc:Choice Requires="a14">
           <p:sp>
             <p:nvSpPr>
               <p:cNvPr id="22" name="CasellaDiTesto 21">
@@ -42619,7 +42628,7 @@
             </p:txBody>
           </p:sp>
         </mc:Choice>
-        <mc:Fallback>
+        <mc:Fallback xmlns="">
           <p:sp>
             <p:nvSpPr>
               <p:cNvPr id="22" name="CasellaDiTesto 21">
@@ -42645,7 +42654,7 @@
               <a:blipFill>
                 <a:blip r:embed="rId3"/>
                 <a:stretch>
-                  <a:fillRect l="-3425" t="-12791" r="-171" b="-31395"/>
+                  <a:fillRect l="-3425" t="-11628" b="-32558"/>
                 </a:stretch>
               </a:blipFill>
             </p:spPr>
@@ -42654,7 +42663,7 @@
               <a:lstStyle/>
               <a:p>
                 <a:r>
-                  <a:rPr lang="it-IT">
+                  <a:rPr lang="en-US">
                     <a:noFill/>
                   </a:rPr>
                   <a:t> </a:t>
@@ -44553,25 +44562,6 @@
 </file>
 
 <file path=customXml/item1.xml><?xml version="1.0" encoding="utf-8"?>
-<p:properties xmlns:p="http://schemas.microsoft.com/office/2006/metadata/properties" xmlns:xsi="http://www.w3.org/2001/XMLSchema-instance" xmlns:pc="http://schemas.microsoft.com/office/infopath/2007/PartnerControls">
-  <documentManagement>
-    <_ip_UnifiedCompliancePolicyUIAction xmlns="http://schemas.microsoft.com/sharepoint/v3" xsi:nil="true"/>
-    <Image xmlns="71af3243-3dd4-4a8d-8c0d-dd76da1f02a5">
-      <Url xsi:nil="true"/>
-      <Description xsi:nil="true"/>
-    </Image>
-    <Status xmlns="71af3243-3dd4-4a8d-8c0d-dd76da1f02a5">Not started</Status>
-    <_ip_UnifiedCompliancePolicyProperties xmlns="http://schemas.microsoft.com/sharepoint/v3" xsi:nil="true"/>
-    <ImageTagsTaxHTField xmlns="71af3243-3dd4-4a8d-8c0d-dd76da1f02a5">
-      <Terms xmlns="http://schemas.microsoft.com/office/infopath/2007/PartnerControls"/>
-    </ImageTagsTaxHTField>
-    <TaxCatchAll xmlns="230e9df3-be65-4c73-a93b-d1236ebd677e"/>
-    <MediaServiceKeyPoints xmlns="71af3243-3dd4-4a8d-8c0d-dd76da1f02a5" xsi:nil="true"/>
-  </documentManagement>
-</p:properties>
-</file>
-
-<file path=customXml/item2.xml><?xml version="1.0" encoding="utf-8"?>
 <?mso-contentType ?>
 <FormTemplates xmlns="http://schemas.microsoft.com/sharepoint/v3/contenttype/forms">
   <Display>DocumentLibraryForm</Display>
@@ -44580,7 +44570,7 @@
 </FormTemplates>
 </file>
 
-<file path=customXml/item3.xml><?xml version="1.0" encoding="utf-8"?>
+<file path=customXml/item2.xml><?xml version="1.0" encoding="utf-8"?>
 <ct:contentTypeSchema xmlns:ct="http://schemas.microsoft.com/office/2006/metadata/contentType" xmlns:ma="http://schemas.microsoft.com/office/2006/metadata/properties/metaAttributes" ct:_="" ma:_="" ma:contentTypeName="Document" ma:contentTypeID="0x01010079F111ED35F8CC479449609E8A0923A6" ma:contentTypeVersion="20" ma:contentTypeDescription="Create a new document." ma:contentTypeScope="" ma:versionID="1267097ee5f5874adfcc408041ae252e">
   <xsd:schema xmlns:xsd="http://www.w3.org/2001/XMLSchema" xmlns:xs="http://www.w3.org/2001/XMLSchema" xmlns:p="http://schemas.microsoft.com/office/2006/metadata/properties" xmlns:ns1="http://schemas.microsoft.com/sharepoint/v3" xmlns:ns2="71af3243-3dd4-4a8d-8c0d-dd76da1f02a5" xmlns:ns3="16c05727-aa75-4e4a-9b5f-8a80a1165891" xmlns:ns4="230e9df3-be65-4c73-a93b-d1236ebd677e" targetNamespace="http://schemas.microsoft.com/office/2006/metadata/properties" ma:root="true" ma:fieldsID="395891a93df65b14727750f2c06c306c" ns1:_="" ns2:_="" ns3:_="" ns4:_="">
     <xsd:import namespace="http://schemas.microsoft.com/sharepoint/v3"/>
@@ -44856,26 +44846,26 @@
 </ct:contentTypeSchema>
 </file>
 
-<file path=customXml/itemProps1.xml><?xml version="1.0" encoding="utf-8"?>
-<ds:datastoreItem xmlns:ds="http://schemas.openxmlformats.org/officeDocument/2006/customXml" ds:itemID="{7F97B18F-50BC-4F30-8373-93489E845F83}">
-  <ds:schemaRefs>
-    <ds:schemaRef ds:uri="16c05727-aa75-4e4a-9b5f-8a80a1165891"/>
-    <ds:schemaRef ds:uri="230e9df3-be65-4c73-a93b-d1236ebd677e"/>
-    <ds:schemaRef ds:uri="71af3243-3dd4-4a8d-8c0d-dd76da1f02a5"/>
-    <ds:schemaRef ds:uri="http://purl.org/dc/dcmitype/"/>
-    <ds:schemaRef ds:uri="http://purl.org/dc/elements/1.1/"/>
-    <ds:schemaRef ds:uri="http://purl.org/dc/terms/"/>
-    <ds:schemaRef ds:uri="http://schemas.microsoft.com/office/2006/documentManagement/types"/>
-    <ds:schemaRef ds:uri="http://schemas.microsoft.com/office/2006/metadata/properties"/>
-    <ds:schemaRef ds:uri="http://schemas.microsoft.com/office/infopath/2007/PartnerControls"/>
-    <ds:schemaRef ds:uri="http://schemas.microsoft.com/sharepoint/v3"/>
-    <ds:schemaRef ds:uri="http://schemas.openxmlformats.org/package/2006/metadata/core-properties"/>
-    <ds:schemaRef ds:uri="http://www.w3.org/XML/1998/namespace"/>
-  </ds:schemaRefs>
-</ds:datastoreItem>
+<file path=customXml/item3.xml><?xml version="1.0" encoding="utf-8"?>
+<p:properties xmlns:p="http://schemas.microsoft.com/office/2006/metadata/properties" xmlns:xsi="http://www.w3.org/2001/XMLSchema-instance" xmlns:pc="http://schemas.microsoft.com/office/infopath/2007/PartnerControls">
+  <documentManagement>
+    <_ip_UnifiedCompliancePolicyUIAction xmlns="http://schemas.microsoft.com/sharepoint/v3" xsi:nil="true"/>
+    <Image xmlns="71af3243-3dd4-4a8d-8c0d-dd76da1f02a5">
+      <Url xsi:nil="true"/>
+      <Description xsi:nil="true"/>
+    </Image>
+    <Status xmlns="71af3243-3dd4-4a8d-8c0d-dd76da1f02a5">Not started</Status>
+    <_ip_UnifiedCompliancePolicyProperties xmlns="http://schemas.microsoft.com/sharepoint/v3" xsi:nil="true"/>
+    <ImageTagsTaxHTField xmlns="71af3243-3dd4-4a8d-8c0d-dd76da1f02a5">
+      <Terms xmlns="http://schemas.microsoft.com/office/infopath/2007/PartnerControls"/>
+    </ImageTagsTaxHTField>
+    <TaxCatchAll xmlns="230e9df3-be65-4c73-a93b-d1236ebd677e"/>
+    <MediaServiceKeyPoints xmlns="71af3243-3dd4-4a8d-8c0d-dd76da1f02a5" xsi:nil="true"/>
+  </documentManagement>
+</p:properties>
 </file>
 
-<file path=customXml/itemProps2.xml><?xml version="1.0" encoding="utf-8"?>
+<file path=customXml/itemProps1.xml><?xml version="1.0" encoding="utf-8"?>
 <ds:datastoreItem xmlns:ds="http://schemas.openxmlformats.org/officeDocument/2006/customXml" ds:itemID="{42BC90D6-94CF-42F7-AAC4-9CF6824C54D5}">
   <ds:schemaRefs>
     <ds:schemaRef ds:uri="http://schemas.microsoft.com/sharepoint/v3/contenttype/forms"/>
@@ -44883,7 +44873,7 @@
 </ds:datastoreItem>
 </file>
 
-<file path=customXml/itemProps3.xml><?xml version="1.0" encoding="utf-8"?>
+<file path=customXml/itemProps2.xml><?xml version="1.0" encoding="utf-8"?>
 <ds:datastoreItem xmlns:ds="http://schemas.openxmlformats.org/officeDocument/2006/customXml" ds:itemID="{64CF2EF3-001F-4BE9-81B3-86ECBBF9425F}">
   <ds:schemaRefs>
     <ds:schemaRef ds:uri="16c05727-aa75-4e4a-9b5f-8a80a1165891"/>
@@ -44904,6 +44894,25 @@
 </ds:datastoreItem>
 </file>
 
+<file path=customXml/itemProps3.xml><?xml version="1.0" encoding="utf-8"?>
+<ds:datastoreItem xmlns:ds="http://schemas.openxmlformats.org/officeDocument/2006/customXml" ds:itemID="{7F97B18F-50BC-4F30-8373-93489E845F83}">
+  <ds:schemaRefs>
+    <ds:schemaRef ds:uri="16c05727-aa75-4e4a-9b5f-8a80a1165891"/>
+    <ds:schemaRef ds:uri="http://purl.org/dc/elements/1.1/"/>
+    <ds:schemaRef ds:uri="http://schemas.microsoft.com/office/2006/documentManagement/types"/>
+    <ds:schemaRef ds:uri="http://purl.org/dc/dcmitype/"/>
+    <ds:schemaRef ds:uri="http://schemas.microsoft.com/office/2006/metadata/properties"/>
+    <ds:schemaRef ds:uri="http://schemas.microsoft.com/office/infopath/2007/PartnerControls"/>
+    <ds:schemaRef ds:uri="http://schemas.openxmlformats.org/package/2006/metadata/core-properties"/>
+    <ds:schemaRef ds:uri="http://www.w3.org/XML/1998/namespace"/>
+    <ds:schemaRef ds:uri="230e9df3-be65-4c73-a93b-d1236ebd677e"/>
+    <ds:schemaRef ds:uri="71af3243-3dd4-4a8d-8c0d-dd76da1f02a5"/>
+    <ds:schemaRef ds:uri="http://schemas.microsoft.com/sharepoint/v3"/>
+    <ds:schemaRef ds:uri="http://purl.org/dc/terms/"/>
+  </ds:schemaRefs>
+</ds:datastoreItem>
+</file>
+
 <file path=docMetadata/LabelInfo.xml><?xml version="1.0" encoding="utf-8"?>
 <clbl:labelList xmlns:clbl="http://schemas.microsoft.com/office/2020/mipLabelMetadata">
   <clbl:label id="{f42aa342-8706-4288-bd11-ebb85995028c}" enabled="1" method="Standard" siteId="{72f988bf-86f1-41af-91ab-2d7cd011db47}" removed="0"/>
